--- a/Creating Cloud Infrastructure with C# and Pulumi.pptx
+++ b/Creating Cloud Infrastructure with C# and Pulumi.pptx
@@ -4,12 +4,23 @@
   <p:sldMasterIdLst>
     <p:sldMasterId id="2147483648" r:id="rId1"/>
   </p:sldMasterIdLst>
+  <p:notesMasterIdLst>
+    <p:notesMasterId r:id="rId15"/>
+  </p:notesMasterIdLst>
   <p:sldIdLst>
     <p:sldId id="256" r:id="rId2"/>
     <p:sldId id="259" r:id="rId3"/>
     <p:sldId id="260" r:id="rId4"/>
-    <p:sldId id="258" r:id="rId5"/>
-    <p:sldId id="257" r:id="rId6"/>
+    <p:sldId id="265" r:id="rId5"/>
+    <p:sldId id="258" r:id="rId6"/>
+    <p:sldId id="262" r:id="rId7"/>
+    <p:sldId id="266" r:id="rId8"/>
+    <p:sldId id="267" r:id="rId9"/>
+    <p:sldId id="269" r:id="rId10"/>
+    <p:sldId id="261" r:id="rId11"/>
+    <p:sldId id="268" r:id="rId12"/>
+    <p:sldId id="263" r:id="rId13"/>
+    <p:sldId id="264" r:id="rId14"/>
   </p:sldIdLst>
   <p:sldSz cx="12192000" cy="6858000"/>
   <p:notesSz cx="6858000" cy="9144000"/>
@@ -108,7 +119,361 @@
       </a:defRPr>
     </a:lvl9pPr>
   </p:defaultTextStyle>
+  <p:extLst>
+    <p:ext uri="{EFAFB233-063F-42B5-8137-9DF3F51BA10A}">
+      <p15:sldGuideLst xmlns:p15="http://schemas.microsoft.com/office/powerpoint/2012/main"/>
+    </p:ext>
+  </p:extLst>
 </p:presentation>
+</file>
+
+<file path=ppt/notesMasters/notesMaster1.xml><?xml version="1.0" encoding="utf-8"?>
+<p:notesMaster xmlns:a="http://schemas.openxmlformats.org/drawingml/2006/main" xmlns:r="http://schemas.openxmlformats.org/officeDocument/2006/relationships" xmlns:p="http://schemas.openxmlformats.org/presentationml/2006/main">
+  <p:cSld>
+    <p:bg>
+      <p:bgRef idx="1001">
+        <a:schemeClr val="bg1"/>
+      </p:bgRef>
+    </p:bg>
+    <p:spTree>
+      <p:nvGrpSpPr>
+        <p:cNvPr id="1" name=""/>
+        <p:cNvGrpSpPr/>
+        <p:nvPr/>
+      </p:nvGrpSpPr>
+      <p:grpSpPr>
+        <a:xfrm>
+          <a:off x="0" y="0"/>
+          <a:ext cx="0" cy="0"/>
+          <a:chOff x="0" y="0"/>
+          <a:chExt cx="0" cy="0"/>
+        </a:xfrm>
+      </p:grpSpPr>
+      <p:sp>
+        <p:nvSpPr>
+          <p:cNvPr id="2" name="Header Placeholder 1"/>
+          <p:cNvSpPr>
+            <a:spLocks noGrp="1"/>
+          </p:cNvSpPr>
+          <p:nvPr>
+            <p:ph type="hdr" sz="quarter"/>
+          </p:nvPr>
+        </p:nvSpPr>
+        <p:spPr>
+          <a:xfrm>
+            <a:off x="0" y="0"/>
+            <a:ext cx="2971800" cy="458788"/>
+          </a:xfrm>
+          <a:prstGeom prst="rect">
+            <a:avLst/>
+          </a:prstGeom>
+        </p:spPr>
+        <p:txBody>
+          <a:bodyPr vert="horz" lIns="91440" tIns="45720" rIns="91440" bIns="45720" rtlCol="0"/>
+          <a:lstStyle>
+            <a:lvl1pPr algn="l">
+              <a:defRPr sz="1200"/>
+            </a:lvl1pPr>
+          </a:lstStyle>
+          <a:p>
+            <a:endParaRPr lang="en-US"/>
+          </a:p>
+        </p:txBody>
+      </p:sp>
+      <p:sp>
+        <p:nvSpPr>
+          <p:cNvPr id="3" name="Date Placeholder 2"/>
+          <p:cNvSpPr>
+            <a:spLocks noGrp="1"/>
+          </p:cNvSpPr>
+          <p:nvPr>
+            <p:ph type="dt" idx="1"/>
+          </p:nvPr>
+        </p:nvSpPr>
+        <p:spPr>
+          <a:xfrm>
+            <a:off x="3884613" y="0"/>
+            <a:ext cx="2971800" cy="458788"/>
+          </a:xfrm>
+          <a:prstGeom prst="rect">
+            <a:avLst/>
+          </a:prstGeom>
+        </p:spPr>
+        <p:txBody>
+          <a:bodyPr vert="horz" lIns="91440" tIns="45720" rIns="91440" bIns="45720" rtlCol="0"/>
+          <a:lstStyle>
+            <a:lvl1pPr algn="r">
+              <a:defRPr sz="1200"/>
+            </a:lvl1pPr>
+          </a:lstStyle>
+          <a:p>
+            <a:fld id="{9D41054D-E79F-429A-BE4E-49F007DF4D50}" type="datetimeFigureOut">
+              <a:rPr lang="en-US" smtClean="0"/>
+              <a:t>3/26/2022</a:t>
+            </a:fld>
+            <a:endParaRPr lang="en-US"/>
+          </a:p>
+        </p:txBody>
+      </p:sp>
+      <p:sp>
+        <p:nvSpPr>
+          <p:cNvPr id="4" name="Slide Image Placeholder 3"/>
+          <p:cNvSpPr>
+            <a:spLocks noGrp="1" noRot="1" noChangeAspect="1"/>
+          </p:cNvSpPr>
+          <p:nvPr>
+            <p:ph type="sldImg" idx="2"/>
+          </p:nvPr>
+        </p:nvSpPr>
+        <p:spPr>
+          <a:xfrm>
+            <a:off x="685800" y="1143000"/>
+            <a:ext cx="5486400" cy="3086100"/>
+          </a:xfrm>
+          <a:prstGeom prst="rect">
+            <a:avLst/>
+          </a:prstGeom>
+          <a:noFill/>
+          <a:ln w="12700">
+            <a:solidFill>
+              <a:prstClr val="black"/>
+            </a:solidFill>
+          </a:ln>
+        </p:spPr>
+        <p:txBody>
+          <a:bodyPr vert="horz" lIns="91440" tIns="45720" rIns="91440" bIns="45720" rtlCol="0" anchor="ctr"/>
+          <a:lstStyle/>
+          <a:p>
+            <a:endParaRPr lang="en-US"/>
+          </a:p>
+        </p:txBody>
+      </p:sp>
+      <p:sp>
+        <p:nvSpPr>
+          <p:cNvPr id="5" name="Notes Placeholder 4"/>
+          <p:cNvSpPr>
+            <a:spLocks noGrp="1"/>
+          </p:cNvSpPr>
+          <p:nvPr>
+            <p:ph type="body" sz="quarter" idx="3"/>
+          </p:nvPr>
+        </p:nvSpPr>
+        <p:spPr>
+          <a:xfrm>
+            <a:off x="685800" y="4400550"/>
+            <a:ext cx="5486400" cy="3600450"/>
+          </a:xfrm>
+          <a:prstGeom prst="rect">
+            <a:avLst/>
+          </a:prstGeom>
+        </p:spPr>
+        <p:txBody>
+          <a:bodyPr vert="horz" lIns="91440" tIns="45720" rIns="91440" bIns="45720" rtlCol="0"/>
+          <a:lstStyle/>
+          <a:p>
+            <a:pPr lvl="0"/>
+            <a:r>
+              <a:rPr lang="en-US"/>
+              <a:t>Click to edit Master text styles</a:t>
+            </a:r>
+          </a:p>
+          <a:p>
+            <a:pPr lvl="1"/>
+            <a:r>
+              <a:rPr lang="en-US"/>
+              <a:t>Second level</a:t>
+            </a:r>
+          </a:p>
+          <a:p>
+            <a:pPr lvl="2"/>
+            <a:r>
+              <a:rPr lang="en-US"/>
+              <a:t>Third level</a:t>
+            </a:r>
+          </a:p>
+          <a:p>
+            <a:pPr lvl="3"/>
+            <a:r>
+              <a:rPr lang="en-US"/>
+              <a:t>Fourth level</a:t>
+            </a:r>
+          </a:p>
+          <a:p>
+            <a:pPr lvl="4"/>
+            <a:r>
+              <a:rPr lang="en-US"/>
+              <a:t>Fifth level</a:t>
+            </a:r>
+          </a:p>
+        </p:txBody>
+      </p:sp>
+      <p:sp>
+        <p:nvSpPr>
+          <p:cNvPr id="6" name="Footer Placeholder 5"/>
+          <p:cNvSpPr>
+            <a:spLocks noGrp="1"/>
+          </p:cNvSpPr>
+          <p:nvPr>
+            <p:ph type="ftr" sz="quarter" idx="4"/>
+          </p:nvPr>
+        </p:nvSpPr>
+        <p:spPr>
+          <a:xfrm>
+            <a:off x="0" y="8685213"/>
+            <a:ext cx="2971800" cy="458787"/>
+          </a:xfrm>
+          <a:prstGeom prst="rect">
+            <a:avLst/>
+          </a:prstGeom>
+        </p:spPr>
+        <p:txBody>
+          <a:bodyPr vert="horz" lIns="91440" tIns="45720" rIns="91440" bIns="45720" rtlCol="0" anchor="b"/>
+          <a:lstStyle>
+            <a:lvl1pPr algn="l">
+              <a:defRPr sz="1200"/>
+            </a:lvl1pPr>
+          </a:lstStyle>
+          <a:p>
+            <a:endParaRPr lang="en-US"/>
+          </a:p>
+        </p:txBody>
+      </p:sp>
+      <p:sp>
+        <p:nvSpPr>
+          <p:cNvPr id="7" name="Slide Number Placeholder 6"/>
+          <p:cNvSpPr>
+            <a:spLocks noGrp="1"/>
+          </p:cNvSpPr>
+          <p:nvPr>
+            <p:ph type="sldNum" sz="quarter" idx="5"/>
+          </p:nvPr>
+        </p:nvSpPr>
+        <p:spPr>
+          <a:xfrm>
+            <a:off x="3884613" y="8685213"/>
+            <a:ext cx="2971800" cy="458787"/>
+          </a:xfrm>
+          <a:prstGeom prst="rect">
+            <a:avLst/>
+          </a:prstGeom>
+        </p:spPr>
+        <p:txBody>
+          <a:bodyPr vert="horz" lIns="91440" tIns="45720" rIns="91440" bIns="45720" rtlCol="0" anchor="b"/>
+          <a:lstStyle>
+            <a:lvl1pPr algn="r">
+              <a:defRPr sz="1200"/>
+            </a:lvl1pPr>
+          </a:lstStyle>
+          <a:p>
+            <a:fld id="{83072E8A-F5FC-41A5-8BAC-4F50B6931BD9}" type="slidenum">
+              <a:rPr lang="en-US" smtClean="0"/>
+              <a:t>‹#›</a:t>
+            </a:fld>
+            <a:endParaRPr lang="en-US"/>
+          </a:p>
+        </p:txBody>
+      </p:sp>
+    </p:spTree>
+    <p:extLst>
+      <p:ext uri="{BB962C8B-B14F-4D97-AF65-F5344CB8AC3E}">
+        <p14:creationId xmlns:p14="http://schemas.microsoft.com/office/powerpoint/2010/main" val="1464784069"/>
+      </p:ext>
+    </p:extLst>
+  </p:cSld>
+  <p:clrMap bg1="lt1" tx1="dk1" bg2="lt2" tx2="dk2" accent1="accent1" accent2="accent2" accent3="accent3" accent4="accent4" accent5="accent5" accent6="accent6" hlink="hlink" folHlink="folHlink"/>
+  <p:notesStyle>
+    <a:lvl1pPr marL="0" algn="l" defTabSz="914400" rtl="0" eaLnBrk="1" latinLnBrk="0" hangingPunct="1">
+      <a:defRPr sz="1200" kern="1200">
+        <a:solidFill>
+          <a:schemeClr val="tx1"/>
+        </a:solidFill>
+        <a:latin typeface="+mn-lt"/>
+        <a:ea typeface="+mn-ea"/>
+        <a:cs typeface="+mn-cs"/>
+      </a:defRPr>
+    </a:lvl1pPr>
+    <a:lvl2pPr marL="457200" algn="l" defTabSz="914400" rtl="0" eaLnBrk="1" latinLnBrk="0" hangingPunct="1">
+      <a:defRPr sz="1200" kern="1200">
+        <a:solidFill>
+          <a:schemeClr val="tx1"/>
+        </a:solidFill>
+        <a:latin typeface="+mn-lt"/>
+        <a:ea typeface="+mn-ea"/>
+        <a:cs typeface="+mn-cs"/>
+      </a:defRPr>
+    </a:lvl2pPr>
+    <a:lvl3pPr marL="914400" algn="l" defTabSz="914400" rtl="0" eaLnBrk="1" latinLnBrk="0" hangingPunct="1">
+      <a:defRPr sz="1200" kern="1200">
+        <a:solidFill>
+          <a:schemeClr val="tx1"/>
+        </a:solidFill>
+        <a:latin typeface="+mn-lt"/>
+        <a:ea typeface="+mn-ea"/>
+        <a:cs typeface="+mn-cs"/>
+      </a:defRPr>
+    </a:lvl3pPr>
+    <a:lvl4pPr marL="1371600" algn="l" defTabSz="914400" rtl="0" eaLnBrk="1" latinLnBrk="0" hangingPunct="1">
+      <a:defRPr sz="1200" kern="1200">
+        <a:solidFill>
+          <a:schemeClr val="tx1"/>
+        </a:solidFill>
+        <a:latin typeface="+mn-lt"/>
+        <a:ea typeface="+mn-ea"/>
+        <a:cs typeface="+mn-cs"/>
+      </a:defRPr>
+    </a:lvl4pPr>
+    <a:lvl5pPr marL="1828800" algn="l" defTabSz="914400" rtl="0" eaLnBrk="1" latinLnBrk="0" hangingPunct="1">
+      <a:defRPr sz="1200" kern="1200">
+        <a:solidFill>
+          <a:schemeClr val="tx1"/>
+        </a:solidFill>
+        <a:latin typeface="+mn-lt"/>
+        <a:ea typeface="+mn-ea"/>
+        <a:cs typeface="+mn-cs"/>
+      </a:defRPr>
+    </a:lvl5pPr>
+    <a:lvl6pPr marL="2286000" algn="l" defTabSz="914400" rtl="0" eaLnBrk="1" latinLnBrk="0" hangingPunct="1">
+      <a:defRPr sz="1200" kern="1200">
+        <a:solidFill>
+          <a:schemeClr val="tx1"/>
+        </a:solidFill>
+        <a:latin typeface="+mn-lt"/>
+        <a:ea typeface="+mn-ea"/>
+        <a:cs typeface="+mn-cs"/>
+      </a:defRPr>
+    </a:lvl6pPr>
+    <a:lvl7pPr marL="2743200" algn="l" defTabSz="914400" rtl="0" eaLnBrk="1" latinLnBrk="0" hangingPunct="1">
+      <a:defRPr sz="1200" kern="1200">
+        <a:solidFill>
+          <a:schemeClr val="tx1"/>
+        </a:solidFill>
+        <a:latin typeface="+mn-lt"/>
+        <a:ea typeface="+mn-ea"/>
+        <a:cs typeface="+mn-cs"/>
+      </a:defRPr>
+    </a:lvl7pPr>
+    <a:lvl8pPr marL="3200400" algn="l" defTabSz="914400" rtl="0" eaLnBrk="1" latinLnBrk="0" hangingPunct="1">
+      <a:defRPr sz="1200" kern="1200">
+        <a:solidFill>
+          <a:schemeClr val="tx1"/>
+        </a:solidFill>
+        <a:latin typeface="+mn-lt"/>
+        <a:ea typeface="+mn-ea"/>
+        <a:cs typeface="+mn-cs"/>
+      </a:defRPr>
+    </a:lvl8pPr>
+    <a:lvl9pPr marL="3657600" algn="l" defTabSz="914400" rtl="0" eaLnBrk="1" latinLnBrk="0" hangingPunct="1">
+      <a:defRPr sz="1200" kern="1200">
+        <a:solidFill>
+          <a:schemeClr val="tx1"/>
+        </a:solidFill>
+        <a:latin typeface="+mn-lt"/>
+        <a:ea typeface="+mn-ea"/>
+        <a:cs typeface="+mn-cs"/>
+      </a:defRPr>
+    </a:lvl9pPr>
+  </p:notesStyle>
+</p:notesMaster>
 </file>
 
 <file path=ppt/slideLayouts/slideLayout1.xml><?xml version="1.0" encoding="utf-8"?>
@@ -237,10 +602,10 @@
       </p:sp>
       <p:sp>
         <p:nvSpPr>
-          <p:cNvPr id="4" name="Date Placeholder 3">
-            <a:extLst>
-              <a:ext uri="{FF2B5EF4-FFF2-40B4-BE49-F238E27FC236}">
-                <a16:creationId xmlns:a16="http://schemas.microsoft.com/office/drawing/2014/main" id="{4DFF23B5-5F88-407C-AF6C-56884A6AF58D}"/>
+          <p:cNvPr id="5" name="Footer Placeholder 4">
+            <a:extLst>
+              <a:ext uri="{FF2B5EF4-FFF2-40B4-BE49-F238E27FC236}">
+                <a16:creationId xmlns:a16="http://schemas.microsoft.com/office/drawing/2014/main" id="{72B9D667-AE2F-4AE1-8F31-F5E722D2D809}"/>
               </a:ext>
             </a:extLst>
           </p:cNvPr>
@@ -248,73 +613,23 @@
             <a:spLocks noGrp="1"/>
           </p:cNvSpPr>
           <p:nvPr>
-            <p:ph type="dt" sz="half" idx="10"/>
-          </p:nvPr>
-        </p:nvSpPr>
-        <p:spPr/>
+            <p:ph type="ftr" sz="quarter" idx="11"/>
+          </p:nvPr>
+        </p:nvSpPr>
+        <p:spPr>
+          <a:xfrm>
+            <a:off x="838200" y="6268236"/>
+            <a:ext cx="10515600" cy="365125"/>
+          </a:xfrm>
+        </p:spPr>
         <p:txBody>
           <a:bodyPr/>
           <a:lstStyle/>
           <a:p>
-            <a:fld id="{5538EDB4-A171-4D8A-B1E8-0B97F6F9F2A3}" type="datetimeFigureOut">
-              <a:rPr lang="en-US" smtClean="0"/>
-              <a:t>3/13/2022</a:t>
-            </a:fld>
-            <a:endParaRPr lang="en-US"/>
-          </a:p>
-        </p:txBody>
-      </p:sp>
-      <p:sp>
-        <p:nvSpPr>
-          <p:cNvPr id="5" name="Footer Placeholder 4">
-            <a:extLst>
-              <a:ext uri="{FF2B5EF4-FFF2-40B4-BE49-F238E27FC236}">
-                <a16:creationId xmlns:a16="http://schemas.microsoft.com/office/drawing/2014/main" id="{72B9D667-AE2F-4AE1-8F31-F5E722D2D809}"/>
-              </a:ext>
-            </a:extLst>
-          </p:cNvPr>
-          <p:cNvSpPr>
-            <a:spLocks noGrp="1"/>
-          </p:cNvSpPr>
-          <p:nvPr>
-            <p:ph type="ftr" sz="quarter" idx="11"/>
-          </p:nvPr>
-        </p:nvSpPr>
-        <p:spPr/>
-        <p:txBody>
-          <a:bodyPr/>
-          <a:lstStyle/>
-          <a:p>
-            <a:endParaRPr lang="en-US"/>
-          </a:p>
-        </p:txBody>
-      </p:sp>
-      <p:sp>
-        <p:nvSpPr>
-          <p:cNvPr id="6" name="Slide Number Placeholder 5">
-            <a:extLst>
-              <a:ext uri="{FF2B5EF4-FFF2-40B4-BE49-F238E27FC236}">
-                <a16:creationId xmlns:a16="http://schemas.microsoft.com/office/drawing/2014/main" id="{1184653B-84BB-418F-AD43-32753DAF3B8B}"/>
-              </a:ext>
-            </a:extLst>
-          </p:cNvPr>
-          <p:cNvSpPr>
-            <a:spLocks noGrp="1"/>
-          </p:cNvSpPr>
-          <p:nvPr>
-            <p:ph type="sldNum" sz="quarter" idx="12"/>
-          </p:nvPr>
-        </p:nvSpPr>
-        <p:spPr/>
-        <p:txBody>
-          <a:bodyPr/>
-          <a:lstStyle/>
-          <a:p>
-            <a:fld id="{876245F9-4C35-4DC6-A3E8-A2E8B43E7755}" type="slidenum">
-              <a:rPr lang="en-US" smtClean="0"/>
-              <a:t>‹#›</a:t>
-            </a:fld>
-            <a:endParaRPr lang="en-US"/>
+            <a:r>
+              <a:rPr lang="en-US" dirty="0"/>
+              <a:t>@jacobladams     https://bit.ly/jakepulumi</a:t>
+            </a:r>
           </a:p>
         </p:txBody>
       </p:sp>
@@ -449,14 +764,22 @@
             <p:ph type="dt" sz="half" idx="10"/>
           </p:nvPr>
         </p:nvSpPr>
-        <p:spPr/>
+        <p:spPr>
+          <a:xfrm>
+            <a:off x="838200" y="6356350"/>
+            <a:ext cx="2743200" cy="365125"/>
+          </a:xfrm>
+          <a:prstGeom prst="rect">
+            <a:avLst/>
+          </a:prstGeom>
+        </p:spPr>
         <p:txBody>
           <a:bodyPr/>
           <a:lstStyle/>
           <a:p>
-            <a:fld id="{5538EDB4-A171-4D8A-B1E8-0B97F6F9F2A3}" type="datetimeFigureOut">
+            <a:fld id="{F33D6365-1B93-4FFA-90EC-138E716B1777}" type="datetime1">
               <a:rPr lang="en-US" smtClean="0"/>
-              <a:t>3/13/2022</a:t>
+              <a:t>3/26/2022</a:t>
             </a:fld>
             <a:endParaRPr lang="en-US"/>
           </a:p>
@@ -483,7 +806,10 @@
           <a:bodyPr/>
           <a:lstStyle/>
           <a:p>
-            <a:endParaRPr lang="en-US"/>
+            <a:r>
+              <a:rPr lang="en-US"/>
+              <a:t>@jacobladams     https://bit.ly/jakepulumi</a:t>
+            </a:r>
           </a:p>
         </p:txBody>
       </p:sp>
@@ -503,7 +829,15 @@
             <p:ph type="sldNum" sz="quarter" idx="12"/>
           </p:nvPr>
         </p:nvSpPr>
-        <p:spPr/>
+        <p:spPr>
+          <a:xfrm>
+            <a:off x="8610600" y="6356350"/>
+            <a:ext cx="2743200" cy="365125"/>
+          </a:xfrm>
+          <a:prstGeom prst="rect">
+            <a:avLst/>
+          </a:prstGeom>
+        </p:spPr>
         <p:txBody>
           <a:bodyPr/>
           <a:lstStyle/>
@@ -657,14 +991,22 @@
             <p:ph type="dt" sz="half" idx="10"/>
           </p:nvPr>
         </p:nvSpPr>
-        <p:spPr/>
+        <p:spPr>
+          <a:xfrm>
+            <a:off x="838200" y="6356350"/>
+            <a:ext cx="2743200" cy="365125"/>
+          </a:xfrm>
+          <a:prstGeom prst="rect">
+            <a:avLst/>
+          </a:prstGeom>
+        </p:spPr>
         <p:txBody>
           <a:bodyPr/>
           <a:lstStyle/>
           <a:p>
-            <a:fld id="{5538EDB4-A171-4D8A-B1E8-0B97F6F9F2A3}" type="datetimeFigureOut">
+            <a:fld id="{7061CA4D-9E7D-4DC4-81B2-B88BD22D160B}" type="datetime1">
               <a:rPr lang="en-US" smtClean="0"/>
-              <a:t>3/13/2022</a:t>
+              <a:t>3/26/2022</a:t>
             </a:fld>
             <a:endParaRPr lang="en-US"/>
           </a:p>
@@ -691,7 +1033,10 @@
           <a:bodyPr/>
           <a:lstStyle/>
           <a:p>
-            <a:endParaRPr lang="en-US"/>
+            <a:r>
+              <a:rPr lang="en-US"/>
+              <a:t>@jacobladams     https://bit.ly/jakepulumi</a:t>
+            </a:r>
           </a:p>
         </p:txBody>
       </p:sp>
@@ -711,7 +1056,15 @@
             <p:ph type="sldNum" sz="quarter" idx="12"/>
           </p:nvPr>
         </p:nvSpPr>
-        <p:spPr/>
+        <p:spPr>
+          <a:xfrm>
+            <a:off x="8610600" y="6356350"/>
+            <a:ext cx="2743200" cy="365125"/>
+          </a:xfrm>
+          <a:prstGeom prst="rect">
+            <a:avLst/>
+          </a:prstGeom>
+        </p:spPr>
         <p:txBody>
           <a:bodyPr/>
           <a:lstStyle/>
@@ -841,10 +1194,10 @@
       </p:sp>
       <p:sp>
         <p:nvSpPr>
-          <p:cNvPr id="4" name="Date Placeholder 3">
-            <a:extLst>
-              <a:ext uri="{FF2B5EF4-FFF2-40B4-BE49-F238E27FC236}">
-                <a16:creationId xmlns:a16="http://schemas.microsoft.com/office/drawing/2014/main" id="{A98DE335-6F80-4895-B480-CBA9A63266BB}"/>
+          <p:cNvPr id="5" name="Footer Placeholder 4">
+            <a:extLst>
+              <a:ext uri="{FF2B5EF4-FFF2-40B4-BE49-F238E27FC236}">
+                <a16:creationId xmlns:a16="http://schemas.microsoft.com/office/drawing/2014/main" id="{872F3F4A-5A61-406F-A2CE-B610E7742BCC}"/>
               </a:ext>
             </a:extLst>
           </p:cNvPr>
@@ -852,73 +1205,28 @@
             <a:spLocks noGrp="1"/>
           </p:cNvSpPr>
           <p:nvPr>
-            <p:ph type="dt" sz="half" idx="10"/>
-          </p:nvPr>
-        </p:nvSpPr>
-        <p:spPr/>
-        <p:txBody>
-          <a:bodyPr/>
-          <a:lstStyle/>
-          <a:p>
-            <a:fld id="{5538EDB4-A171-4D8A-B1E8-0B97F6F9F2A3}" type="datetimeFigureOut">
-              <a:rPr lang="en-US" smtClean="0"/>
-              <a:t>3/13/2022</a:t>
-            </a:fld>
-            <a:endParaRPr lang="en-US"/>
-          </a:p>
-        </p:txBody>
-      </p:sp>
-      <p:sp>
-        <p:nvSpPr>
-          <p:cNvPr id="5" name="Footer Placeholder 4">
-            <a:extLst>
-              <a:ext uri="{FF2B5EF4-FFF2-40B4-BE49-F238E27FC236}">
-                <a16:creationId xmlns:a16="http://schemas.microsoft.com/office/drawing/2014/main" id="{872F3F4A-5A61-406F-A2CE-B610E7742BCC}"/>
-              </a:ext>
-            </a:extLst>
-          </p:cNvPr>
-          <p:cNvSpPr>
-            <a:spLocks noGrp="1"/>
-          </p:cNvSpPr>
-          <p:nvPr>
             <p:ph type="ftr" sz="quarter" idx="11"/>
           </p:nvPr>
         </p:nvSpPr>
-        <p:spPr/>
-        <p:txBody>
-          <a:bodyPr/>
-          <a:lstStyle/>
-          <a:p>
-            <a:endParaRPr lang="en-US"/>
-          </a:p>
-        </p:txBody>
-      </p:sp>
-      <p:sp>
-        <p:nvSpPr>
-          <p:cNvPr id="6" name="Slide Number Placeholder 5">
-            <a:extLst>
-              <a:ext uri="{FF2B5EF4-FFF2-40B4-BE49-F238E27FC236}">
-                <a16:creationId xmlns:a16="http://schemas.microsoft.com/office/drawing/2014/main" id="{50F277E1-0A17-40FB-8027-51E073EEABEA}"/>
-              </a:ext>
-            </a:extLst>
-          </p:cNvPr>
-          <p:cNvSpPr>
-            <a:spLocks noGrp="1"/>
-          </p:cNvSpPr>
-          <p:nvPr>
-            <p:ph type="sldNum" sz="quarter" idx="12"/>
-          </p:nvPr>
-        </p:nvSpPr>
-        <p:spPr/>
-        <p:txBody>
-          <a:bodyPr/>
-          <a:lstStyle/>
-          <a:p>
-            <a:fld id="{876245F9-4C35-4DC6-A3E8-A2E8B43E7755}" type="slidenum">
-              <a:rPr lang="en-US" smtClean="0"/>
-              <a:t>‹#›</a:t>
-            </a:fld>
-            <a:endParaRPr lang="en-US"/>
+        <p:spPr>
+          <a:xfrm>
+            <a:off x="838200" y="6356350"/>
+            <a:ext cx="10515599" cy="365125"/>
+          </a:xfrm>
+        </p:spPr>
+        <p:txBody>
+          <a:bodyPr numCol="2"/>
+          <a:lstStyle>
+            <a:lvl1pPr>
+              <a:defRPr sz="2000"/>
+            </a:lvl1pPr>
+          </a:lstStyle>
+          <a:p>
+            <a:pPr algn="l"/>
+            <a:r>
+              <a:rPr lang="en-US" dirty="0"/>
+              <a:t>@jacobladams 			https://bit.ly/jakepulumi</a:t>
+            </a:r>
           </a:p>
         </p:txBody>
       </p:sp>
@@ -1130,14 +1438,22 @@
             <p:ph type="dt" sz="half" idx="10"/>
           </p:nvPr>
         </p:nvSpPr>
-        <p:spPr/>
+        <p:spPr>
+          <a:xfrm>
+            <a:off x="838200" y="6356350"/>
+            <a:ext cx="2743200" cy="365125"/>
+          </a:xfrm>
+          <a:prstGeom prst="rect">
+            <a:avLst/>
+          </a:prstGeom>
+        </p:spPr>
         <p:txBody>
           <a:bodyPr/>
           <a:lstStyle/>
           <a:p>
-            <a:fld id="{5538EDB4-A171-4D8A-B1E8-0B97F6F9F2A3}" type="datetimeFigureOut">
+            <a:fld id="{E39AC3AE-4895-434A-9D78-F2B34C180AF0}" type="datetime1">
               <a:rPr lang="en-US" smtClean="0"/>
-              <a:t>3/13/2022</a:t>
+              <a:t>3/26/2022</a:t>
             </a:fld>
             <a:endParaRPr lang="en-US"/>
           </a:p>
@@ -1164,36 +1480,10 @@
           <a:bodyPr/>
           <a:lstStyle/>
           <a:p>
-            <a:endParaRPr lang="en-US"/>
-          </a:p>
-        </p:txBody>
-      </p:sp>
-      <p:sp>
-        <p:nvSpPr>
-          <p:cNvPr id="6" name="Slide Number Placeholder 5">
-            <a:extLst>
-              <a:ext uri="{FF2B5EF4-FFF2-40B4-BE49-F238E27FC236}">
-                <a16:creationId xmlns:a16="http://schemas.microsoft.com/office/drawing/2014/main" id="{DB23A126-E530-4353-AAD0-89325B3BF03E}"/>
-              </a:ext>
-            </a:extLst>
-          </p:cNvPr>
-          <p:cNvSpPr>
-            <a:spLocks noGrp="1"/>
-          </p:cNvSpPr>
-          <p:nvPr>
-            <p:ph type="sldNum" sz="quarter" idx="12"/>
-          </p:nvPr>
-        </p:nvSpPr>
-        <p:spPr/>
-        <p:txBody>
-          <a:bodyPr/>
-          <a:lstStyle/>
-          <a:p>
-            <a:fld id="{876245F9-4C35-4DC6-A3E8-A2E8B43E7755}" type="slidenum">
-              <a:rPr lang="en-US" smtClean="0"/>
-              <a:t>‹#›</a:t>
-            </a:fld>
-            <a:endParaRPr lang="en-US"/>
+            <a:r>
+              <a:rPr lang="en-US"/>
+              <a:t>@jacobladams     https://bit.ly/jakepulumi</a:t>
+            </a:r>
           </a:p>
         </p:txBody>
       </p:sp>
@@ -1395,14 +1685,22 @@
             <p:ph type="dt" sz="half" idx="10"/>
           </p:nvPr>
         </p:nvSpPr>
-        <p:spPr/>
+        <p:spPr>
+          <a:xfrm>
+            <a:off x="838200" y="6356350"/>
+            <a:ext cx="2743200" cy="365125"/>
+          </a:xfrm>
+          <a:prstGeom prst="rect">
+            <a:avLst/>
+          </a:prstGeom>
+        </p:spPr>
         <p:txBody>
           <a:bodyPr/>
           <a:lstStyle/>
           <a:p>
-            <a:fld id="{5538EDB4-A171-4D8A-B1E8-0B97F6F9F2A3}" type="datetimeFigureOut">
+            <a:fld id="{7BA3BDA0-80F8-457B-85D3-1F5D7C63B225}" type="datetime1">
               <a:rPr lang="en-US" smtClean="0"/>
-              <a:t>3/13/2022</a:t>
+              <a:t>3/26/2022</a:t>
             </a:fld>
             <a:endParaRPr lang="en-US"/>
           </a:p>
@@ -1429,7 +1727,10 @@
           <a:bodyPr/>
           <a:lstStyle/>
           <a:p>
-            <a:endParaRPr lang="en-US"/>
+            <a:r>
+              <a:rPr lang="en-US"/>
+              <a:t>@jacobladams     https://bit.ly/jakepulumi</a:t>
+            </a:r>
           </a:p>
         </p:txBody>
       </p:sp>
@@ -1449,7 +1750,15 @@
             <p:ph type="sldNum" sz="quarter" idx="12"/>
           </p:nvPr>
         </p:nvSpPr>
-        <p:spPr/>
+        <p:spPr>
+          <a:xfrm>
+            <a:off x="8610600" y="6356350"/>
+            <a:ext cx="2743200" cy="365125"/>
+          </a:xfrm>
+          <a:prstGeom prst="rect">
+            <a:avLst/>
+          </a:prstGeom>
+        </p:spPr>
         <p:txBody>
           <a:bodyPr/>
           <a:lstStyle/>
@@ -1807,14 +2116,22 @@
             <p:ph type="dt" sz="half" idx="10"/>
           </p:nvPr>
         </p:nvSpPr>
-        <p:spPr/>
+        <p:spPr>
+          <a:xfrm>
+            <a:off x="838200" y="6356350"/>
+            <a:ext cx="2743200" cy="365125"/>
+          </a:xfrm>
+          <a:prstGeom prst="rect">
+            <a:avLst/>
+          </a:prstGeom>
+        </p:spPr>
         <p:txBody>
           <a:bodyPr/>
           <a:lstStyle/>
           <a:p>
-            <a:fld id="{5538EDB4-A171-4D8A-B1E8-0B97F6F9F2A3}" type="datetimeFigureOut">
+            <a:fld id="{FD018E48-A786-4BC4-8C17-8FBA72ECDDB0}" type="datetime1">
               <a:rPr lang="en-US" smtClean="0"/>
-              <a:t>3/13/2022</a:t>
+              <a:t>3/26/2022</a:t>
             </a:fld>
             <a:endParaRPr lang="en-US"/>
           </a:p>
@@ -1841,7 +2158,10 @@
           <a:bodyPr/>
           <a:lstStyle/>
           <a:p>
-            <a:endParaRPr lang="en-US"/>
+            <a:r>
+              <a:rPr lang="en-US"/>
+              <a:t>@jacobladams     https://bit.ly/jakepulumi</a:t>
+            </a:r>
           </a:p>
         </p:txBody>
       </p:sp>
@@ -1861,7 +2181,15 @@
             <p:ph type="sldNum" sz="quarter" idx="12"/>
           </p:nvPr>
         </p:nvSpPr>
-        <p:spPr/>
+        <p:spPr>
+          <a:xfrm>
+            <a:off x="8610600" y="6356350"/>
+            <a:ext cx="2743200" cy="365125"/>
+          </a:xfrm>
+          <a:prstGeom prst="rect">
+            <a:avLst/>
+          </a:prstGeom>
+        </p:spPr>
         <p:txBody>
           <a:bodyPr/>
           <a:lstStyle/>
@@ -1948,14 +2276,22 @@
             <p:ph type="dt" sz="half" idx="10"/>
           </p:nvPr>
         </p:nvSpPr>
-        <p:spPr/>
+        <p:spPr>
+          <a:xfrm>
+            <a:off x="838200" y="6356350"/>
+            <a:ext cx="2743200" cy="365125"/>
+          </a:xfrm>
+          <a:prstGeom prst="rect">
+            <a:avLst/>
+          </a:prstGeom>
+        </p:spPr>
         <p:txBody>
           <a:bodyPr/>
           <a:lstStyle/>
           <a:p>
-            <a:fld id="{5538EDB4-A171-4D8A-B1E8-0B97F6F9F2A3}" type="datetimeFigureOut">
+            <a:fld id="{B5A00F0F-743C-48AC-8E2F-68A5F4639CD4}" type="datetime1">
               <a:rPr lang="en-US" smtClean="0"/>
-              <a:t>3/13/2022</a:t>
+              <a:t>3/26/2022</a:t>
             </a:fld>
             <a:endParaRPr lang="en-US"/>
           </a:p>
@@ -1982,7 +2318,10 @@
           <a:bodyPr/>
           <a:lstStyle/>
           <a:p>
-            <a:endParaRPr lang="en-US"/>
+            <a:r>
+              <a:rPr lang="en-US"/>
+              <a:t>@jacobladams     https://bit.ly/jakepulumi</a:t>
+            </a:r>
           </a:p>
         </p:txBody>
       </p:sp>
@@ -2002,7 +2341,15 @@
             <p:ph type="sldNum" sz="quarter" idx="12"/>
           </p:nvPr>
         </p:nvSpPr>
-        <p:spPr/>
+        <p:spPr>
+          <a:xfrm>
+            <a:off x="8610600" y="6356350"/>
+            <a:ext cx="2743200" cy="365125"/>
+          </a:xfrm>
+          <a:prstGeom prst="rect">
+            <a:avLst/>
+          </a:prstGeom>
+        </p:spPr>
         <p:txBody>
           <a:bodyPr/>
           <a:lstStyle/>
@@ -2061,14 +2408,22 @@
             <p:ph type="dt" sz="half" idx="10"/>
           </p:nvPr>
         </p:nvSpPr>
-        <p:spPr/>
+        <p:spPr>
+          <a:xfrm>
+            <a:off x="838200" y="6356350"/>
+            <a:ext cx="2743200" cy="365125"/>
+          </a:xfrm>
+          <a:prstGeom prst="rect">
+            <a:avLst/>
+          </a:prstGeom>
+        </p:spPr>
         <p:txBody>
           <a:bodyPr/>
           <a:lstStyle/>
           <a:p>
-            <a:fld id="{5538EDB4-A171-4D8A-B1E8-0B97F6F9F2A3}" type="datetimeFigureOut">
+            <a:fld id="{25CF2C09-475B-4C68-8229-A6671A7D69E5}" type="datetime1">
               <a:rPr lang="en-US" smtClean="0"/>
-              <a:t>3/13/2022</a:t>
+              <a:t>3/26/2022</a:t>
             </a:fld>
             <a:endParaRPr lang="en-US"/>
           </a:p>
@@ -2095,7 +2450,10 @@
           <a:bodyPr/>
           <a:lstStyle/>
           <a:p>
-            <a:endParaRPr lang="en-US"/>
+            <a:r>
+              <a:rPr lang="en-US"/>
+              <a:t>@jacobladams     https://bit.ly/jakepulumi</a:t>
+            </a:r>
           </a:p>
         </p:txBody>
       </p:sp>
@@ -2115,7 +2473,15 @@
             <p:ph type="sldNum" sz="quarter" idx="12"/>
           </p:nvPr>
         </p:nvSpPr>
-        <p:spPr/>
+        <p:spPr>
+          <a:xfrm>
+            <a:off x="8610600" y="6356350"/>
+            <a:ext cx="2743200" cy="365125"/>
+          </a:xfrm>
+          <a:prstGeom prst="rect">
+            <a:avLst/>
+          </a:prstGeom>
+        </p:spPr>
         <p:txBody>
           <a:bodyPr/>
           <a:lstStyle/>
@@ -2372,14 +2738,22 @@
             <p:ph type="dt" sz="half" idx="10"/>
           </p:nvPr>
         </p:nvSpPr>
-        <p:spPr/>
+        <p:spPr>
+          <a:xfrm>
+            <a:off x="838200" y="6356350"/>
+            <a:ext cx="2743200" cy="365125"/>
+          </a:xfrm>
+          <a:prstGeom prst="rect">
+            <a:avLst/>
+          </a:prstGeom>
+        </p:spPr>
         <p:txBody>
           <a:bodyPr/>
           <a:lstStyle/>
           <a:p>
-            <a:fld id="{5538EDB4-A171-4D8A-B1E8-0B97F6F9F2A3}" type="datetimeFigureOut">
+            <a:fld id="{B545FB41-9274-4166-A3D7-6ED863ADF9C6}" type="datetime1">
               <a:rPr lang="en-US" smtClean="0"/>
-              <a:t>3/13/2022</a:t>
+              <a:t>3/26/2022</a:t>
             </a:fld>
             <a:endParaRPr lang="en-US"/>
           </a:p>
@@ -2406,7 +2780,10 @@
           <a:bodyPr/>
           <a:lstStyle/>
           <a:p>
-            <a:endParaRPr lang="en-US"/>
+            <a:r>
+              <a:rPr lang="en-US"/>
+              <a:t>@jacobladams     https://bit.ly/jakepulumi</a:t>
+            </a:r>
           </a:p>
         </p:txBody>
       </p:sp>
@@ -2426,7 +2803,15 @@
             <p:ph type="sldNum" sz="quarter" idx="12"/>
           </p:nvPr>
         </p:nvSpPr>
-        <p:spPr/>
+        <p:spPr>
+          <a:xfrm>
+            <a:off x="8610600" y="6356350"/>
+            <a:ext cx="2743200" cy="365125"/>
+          </a:xfrm>
+          <a:prstGeom prst="rect">
+            <a:avLst/>
+          </a:prstGeom>
+        </p:spPr>
         <p:txBody>
           <a:bodyPr/>
           <a:lstStyle/>
@@ -2660,14 +3045,22 @@
             <p:ph type="dt" sz="half" idx="10"/>
           </p:nvPr>
         </p:nvSpPr>
-        <p:spPr/>
+        <p:spPr>
+          <a:xfrm>
+            <a:off x="838200" y="6356350"/>
+            <a:ext cx="2743200" cy="365125"/>
+          </a:xfrm>
+          <a:prstGeom prst="rect">
+            <a:avLst/>
+          </a:prstGeom>
+        </p:spPr>
         <p:txBody>
           <a:bodyPr/>
           <a:lstStyle/>
           <a:p>
-            <a:fld id="{5538EDB4-A171-4D8A-B1E8-0B97F6F9F2A3}" type="datetimeFigureOut">
+            <a:fld id="{AAEACCEC-D426-4E7D-85FA-2A184BD90733}" type="datetime1">
               <a:rPr lang="en-US" smtClean="0"/>
-              <a:t>3/13/2022</a:t>
+              <a:t>3/26/2022</a:t>
             </a:fld>
             <a:endParaRPr lang="en-US"/>
           </a:p>
@@ -2694,7 +3087,10 @@
           <a:bodyPr/>
           <a:lstStyle/>
           <a:p>
-            <a:endParaRPr lang="en-US"/>
+            <a:r>
+              <a:rPr lang="en-US"/>
+              <a:t>@jacobladams     https://bit.ly/jakepulumi</a:t>
+            </a:r>
           </a:p>
         </p:txBody>
       </p:sp>
@@ -2714,7 +3110,15 @@
             <p:ph type="sldNum" sz="quarter" idx="12"/>
           </p:nvPr>
         </p:nvSpPr>
-        <p:spPr/>
+        <p:spPr>
+          <a:xfrm>
+            <a:off x="8610600" y="6356350"/>
+            <a:ext cx="2743200" cy="365125"/>
+          </a:xfrm>
+          <a:prstGeom prst="rect">
+            <a:avLst/>
+          </a:prstGeom>
+        </p:spPr>
         <p:txBody>
           <a:bodyPr/>
           <a:lstStyle/>
@@ -2833,35 +3237,35 @@
           <a:p>
             <a:pPr lvl="0"/>
             <a:r>
-              <a:rPr lang="en-US"/>
+              <a:rPr lang="en-US" dirty="0"/>
               <a:t>Click to edit Master text styles</a:t>
             </a:r>
           </a:p>
           <a:p>
             <a:pPr lvl="1"/>
             <a:r>
-              <a:rPr lang="en-US"/>
+              <a:rPr lang="en-US" dirty="0"/>
               <a:t>Second level</a:t>
             </a:r>
           </a:p>
           <a:p>
             <a:pPr lvl="2"/>
             <a:r>
-              <a:rPr lang="en-US"/>
+              <a:rPr lang="en-US" dirty="0"/>
               <a:t>Third level</a:t>
             </a:r>
           </a:p>
           <a:p>
             <a:pPr lvl="3"/>
             <a:r>
-              <a:rPr lang="en-US"/>
+              <a:rPr lang="en-US" dirty="0"/>
               <a:t>Fourth level</a:t>
             </a:r>
           </a:p>
           <a:p>
             <a:pPr lvl="4"/>
             <a:r>
-              <a:rPr lang="en-US"/>
+              <a:rPr lang="en-US" dirty="0"/>
               <a:t>Fifth level</a:t>
             </a:r>
           </a:p>
@@ -2869,10 +3273,10 @@
       </p:sp>
       <p:sp>
         <p:nvSpPr>
-          <p:cNvPr id="4" name="Date Placeholder 3">
-            <a:extLst>
-              <a:ext uri="{FF2B5EF4-FFF2-40B4-BE49-F238E27FC236}">
-                <a16:creationId xmlns:a16="http://schemas.microsoft.com/office/drawing/2014/main" id="{97C13287-CB21-4979-87B2-D80F6AB3ED9F}"/>
+          <p:cNvPr id="5" name="Footer Placeholder 4">
+            <a:extLst>
+              <a:ext uri="{FF2B5EF4-FFF2-40B4-BE49-F238E27FC236}">
+                <a16:creationId xmlns:a16="http://schemas.microsoft.com/office/drawing/2014/main" id="{33C7F6A3-20DB-403D-B56D-DC89A461F844}"/>
               </a:ext>
             </a:extLst>
           </p:cNvPr>
@@ -2880,23 +3284,23 @@
             <a:spLocks noGrp="1"/>
           </p:cNvSpPr>
           <p:nvPr>
-            <p:ph type="dt" sz="half" idx="2"/>
+            <p:ph type="ftr" sz="quarter" idx="3"/>
           </p:nvPr>
         </p:nvSpPr>
         <p:spPr>
           <a:xfrm>
             <a:off x="838200" y="6356350"/>
-            <a:ext cx="2743200" cy="365125"/>
+            <a:ext cx="10515600" cy="365125"/>
           </a:xfrm>
           <a:prstGeom prst="rect">
             <a:avLst/>
           </a:prstGeom>
         </p:spPr>
         <p:txBody>
-          <a:bodyPr vert="horz" lIns="91440" tIns="45720" rIns="91440" bIns="45720" rtlCol="0" anchor="ctr"/>
+          <a:bodyPr vert="horz" lIns="91440" tIns="45720" rIns="91440" bIns="45720" numCol="2" rtlCol="0" anchor="ctr"/>
           <a:lstStyle>
             <a:lvl1pPr algn="l">
-              <a:defRPr sz="1200">
+              <a:defRPr sz="2000">
                 <a:solidFill>
                   <a:schemeClr val="tx1">
                     <a:tint val="75000"/>
@@ -2906,101 +3310,10 @@
             </a:lvl1pPr>
           </a:lstStyle>
           <a:p>
-            <a:fld id="{5538EDB4-A171-4D8A-B1E8-0B97F6F9F2A3}" type="datetimeFigureOut">
-              <a:rPr lang="en-US" smtClean="0"/>
-              <a:t>3/13/2022</a:t>
-            </a:fld>
-            <a:endParaRPr lang="en-US"/>
-          </a:p>
-        </p:txBody>
-      </p:sp>
-      <p:sp>
-        <p:nvSpPr>
-          <p:cNvPr id="5" name="Footer Placeholder 4">
-            <a:extLst>
-              <a:ext uri="{FF2B5EF4-FFF2-40B4-BE49-F238E27FC236}">
-                <a16:creationId xmlns:a16="http://schemas.microsoft.com/office/drawing/2014/main" id="{33C7F6A3-20DB-403D-B56D-DC89A461F844}"/>
-              </a:ext>
-            </a:extLst>
-          </p:cNvPr>
-          <p:cNvSpPr>
-            <a:spLocks noGrp="1"/>
-          </p:cNvSpPr>
-          <p:nvPr>
-            <p:ph type="ftr" sz="quarter" idx="3"/>
-          </p:nvPr>
-        </p:nvSpPr>
-        <p:spPr>
-          <a:xfrm>
-            <a:off x="4038600" y="6356350"/>
-            <a:ext cx="4114800" cy="365125"/>
-          </a:xfrm>
-          <a:prstGeom prst="rect">
-            <a:avLst/>
-          </a:prstGeom>
-        </p:spPr>
-        <p:txBody>
-          <a:bodyPr vert="horz" lIns="91440" tIns="45720" rIns="91440" bIns="45720" rtlCol="0" anchor="ctr"/>
-          <a:lstStyle>
-            <a:lvl1pPr algn="ctr">
-              <a:defRPr sz="1200">
-                <a:solidFill>
-                  <a:schemeClr val="tx1">
-                    <a:tint val="75000"/>
-                  </a:schemeClr>
-                </a:solidFill>
-              </a:defRPr>
-            </a:lvl1pPr>
-          </a:lstStyle>
-          <a:p>
-            <a:endParaRPr lang="en-US"/>
-          </a:p>
-        </p:txBody>
-      </p:sp>
-      <p:sp>
-        <p:nvSpPr>
-          <p:cNvPr id="6" name="Slide Number Placeholder 5">
-            <a:extLst>
-              <a:ext uri="{FF2B5EF4-FFF2-40B4-BE49-F238E27FC236}">
-                <a16:creationId xmlns:a16="http://schemas.microsoft.com/office/drawing/2014/main" id="{F2FED1B2-A9E6-4991-8834-7D6D5FCE6751}"/>
-              </a:ext>
-            </a:extLst>
-          </p:cNvPr>
-          <p:cNvSpPr>
-            <a:spLocks noGrp="1"/>
-          </p:cNvSpPr>
-          <p:nvPr>
-            <p:ph type="sldNum" sz="quarter" idx="4"/>
-          </p:nvPr>
-        </p:nvSpPr>
-        <p:spPr>
-          <a:xfrm>
-            <a:off x="8610600" y="6356350"/>
-            <a:ext cx="2743200" cy="365125"/>
-          </a:xfrm>
-          <a:prstGeom prst="rect">
-            <a:avLst/>
-          </a:prstGeom>
-        </p:spPr>
-        <p:txBody>
-          <a:bodyPr vert="horz" lIns="91440" tIns="45720" rIns="91440" bIns="45720" rtlCol="0" anchor="ctr"/>
-          <a:lstStyle>
-            <a:lvl1pPr algn="r">
-              <a:defRPr sz="1200">
-                <a:solidFill>
-                  <a:schemeClr val="tx1">
-                    <a:tint val="75000"/>
-                  </a:schemeClr>
-                </a:solidFill>
-              </a:defRPr>
-            </a:lvl1pPr>
-          </a:lstStyle>
-          <a:p>
-            <a:fld id="{876245F9-4C35-4DC6-A3E8-A2E8B43E7755}" type="slidenum">
-              <a:rPr lang="en-US" smtClean="0"/>
-              <a:t>‹#›</a:t>
-            </a:fld>
-            <a:endParaRPr lang="en-US"/>
+            <a:r>
+              <a:rPr lang="en-US" dirty="0"/>
+              <a:t>@jacobladams			https://bit.ly/jakepulumi</a:t>
+            </a:r>
           </a:p>
         </p:txBody>
       </p:sp>
@@ -3025,6 +3338,7 @@
     <p:sldLayoutId id="2147483658" r:id="rId10"/>
     <p:sldLayoutId id="2147483659" r:id="rId11"/>
   </p:sldLayoutIdLst>
+  <p:hf sldNum="0" hdr="0" dt="0"/>
   <p:txStyles>
     <p:titleStyle>
       <a:lvl1pPr algn="l" defTabSz="914400" rtl="0" eaLnBrk="1" latinLnBrk="0" hangingPunct="1">
@@ -3386,10 +3700,2161 @@
           </a:p>
         </p:txBody>
       </p:sp>
+      <p:sp>
+        <p:nvSpPr>
+          <p:cNvPr id="4" name="Footer Placeholder 3">
+            <a:extLst>
+              <a:ext uri="{FF2B5EF4-FFF2-40B4-BE49-F238E27FC236}">
+                <a16:creationId xmlns:a16="http://schemas.microsoft.com/office/drawing/2014/main" id="{A1CD63CD-FDED-4755-8BDC-C1CDC29190AF}"/>
+              </a:ext>
+            </a:extLst>
+          </p:cNvPr>
+          <p:cNvSpPr>
+            <a:spLocks noGrp="1"/>
+          </p:cNvSpPr>
+          <p:nvPr>
+            <p:ph type="ftr" sz="quarter" idx="11"/>
+          </p:nvPr>
+        </p:nvSpPr>
+        <p:spPr/>
+        <p:txBody>
+          <a:bodyPr/>
+          <a:lstStyle/>
+          <a:p>
+            <a:r>
+              <a:rPr lang="en-US"/>
+              <a:t>@jacobladams     https://bit.ly/jakepulumi</a:t>
+            </a:r>
+          </a:p>
+        </p:txBody>
+      </p:sp>
     </p:spTree>
     <p:extLst>
       <p:ext uri="{BB962C8B-B14F-4D97-AF65-F5344CB8AC3E}">
         <p14:creationId xmlns:p14="http://schemas.microsoft.com/office/powerpoint/2010/main" val="1586571079"/>
+      </p:ext>
+    </p:extLst>
+  </p:cSld>
+  <p:clrMapOvr>
+    <a:masterClrMapping/>
+  </p:clrMapOvr>
+</p:sld>
+</file>
+
+<file path=ppt/slides/slide10.xml><?xml version="1.0" encoding="utf-8"?>
+<p:sld xmlns:a="http://schemas.openxmlformats.org/drawingml/2006/main" xmlns:r="http://schemas.openxmlformats.org/officeDocument/2006/relationships" xmlns:p="http://schemas.openxmlformats.org/presentationml/2006/main">
+  <p:cSld>
+    <p:spTree>
+      <p:nvGrpSpPr>
+        <p:cNvPr id="1" name=""/>
+        <p:cNvGrpSpPr/>
+        <p:nvPr/>
+      </p:nvGrpSpPr>
+      <p:grpSpPr>
+        <a:xfrm>
+          <a:off x="0" y="0"/>
+          <a:ext cx="0" cy="0"/>
+          <a:chOff x="0" y="0"/>
+          <a:chExt cx="0" cy="0"/>
+        </a:xfrm>
+      </p:grpSpPr>
+      <p:sp>
+        <p:nvSpPr>
+          <p:cNvPr id="2" name="Title 1">
+            <a:extLst>
+              <a:ext uri="{FF2B5EF4-FFF2-40B4-BE49-F238E27FC236}">
+                <a16:creationId xmlns:a16="http://schemas.microsoft.com/office/drawing/2014/main" id="{172C0886-A72D-4BFA-B696-AD1C113BA8A5}"/>
+              </a:ext>
+            </a:extLst>
+          </p:cNvPr>
+          <p:cNvSpPr>
+            <a:spLocks noGrp="1"/>
+          </p:cNvSpPr>
+          <p:nvPr>
+            <p:ph type="title"/>
+          </p:nvPr>
+        </p:nvSpPr>
+        <p:spPr/>
+        <p:txBody>
+          <a:bodyPr/>
+          <a:lstStyle/>
+          <a:p>
+            <a:r>
+              <a:rPr lang="en-US" dirty="0"/>
+              <a:t>Comparison</a:t>
+            </a:r>
+          </a:p>
+        </p:txBody>
+      </p:sp>
+      <p:graphicFrame>
+        <p:nvGraphicFramePr>
+          <p:cNvPr id="6" name="Table 6">
+            <a:extLst>
+              <a:ext uri="{FF2B5EF4-FFF2-40B4-BE49-F238E27FC236}">
+                <a16:creationId xmlns:a16="http://schemas.microsoft.com/office/drawing/2014/main" id="{68AF16DA-5ECD-481A-9F59-E4E2EE21DDC3}"/>
+              </a:ext>
+            </a:extLst>
+          </p:cNvPr>
+          <p:cNvGraphicFramePr>
+            <a:graphicFrameLocks noGrp="1"/>
+          </p:cNvGraphicFramePr>
+          <p:nvPr>
+            <p:ph idx="1"/>
+            <p:extLst>
+              <p:ext uri="{D42A27DB-BD31-4B8C-83A1-F6EECF244321}">
+                <p14:modId xmlns:p14="http://schemas.microsoft.com/office/powerpoint/2010/main" val="472270788"/>
+              </p:ext>
+            </p:extLst>
+          </p:nvPr>
+        </p:nvGraphicFramePr>
+        <p:xfrm>
+          <a:off x="838200" y="1825625"/>
+          <a:ext cx="10515596" cy="3307080"/>
+        </p:xfrm>
+        <a:graphic>
+          <a:graphicData uri="http://schemas.openxmlformats.org/drawingml/2006/table">
+            <a:tbl>
+              <a:tblPr firstRow="1" bandRow="1">
+                <a:tableStyleId>{5C22544A-7EE6-4342-B048-85BDC9FD1C3A}</a:tableStyleId>
+              </a:tblPr>
+              <a:tblGrid>
+                <a:gridCol w="1502228">
+                  <a:extLst>
+                    <a:ext uri="{9D8B030D-6E8A-4147-A177-3AD203B41FA5}">
+                      <a16:colId xmlns:a16="http://schemas.microsoft.com/office/drawing/2014/main" val="887725761"/>
+                    </a:ext>
+                  </a:extLst>
+                </a:gridCol>
+                <a:gridCol w="1502228">
+                  <a:extLst>
+                    <a:ext uri="{9D8B030D-6E8A-4147-A177-3AD203B41FA5}">
+                      <a16:colId xmlns:a16="http://schemas.microsoft.com/office/drawing/2014/main" val="335050074"/>
+                    </a:ext>
+                  </a:extLst>
+                </a:gridCol>
+                <a:gridCol w="1196069">
+                  <a:extLst>
+                    <a:ext uri="{9D8B030D-6E8A-4147-A177-3AD203B41FA5}">
+                      <a16:colId xmlns:a16="http://schemas.microsoft.com/office/drawing/2014/main" val="757084936"/>
+                    </a:ext>
+                  </a:extLst>
+                </a:gridCol>
+                <a:gridCol w="1808387">
+                  <a:extLst>
+                    <a:ext uri="{9D8B030D-6E8A-4147-A177-3AD203B41FA5}">
+                      <a16:colId xmlns:a16="http://schemas.microsoft.com/office/drawing/2014/main" val="2691598116"/>
+                    </a:ext>
+                  </a:extLst>
+                </a:gridCol>
+                <a:gridCol w="1502228">
+                  <a:extLst>
+                    <a:ext uri="{9D8B030D-6E8A-4147-A177-3AD203B41FA5}">
+                      <a16:colId xmlns:a16="http://schemas.microsoft.com/office/drawing/2014/main" val="2822954367"/>
+                    </a:ext>
+                  </a:extLst>
+                </a:gridCol>
+                <a:gridCol w="1502228">
+                  <a:extLst>
+                    <a:ext uri="{9D8B030D-6E8A-4147-A177-3AD203B41FA5}">
+                      <a16:colId xmlns:a16="http://schemas.microsoft.com/office/drawing/2014/main" val="3021578462"/>
+                    </a:ext>
+                  </a:extLst>
+                </a:gridCol>
+                <a:gridCol w="1502228">
+                  <a:extLst>
+                    <a:ext uri="{9D8B030D-6E8A-4147-A177-3AD203B41FA5}">
+                      <a16:colId xmlns:a16="http://schemas.microsoft.com/office/drawing/2014/main" val="2477642824"/>
+                    </a:ext>
+                  </a:extLst>
+                </a:gridCol>
+              </a:tblGrid>
+              <a:tr h="612775">
+                <a:tc>
+                  <a:txBody>
+                    <a:bodyPr/>
+                    <a:lstStyle/>
+                    <a:p>
+                      <a:endParaRPr lang="en-US" dirty="0"/>
+                    </a:p>
+                  </a:txBody>
+                  <a:tcPr/>
+                </a:tc>
+                <a:tc>
+                  <a:txBody>
+                    <a:bodyPr/>
+                    <a:lstStyle/>
+                    <a:p>
+                      <a:endParaRPr lang="en-US" dirty="0"/>
+                    </a:p>
+                  </a:txBody>
+                  <a:tcPr/>
+                </a:tc>
+                <a:tc>
+                  <a:txBody>
+                    <a:bodyPr/>
+                    <a:lstStyle/>
+                    <a:p>
+                      <a:pPr algn="ctr"/>
+                      <a:r>
+                        <a:rPr lang="en-US" dirty="0"/>
+                        <a:t>Manual</a:t>
+                      </a:r>
+                    </a:p>
+                    <a:p>
+                      <a:r>
+                        <a:rPr lang="en-US" dirty="0"/>
+                        <a:t>(</a:t>
+                      </a:r>
+                      <a:r>
+                        <a:rPr lang="en-US" dirty="0" err="1"/>
+                        <a:t>ClickOps</a:t>
+                      </a:r>
+                      <a:r>
+                        <a:rPr lang="en-US" dirty="0"/>
+                        <a:t>)</a:t>
+                      </a:r>
+                    </a:p>
+                  </a:txBody>
+                  <a:tcPr anchor="ctr"/>
+                </a:tc>
+                <a:tc>
+                  <a:txBody>
+                    <a:bodyPr/>
+                    <a:lstStyle/>
+                    <a:p>
+                      <a:endParaRPr lang="en-US" dirty="0"/>
+                    </a:p>
+                  </a:txBody>
+                  <a:tcPr/>
+                </a:tc>
+                <a:tc>
+                  <a:txBody>
+                    <a:bodyPr/>
+                    <a:lstStyle/>
+                    <a:p>
+                      <a:r>
+                        <a:rPr lang="en-US" dirty="0"/>
+                        <a:t>Azure CLI</a:t>
+                      </a:r>
+                    </a:p>
+                  </a:txBody>
+                  <a:tcPr marL="457200" anchor="ctr"/>
+                </a:tc>
+                <a:tc>
+                  <a:txBody>
+                    <a:bodyPr/>
+                    <a:lstStyle/>
+                    <a:p>
+                      <a:r>
+                        <a:rPr lang="en-US" dirty="0"/>
+                        <a:t>Bicep</a:t>
+                      </a:r>
+                    </a:p>
+                  </a:txBody>
+                  <a:tcPr marL="548640" anchor="ctr"/>
+                </a:tc>
+                <a:tc>
+                  <a:txBody>
+                    <a:bodyPr/>
+                    <a:lstStyle/>
+                    <a:p>
+                      <a:endParaRPr lang="en-US" dirty="0"/>
+                    </a:p>
+                  </a:txBody>
+                  <a:tcPr/>
+                </a:tc>
+                <a:extLst>
+                  <a:ext uri="{0D108BD9-81ED-4DB2-BD59-A6C34878D82A}">
+                    <a16:rowId xmlns:a16="http://schemas.microsoft.com/office/drawing/2014/main" val="2618391890"/>
+                  </a:ext>
+                </a:extLst>
+              </a:tr>
+              <a:tr h="370840">
+                <a:tc>
+                  <a:txBody>
+                    <a:bodyPr/>
+                    <a:lstStyle/>
+                    <a:p>
+                      <a:r>
+                        <a:rPr lang="en-US" dirty="0"/>
+                        <a:t>Repeatable</a:t>
+                      </a:r>
+                    </a:p>
+                  </a:txBody>
+                  <a:tcPr/>
+                </a:tc>
+                <a:tc>
+                  <a:txBody>
+                    <a:bodyPr/>
+                    <a:lstStyle/>
+                    <a:p>
+                      <a:endParaRPr lang="en-US" dirty="0"/>
+                    </a:p>
+                  </a:txBody>
+                  <a:tcPr/>
+                </a:tc>
+                <a:tc>
+                  <a:txBody>
+                    <a:bodyPr/>
+                    <a:lstStyle/>
+                    <a:p>
+                      <a:endParaRPr lang="en-US" dirty="0"/>
+                    </a:p>
+                  </a:txBody>
+                  <a:tcPr/>
+                </a:tc>
+                <a:tc>
+                  <a:txBody>
+                    <a:bodyPr/>
+                    <a:lstStyle/>
+                    <a:p>
+                      <a:endParaRPr lang="en-US" dirty="0"/>
+                    </a:p>
+                  </a:txBody>
+                  <a:tcPr/>
+                </a:tc>
+                <a:tc>
+                  <a:txBody>
+                    <a:bodyPr/>
+                    <a:lstStyle/>
+                    <a:p>
+                      <a:endParaRPr lang="en-US"/>
+                    </a:p>
+                  </a:txBody>
+                  <a:tcPr/>
+                </a:tc>
+                <a:tc>
+                  <a:txBody>
+                    <a:bodyPr/>
+                    <a:lstStyle/>
+                    <a:p>
+                      <a:endParaRPr lang="en-US"/>
+                    </a:p>
+                  </a:txBody>
+                  <a:tcPr/>
+                </a:tc>
+                <a:tc>
+                  <a:txBody>
+                    <a:bodyPr/>
+                    <a:lstStyle/>
+                    <a:p>
+                      <a:endParaRPr lang="en-US" dirty="0"/>
+                    </a:p>
+                  </a:txBody>
+                  <a:tcPr/>
+                </a:tc>
+                <a:extLst>
+                  <a:ext uri="{0D108BD9-81ED-4DB2-BD59-A6C34878D82A}">
+                    <a16:rowId xmlns:a16="http://schemas.microsoft.com/office/drawing/2014/main" val="3795817784"/>
+                  </a:ext>
+                </a:extLst>
+              </a:tr>
+              <a:tr h="370840">
+                <a:tc>
+                  <a:txBody>
+                    <a:bodyPr/>
+                    <a:lstStyle/>
+                    <a:p>
+                      <a:r>
+                        <a:rPr lang="en-US" dirty="0"/>
+                        <a:t>Declarative</a:t>
+                      </a:r>
+                    </a:p>
+                  </a:txBody>
+                  <a:tcPr/>
+                </a:tc>
+                <a:tc>
+                  <a:txBody>
+                    <a:bodyPr/>
+                    <a:lstStyle/>
+                    <a:p>
+                      <a:endParaRPr lang="en-US" dirty="0"/>
+                    </a:p>
+                  </a:txBody>
+                  <a:tcPr/>
+                </a:tc>
+                <a:tc>
+                  <a:txBody>
+                    <a:bodyPr/>
+                    <a:lstStyle/>
+                    <a:p>
+                      <a:endParaRPr lang="en-US" dirty="0"/>
+                    </a:p>
+                  </a:txBody>
+                  <a:tcPr/>
+                </a:tc>
+                <a:tc>
+                  <a:txBody>
+                    <a:bodyPr/>
+                    <a:lstStyle/>
+                    <a:p>
+                      <a:endParaRPr lang="en-US"/>
+                    </a:p>
+                  </a:txBody>
+                  <a:tcPr/>
+                </a:tc>
+                <a:tc>
+                  <a:txBody>
+                    <a:bodyPr/>
+                    <a:lstStyle/>
+                    <a:p>
+                      <a:endParaRPr lang="en-US"/>
+                    </a:p>
+                  </a:txBody>
+                  <a:tcPr/>
+                </a:tc>
+                <a:tc>
+                  <a:txBody>
+                    <a:bodyPr/>
+                    <a:lstStyle/>
+                    <a:p>
+                      <a:endParaRPr lang="en-US"/>
+                    </a:p>
+                  </a:txBody>
+                  <a:tcPr/>
+                </a:tc>
+                <a:tc>
+                  <a:txBody>
+                    <a:bodyPr/>
+                    <a:lstStyle/>
+                    <a:p>
+                      <a:endParaRPr lang="en-US"/>
+                    </a:p>
+                  </a:txBody>
+                  <a:tcPr/>
+                </a:tc>
+                <a:extLst>
+                  <a:ext uri="{0D108BD9-81ED-4DB2-BD59-A6C34878D82A}">
+                    <a16:rowId xmlns:a16="http://schemas.microsoft.com/office/drawing/2014/main" val="1953593780"/>
+                  </a:ext>
+                </a:extLst>
+              </a:tr>
+              <a:tr h="370840">
+                <a:tc>
+                  <a:txBody>
+                    <a:bodyPr/>
+                    <a:lstStyle/>
+                    <a:p>
+                      <a:r>
+                        <a:rPr lang="en-US" dirty="0"/>
+                        <a:t>Multi-cloud</a:t>
+                      </a:r>
+                    </a:p>
+                  </a:txBody>
+                  <a:tcPr/>
+                </a:tc>
+                <a:tc>
+                  <a:txBody>
+                    <a:bodyPr/>
+                    <a:lstStyle/>
+                    <a:p>
+                      <a:endParaRPr lang="en-US"/>
+                    </a:p>
+                  </a:txBody>
+                  <a:tcPr/>
+                </a:tc>
+                <a:tc>
+                  <a:txBody>
+                    <a:bodyPr/>
+                    <a:lstStyle/>
+                    <a:p>
+                      <a:endParaRPr lang="en-US" dirty="0"/>
+                    </a:p>
+                  </a:txBody>
+                  <a:tcPr/>
+                </a:tc>
+                <a:tc>
+                  <a:txBody>
+                    <a:bodyPr/>
+                    <a:lstStyle/>
+                    <a:p>
+                      <a:endParaRPr lang="en-US"/>
+                    </a:p>
+                  </a:txBody>
+                  <a:tcPr/>
+                </a:tc>
+                <a:tc>
+                  <a:txBody>
+                    <a:bodyPr/>
+                    <a:lstStyle/>
+                    <a:p>
+                      <a:endParaRPr lang="en-US"/>
+                    </a:p>
+                  </a:txBody>
+                  <a:tcPr/>
+                </a:tc>
+                <a:tc>
+                  <a:txBody>
+                    <a:bodyPr/>
+                    <a:lstStyle/>
+                    <a:p>
+                      <a:endParaRPr lang="en-US" dirty="0"/>
+                    </a:p>
+                  </a:txBody>
+                  <a:tcPr/>
+                </a:tc>
+                <a:tc>
+                  <a:txBody>
+                    <a:bodyPr/>
+                    <a:lstStyle/>
+                    <a:p>
+                      <a:endParaRPr lang="en-US"/>
+                    </a:p>
+                  </a:txBody>
+                  <a:tcPr/>
+                </a:tc>
+                <a:extLst>
+                  <a:ext uri="{0D108BD9-81ED-4DB2-BD59-A6C34878D82A}">
+                    <a16:rowId xmlns:a16="http://schemas.microsoft.com/office/drawing/2014/main" val="235521826"/>
+                  </a:ext>
+                </a:extLst>
+              </a:tr>
+              <a:tr h="370840">
+                <a:tc>
+                  <a:txBody>
+                    <a:bodyPr/>
+                    <a:lstStyle/>
+                    <a:p>
+                      <a:r>
+                        <a:rPr lang="en-US" dirty="0"/>
+                        <a:t>General purpose</a:t>
+                      </a:r>
+                    </a:p>
+                    <a:p>
+                      <a:r>
+                        <a:rPr lang="en-US" dirty="0"/>
+                        <a:t>language</a:t>
+                      </a:r>
+                    </a:p>
+                  </a:txBody>
+                  <a:tcPr/>
+                </a:tc>
+                <a:tc>
+                  <a:txBody>
+                    <a:bodyPr/>
+                    <a:lstStyle/>
+                    <a:p>
+                      <a:endParaRPr lang="en-US"/>
+                    </a:p>
+                  </a:txBody>
+                  <a:tcPr/>
+                </a:tc>
+                <a:tc>
+                  <a:txBody>
+                    <a:bodyPr/>
+                    <a:lstStyle/>
+                    <a:p>
+                      <a:endParaRPr lang="en-US" dirty="0"/>
+                    </a:p>
+                  </a:txBody>
+                  <a:tcPr/>
+                </a:tc>
+                <a:tc>
+                  <a:txBody>
+                    <a:bodyPr/>
+                    <a:lstStyle/>
+                    <a:p>
+                      <a:endParaRPr lang="en-US"/>
+                    </a:p>
+                  </a:txBody>
+                  <a:tcPr/>
+                </a:tc>
+                <a:tc>
+                  <a:txBody>
+                    <a:bodyPr/>
+                    <a:lstStyle/>
+                    <a:p>
+                      <a:endParaRPr lang="en-US" dirty="0"/>
+                    </a:p>
+                  </a:txBody>
+                  <a:tcPr/>
+                </a:tc>
+                <a:tc>
+                  <a:txBody>
+                    <a:bodyPr/>
+                    <a:lstStyle/>
+                    <a:p>
+                      <a:endParaRPr lang="en-US"/>
+                    </a:p>
+                  </a:txBody>
+                  <a:tcPr/>
+                </a:tc>
+                <a:tc>
+                  <a:txBody>
+                    <a:bodyPr/>
+                    <a:lstStyle/>
+                    <a:p>
+                      <a:endParaRPr lang="en-US"/>
+                    </a:p>
+                  </a:txBody>
+                  <a:tcPr/>
+                </a:tc>
+                <a:extLst>
+                  <a:ext uri="{0D108BD9-81ED-4DB2-BD59-A6C34878D82A}">
+                    <a16:rowId xmlns:a16="http://schemas.microsoft.com/office/drawing/2014/main" val="1402346560"/>
+                  </a:ext>
+                </a:extLst>
+              </a:tr>
+              <a:tr h="370840">
+                <a:tc>
+                  <a:txBody>
+                    <a:bodyPr/>
+                    <a:lstStyle/>
+                    <a:p>
+                      <a:r>
+                        <a:rPr lang="en-US" dirty="0"/>
+                        <a:t>Human readable</a:t>
+                      </a:r>
+                    </a:p>
+                  </a:txBody>
+                  <a:tcPr/>
+                </a:tc>
+                <a:tc>
+                  <a:txBody>
+                    <a:bodyPr/>
+                    <a:lstStyle/>
+                    <a:p>
+                      <a:endParaRPr lang="en-US"/>
+                    </a:p>
+                  </a:txBody>
+                  <a:tcPr/>
+                </a:tc>
+                <a:tc>
+                  <a:txBody>
+                    <a:bodyPr/>
+                    <a:lstStyle/>
+                    <a:p>
+                      <a:endParaRPr lang="en-US"/>
+                    </a:p>
+                  </a:txBody>
+                  <a:tcPr/>
+                </a:tc>
+                <a:tc>
+                  <a:txBody>
+                    <a:bodyPr/>
+                    <a:lstStyle/>
+                    <a:p>
+                      <a:endParaRPr lang="en-US"/>
+                    </a:p>
+                  </a:txBody>
+                  <a:tcPr/>
+                </a:tc>
+                <a:tc>
+                  <a:txBody>
+                    <a:bodyPr/>
+                    <a:lstStyle/>
+                    <a:p>
+                      <a:endParaRPr lang="en-US"/>
+                    </a:p>
+                  </a:txBody>
+                  <a:tcPr/>
+                </a:tc>
+                <a:tc>
+                  <a:txBody>
+                    <a:bodyPr/>
+                    <a:lstStyle/>
+                    <a:p>
+                      <a:endParaRPr lang="en-US"/>
+                    </a:p>
+                  </a:txBody>
+                  <a:tcPr/>
+                </a:tc>
+                <a:tc>
+                  <a:txBody>
+                    <a:bodyPr/>
+                    <a:lstStyle/>
+                    <a:p>
+                      <a:endParaRPr lang="en-US" dirty="0"/>
+                    </a:p>
+                  </a:txBody>
+                  <a:tcPr/>
+                </a:tc>
+                <a:extLst>
+                  <a:ext uri="{0D108BD9-81ED-4DB2-BD59-A6C34878D82A}">
+                    <a16:rowId xmlns:a16="http://schemas.microsoft.com/office/drawing/2014/main" val="3327423677"/>
+                  </a:ext>
+                </a:extLst>
+              </a:tr>
+            </a:tbl>
+          </a:graphicData>
+        </a:graphic>
+      </p:graphicFrame>
+      <p:sp>
+        <p:nvSpPr>
+          <p:cNvPr id="4" name="Footer Placeholder 3">
+            <a:extLst>
+              <a:ext uri="{FF2B5EF4-FFF2-40B4-BE49-F238E27FC236}">
+                <a16:creationId xmlns:a16="http://schemas.microsoft.com/office/drawing/2014/main" id="{5723FD92-1ADD-4354-AD4C-3ABEB9D17646}"/>
+              </a:ext>
+            </a:extLst>
+          </p:cNvPr>
+          <p:cNvSpPr>
+            <a:spLocks noGrp="1"/>
+          </p:cNvSpPr>
+          <p:nvPr>
+            <p:ph type="ftr" sz="quarter" idx="11"/>
+          </p:nvPr>
+        </p:nvSpPr>
+        <p:spPr/>
+        <p:txBody>
+          <a:bodyPr/>
+          <a:lstStyle/>
+          <a:p>
+            <a:pPr algn="l"/>
+            <a:r>
+              <a:rPr lang="en-US"/>
+              <a:t>@jacobladams 			https://bit.ly/jakepulumi</a:t>
+            </a:r>
+            <a:endParaRPr lang="en-US" dirty="0"/>
+          </a:p>
+        </p:txBody>
+      </p:sp>
+      <p:pic>
+        <p:nvPicPr>
+          <p:cNvPr id="8" name="Graphic 7" descr="Checkmark with solid fill">
+            <a:extLst>
+              <a:ext uri="{FF2B5EF4-FFF2-40B4-BE49-F238E27FC236}">
+                <a16:creationId xmlns:a16="http://schemas.microsoft.com/office/drawing/2014/main" id="{100CA3F1-245A-460E-8F5E-3D301482F6DE}"/>
+              </a:ext>
+            </a:extLst>
+          </p:cNvPr>
+          <p:cNvPicPr>
+            <a:picLocks noChangeAspect="1"/>
+          </p:cNvPicPr>
+          <p:nvPr/>
+        </p:nvPicPr>
+        <p:blipFill>
+          <a:blip r:embed="rId2">
+            <a:extLst>
+              <a:ext uri="{28A0092B-C50C-407E-A947-70E740481C1C}">
+                <a14:useLocalDpi xmlns:a14="http://schemas.microsoft.com/office/drawing/2010/main" val="0"/>
+              </a:ext>
+              <a:ext uri="{96DAC541-7B7A-43D3-8B79-37D633B846F1}">
+                <asvg:svgBlip xmlns:asvg="http://schemas.microsoft.com/office/drawing/2016/SVG/main" r:embed="rId3"/>
+              </a:ext>
+            </a:extLst>
+          </a:blip>
+          <a:stretch>
+            <a:fillRect/>
+          </a:stretch>
+        </p:blipFill>
+        <p:spPr>
+          <a:xfrm>
+            <a:off x="2700292" y="2381955"/>
+            <a:ext cx="495670" cy="495670"/>
+          </a:xfrm>
+          <a:prstGeom prst="rect">
+            <a:avLst/>
+          </a:prstGeom>
+        </p:spPr>
+      </p:pic>
+      <p:pic>
+        <p:nvPicPr>
+          <p:cNvPr id="11" name="Graphic 10" descr="Checkmark with solid fill">
+            <a:extLst>
+              <a:ext uri="{FF2B5EF4-FFF2-40B4-BE49-F238E27FC236}">
+                <a16:creationId xmlns:a16="http://schemas.microsoft.com/office/drawing/2014/main" id="{457264B4-A28C-4368-B9B9-1C8824D9B6AD}"/>
+              </a:ext>
+            </a:extLst>
+          </p:cNvPr>
+          <p:cNvPicPr>
+            <a:picLocks noChangeAspect="1"/>
+          </p:cNvPicPr>
+          <p:nvPr/>
+        </p:nvPicPr>
+        <p:blipFill>
+          <a:blip r:embed="rId2">
+            <a:extLst>
+              <a:ext uri="{28A0092B-C50C-407E-A947-70E740481C1C}">
+                <a14:useLocalDpi xmlns:a14="http://schemas.microsoft.com/office/drawing/2010/main" val="0"/>
+              </a:ext>
+              <a:ext uri="{96DAC541-7B7A-43D3-8B79-37D633B846F1}">
+                <asvg:svgBlip xmlns:asvg="http://schemas.microsoft.com/office/drawing/2016/SVG/main" r:embed="rId3"/>
+              </a:ext>
+            </a:extLst>
+          </a:blip>
+          <a:stretch>
+            <a:fillRect/>
+          </a:stretch>
+        </p:blipFill>
+        <p:spPr>
+          <a:xfrm>
+            <a:off x="2700292" y="2778038"/>
+            <a:ext cx="495670" cy="495670"/>
+          </a:xfrm>
+          <a:prstGeom prst="rect">
+            <a:avLst/>
+          </a:prstGeom>
+        </p:spPr>
+      </p:pic>
+      <p:pic>
+        <p:nvPicPr>
+          <p:cNvPr id="12" name="Graphic 11" descr="Checkmark with solid fill">
+            <a:extLst>
+              <a:ext uri="{FF2B5EF4-FFF2-40B4-BE49-F238E27FC236}">
+                <a16:creationId xmlns:a16="http://schemas.microsoft.com/office/drawing/2014/main" id="{158CBB9C-936B-4F96-B933-72DE5EC18CA6}"/>
+              </a:ext>
+            </a:extLst>
+          </p:cNvPr>
+          <p:cNvPicPr>
+            <a:picLocks noChangeAspect="1"/>
+          </p:cNvPicPr>
+          <p:nvPr/>
+        </p:nvPicPr>
+        <p:blipFill>
+          <a:blip r:embed="rId2">
+            <a:extLst>
+              <a:ext uri="{28A0092B-C50C-407E-A947-70E740481C1C}">
+                <a14:useLocalDpi xmlns:a14="http://schemas.microsoft.com/office/drawing/2010/main" val="0"/>
+              </a:ext>
+              <a:ext uri="{96DAC541-7B7A-43D3-8B79-37D633B846F1}">
+                <asvg:svgBlip xmlns:asvg="http://schemas.microsoft.com/office/drawing/2016/SVG/main" r:embed="rId3"/>
+              </a:ext>
+            </a:extLst>
+          </a:blip>
+          <a:stretch>
+            <a:fillRect/>
+          </a:stretch>
+        </p:blipFill>
+        <p:spPr>
+          <a:xfrm>
+            <a:off x="2700292" y="3133160"/>
+            <a:ext cx="495670" cy="495670"/>
+          </a:xfrm>
+          <a:prstGeom prst="rect">
+            <a:avLst/>
+          </a:prstGeom>
+        </p:spPr>
+      </p:pic>
+      <p:pic>
+        <p:nvPicPr>
+          <p:cNvPr id="13" name="Graphic 12" descr="Checkmark with solid fill">
+            <a:extLst>
+              <a:ext uri="{FF2B5EF4-FFF2-40B4-BE49-F238E27FC236}">
+                <a16:creationId xmlns:a16="http://schemas.microsoft.com/office/drawing/2014/main" id="{14DC349B-44EB-4F04-9F52-9E0A980B9F10}"/>
+              </a:ext>
+            </a:extLst>
+          </p:cNvPr>
+          <p:cNvPicPr>
+            <a:picLocks noChangeAspect="1"/>
+          </p:cNvPicPr>
+          <p:nvPr/>
+        </p:nvPicPr>
+        <p:blipFill>
+          <a:blip r:embed="rId2">
+            <a:extLst>
+              <a:ext uri="{28A0092B-C50C-407E-A947-70E740481C1C}">
+                <a14:useLocalDpi xmlns:a14="http://schemas.microsoft.com/office/drawing/2010/main" val="0"/>
+              </a:ext>
+              <a:ext uri="{96DAC541-7B7A-43D3-8B79-37D633B846F1}">
+                <asvg:svgBlip xmlns:asvg="http://schemas.microsoft.com/office/drawing/2016/SVG/main" r:embed="rId3"/>
+              </a:ext>
+            </a:extLst>
+          </a:blip>
+          <a:stretch>
+            <a:fillRect/>
+          </a:stretch>
+        </p:blipFill>
+        <p:spPr>
+          <a:xfrm>
+            <a:off x="2700292" y="3777078"/>
+            <a:ext cx="495670" cy="495670"/>
+          </a:xfrm>
+          <a:prstGeom prst="rect">
+            <a:avLst/>
+          </a:prstGeom>
+        </p:spPr>
+      </p:pic>
+      <p:pic>
+        <p:nvPicPr>
+          <p:cNvPr id="14" name="Graphic 13" descr="Checkmark with solid fill">
+            <a:extLst>
+              <a:ext uri="{FF2B5EF4-FFF2-40B4-BE49-F238E27FC236}">
+                <a16:creationId xmlns:a16="http://schemas.microsoft.com/office/drawing/2014/main" id="{0C067712-B846-403C-9243-9EFD877A17F7}"/>
+              </a:ext>
+            </a:extLst>
+          </p:cNvPr>
+          <p:cNvPicPr>
+            <a:picLocks noChangeAspect="1"/>
+          </p:cNvPicPr>
+          <p:nvPr/>
+        </p:nvPicPr>
+        <p:blipFill>
+          <a:blip r:embed="rId2">
+            <a:extLst>
+              <a:ext uri="{28A0092B-C50C-407E-A947-70E740481C1C}">
+                <a14:useLocalDpi xmlns:a14="http://schemas.microsoft.com/office/drawing/2010/main" val="0"/>
+              </a:ext>
+              <a:ext uri="{96DAC541-7B7A-43D3-8B79-37D633B846F1}">
+                <asvg:svgBlip xmlns:asvg="http://schemas.microsoft.com/office/drawing/2016/SVG/main" r:embed="rId3"/>
+              </a:ext>
+            </a:extLst>
+          </a:blip>
+          <a:stretch>
+            <a:fillRect/>
+          </a:stretch>
+        </p:blipFill>
+        <p:spPr>
+          <a:xfrm>
+            <a:off x="2700292" y="4508483"/>
+            <a:ext cx="495670" cy="495670"/>
+          </a:xfrm>
+          <a:prstGeom prst="rect">
+            <a:avLst/>
+          </a:prstGeom>
+        </p:spPr>
+      </p:pic>
+      <p:pic>
+        <p:nvPicPr>
+          <p:cNvPr id="15" name="Graphic 14" descr="Checkmark with solid fill">
+            <a:extLst>
+              <a:ext uri="{FF2B5EF4-FFF2-40B4-BE49-F238E27FC236}">
+                <a16:creationId xmlns:a16="http://schemas.microsoft.com/office/drawing/2014/main" id="{5A380326-91E6-4BD9-AB5F-9E6C69789A8E}"/>
+              </a:ext>
+            </a:extLst>
+          </p:cNvPr>
+          <p:cNvPicPr>
+            <a:picLocks noChangeAspect="1"/>
+          </p:cNvPicPr>
+          <p:nvPr/>
+        </p:nvPicPr>
+        <p:blipFill>
+          <a:blip r:embed="rId2">
+            <a:extLst>
+              <a:ext uri="{28A0092B-C50C-407E-A947-70E740481C1C}">
+                <a14:useLocalDpi xmlns:a14="http://schemas.microsoft.com/office/drawing/2010/main" val="0"/>
+              </a:ext>
+              <a:ext uri="{96DAC541-7B7A-43D3-8B79-37D633B846F1}">
+                <asvg:svgBlip xmlns:asvg="http://schemas.microsoft.com/office/drawing/2016/SVG/main" r:embed="rId3"/>
+              </a:ext>
+            </a:extLst>
+          </a:blip>
+          <a:stretch>
+            <a:fillRect/>
+          </a:stretch>
+        </p:blipFill>
+        <p:spPr>
+          <a:xfrm>
+            <a:off x="4035826" y="4518008"/>
+            <a:ext cx="495670" cy="495670"/>
+          </a:xfrm>
+          <a:prstGeom prst="rect">
+            <a:avLst/>
+          </a:prstGeom>
+        </p:spPr>
+      </p:pic>
+      <p:pic>
+        <p:nvPicPr>
+          <p:cNvPr id="17" name="Graphic 16" descr="Checkmark with solid fill">
+            <a:extLst>
+              <a:ext uri="{FF2B5EF4-FFF2-40B4-BE49-F238E27FC236}">
+                <a16:creationId xmlns:a16="http://schemas.microsoft.com/office/drawing/2014/main" id="{9ED2AE09-9CED-46F8-8426-F1A78A6047CC}"/>
+              </a:ext>
+            </a:extLst>
+          </p:cNvPr>
+          <p:cNvPicPr>
+            <a:picLocks noChangeAspect="1"/>
+          </p:cNvPicPr>
+          <p:nvPr/>
+        </p:nvPicPr>
+        <p:blipFill>
+          <a:blip r:embed="rId2">
+            <a:extLst>
+              <a:ext uri="{28A0092B-C50C-407E-A947-70E740481C1C}">
+                <a14:useLocalDpi xmlns:a14="http://schemas.microsoft.com/office/drawing/2010/main" val="0"/>
+              </a:ext>
+              <a:ext uri="{96DAC541-7B7A-43D3-8B79-37D633B846F1}">
+                <asvg:svgBlip xmlns:asvg="http://schemas.microsoft.com/office/drawing/2016/SVG/main" r:embed="rId3"/>
+              </a:ext>
+            </a:extLst>
+          </a:blip>
+          <a:stretch>
+            <a:fillRect/>
+          </a:stretch>
+        </p:blipFill>
+        <p:spPr>
+          <a:xfrm>
+            <a:off x="5655725" y="2359353"/>
+            <a:ext cx="495670" cy="495670"/>
+          </a:xfrm>
+          <a:prstGeom prst="rect">
+            <a:avLst/>
+          </a:prstGeom>
+        </p:spPr>
+      </p:pic>
+      <p:pic>
+        <p:nvPicPr>
+          <p:cNvPr id="18" name="Graphic 17" descr="Checkmark with solid fill">
+            <a:extLst>
+              <a:ext uri="{FF2B5EF4-FFF2-40B4-BE49-F238E27FC236}">
+                <a16:creationId xmlns:a16="http://schemas.microsoft.com/office/drawing/2014/main" id="{A0004033-5A3E-4CC0-946D-A320083B97DC}"/>
+              </a:ext>
+            </a:extLst>
+          </p:cNvPr>
+          <p:cNvPicPr>
+            <a:picLocks noChangeAspect="1"/>
+          </p:cNvPicPr>
+          <p:nvPr/>
+        </p:nvPicPr>
+        <p:blipFill>
+          <a:blip r:embed="rId2">
+            <a:extLst>
+              <a:ext uri="{28A0092B-C50C-407E-A947-70E740481C1C}">
+                <a14:useLocalDpi xmlns:a14="http://schemas.microsoft.com/office/drawing/2010/main" val="0"/>
+              </a:ext>
+              <a:ext uri="{96DAC541-7B7A-43D3-8B79-37D633B846F1}">
+                <asvg:svgBlip xmlns:asvg="http://schemas.microsoft.com/office/drawing/2016/SVG/main" r:embed="rId3"/>
+              </a:ext>
+            </a:extLst>
+          </a:blip>
+          <a:stretch>
+            <a:fillRect/>
+          </a:stretch>
+        </p:blipFill>
+        <p:spPr>
+          <a:xfrm>
+            <a:off x="5655725" y="2777629"/>
+            <a:ext cx="495670" cy="495670"/>
+          </a:xfrm>
+          <a:prstGeom prst="rect">
+            <a:avLst/>
+          </a:prstGeom>
+        </p:spPr>
+      </p:pic>
+      <p:pic>
+        <p:nvPicPr>
+          <p:cNvPr id="19" name="Graphic 18" descr="Checkmark with solid fill">
+            <a:extLst>
+              <a:ext uri="{FF2B5EF4-FFF2-40B4-BE49-F238E27FC236}">
+                <a16:creationId xmlns:a16="http://schemas.microsoft.com/office/drawing/2014/main" id="{2C5C4ABF-2303-4E91-A9E5-C5B978FDF3F0}"/>
+              </a:ext>
+            </a:extLst>
+          </p:cNvPr>
+          <p:cNvPicPr>
+            <a:picLocks noChangeAspect="1"/>
+          </p:cNvPicPr>
+          <p:nvPr/>
+        </p:nvPicPr>
+        <p:blipFill>
+          <a:blip r:embed="rId2">
+            <a:extLst>
+              <a:ext uri="{28A0092B-C50C-407E-A947-70E740481C1C}">
+                <a14:useLocalDpi xmlns:a14="http://schemas.microsoft.com/office/drawing/2010/main" val="0"/>
+              </a:ext>
+              <a:ext uri="{96DAC541-7B7A-43D3-8B79-37D633B846F1}">
+                <asvg:svgBlip xmlns:asvg="http://schemas.microsoft.com/office/drawing/2016/SVG/main" r:embed="rId3"/>
+              </a:ext>
+            </a:extLst>
+          </a:blip>
+          <a:stretch>
+            <a:fillRect/>
+          </a:stretch>
+        </p:blipFill>
+        <p:spPr>
+          <a:xfrm>
+            <a:off x="7300867" y="2363795"/>
+            <a:ext cx="495670" cy="495670"/>
+          </a:xfrm>
+          <a:prstGeom prst="rect">
+            <a:avLst/>
+          </a:prstGeom>
+        </p:spPr>
+      </p:pic>
+      <p:pic>
+        <p:nvPicPr>
+          <p:cNvPr id="20" name="Graphic 19" descr="Checkmark with solid fill">
+            <a:extLst>
+              <a:ext uri="{FF2B5EF4-FFF2-40B4-BE49-F238E27FC236}">
+                <a16:creationId xmlns:a16="http://schemas.microsoft.com/office/drawing/2014/main" id="{7E02772C-6658-455F-9DD9-7FD13C402932}"/>
+              </a:ext>
+            </a:extLst>
+          </p:cNvPr>
+          <p:cNvPicPr>
+            <a:picLocks noChangeAspect="1"/>
+          </p:cNvPicPr>
+          <p:nvPr/>
+        </p:nvPicPr>
+        <p:blipFill>
+          <a:blip r:embed="rId2">
+            <a:extLst>
+              <a:ext uri="{28A0092B-C50C-407E-A947-70E740481C1C}">
+                <a14:useLocalDpi xmlns:a14="http://schemas.microsoft.com/office/drawing/2010/main" val="0"/>
+              </a:ext>
+              <a:ext uri="{96DAC541-7B7A-43D3-8B79-37D633B846F1}">
+                <asvg:svgBlip xmlns:asvg="http://schemas.microsoft.com/office/drawing/2016/SVG/main" r:embed="rId3"/>
+              </a:ext>
+            </a:extLst>
+          </a:blip>
+          <a:stretch>
+            <a:fillRect/>
+          </a:stretch>
+        </p:blipFill>
+        <p:spPr>
+          <a:xfrm>
+            <a:off x="7300867" y="4519302"/>
+            <a:ext cx="495670" cy="495670"/>
+          </a:xfrm>
+          <a:prstGeom prst="rect">
+            <a:avLst/>
+          </a:prstGeom>
+        </p:spPr>
+      </p:pic>
+      <p:pic>
+        <p:nvPicPr>
+          <p:cNvPr id="21" name="Graphic 20" descr="Checkmark with solid fill">
+            <a:extLst>
+              <a:ext uri="{FF2B5EF4-FFF2-40B4-BE49-F238E27FC236}">
+                <a16:creationId xmlns:a16="http://schemas.microsoft.com/office/drawing/2014/main" id="{B1F2F385-24CD-4B6A-8E3A-2E0530603BF6}"/>
+              </a:ext>
+            </a:extLst>
+          </p:cNvPr>
+          <p:cNvPicPr>
+            <a:picLocks noChangeAspect="1"/>
+          </p:cNvPicPr>
+          <p:nvPr/>
+        </p:nvPicPr>
+        <p:blipFill>
+          <a:blip r:embed="rId2">
+            <a:extLst>
+              <a:ext uri="{28A0092B-C50C-407E-A947-70E740481C1C}">
+                <a14:useLocalDpi xmlns:a14="http://schemas.microsoft.com/office/drawing/2010/main" val="0"/>
+              </a:ext>
+              <a:ext uri="{96DAC541-7B7A-43D3-8B79-37D633B846F1}">
+                <asvg:svgBlip xmlns:asvg="http://schemas.microsoft.com/office/drawing/2016/SVG/main" r:embed="rId3"/>
+              </a:ext>
+            </a:extLst>
+          </a:blip>
+          <a:stretch>
+            <a:fillRect/>
+          </a:stretch>
+        </p:blipFill>
+        <p:spPr>
+          <a:xfrm>
+            <a:off x="8739142" y="2755866"/>
+            <a:ext cx="495670" cy="495670"/>
+          </a:xfrm>
+          <a:prstGeom prst="rect">
+            <a:avLst/>
+          </a:prstGeom>
+        </p:spPr>
+      </p:pic>
+      <p:pic>
+        <p:nvPicPr>
+          <p:cNvPr id="22" name="Graphic 21" descr="Checkmark with solid fill">
+            <a:extLst>
+              <a:ext uri="{FF2B5EF4-FFF2-40B4-BE49-F238E27FC236}">
+                <a16:creationId xmlns:a16="http://schemas.microsoft.com/office/drawing/2014/main" id="{DDD8EE0B-E302-4441-A6AB-A8F6226477DE}"/>
+              </a:ext>
+            </a:extLst>
+          </p:cNvPr>
+          <p:cNvPicPr>
+            <a:picLocks noChangeAspect="1"/>
+          </p:cNvPicPr>
+          <p:nvPr/>
+        </p:nvPicPr>
+        <p:blipFill>
+          <a:blip r:embed="rId2">
+            <a:extLst>
+              <a:ext uri="{28A0092B-C50C-407E-A947-70E740481C1C}">
+                <a14:useLocalDpi xmlns:a14="http://schemas.microsoft.com/office/drawing/2010/main" val="0"/>
+              </a:ext>
+              <a:ext uri="{96DAC541-7B7A-43D3-8B79-37D633B846F1}">
+                <asvg:svgBlip xmlns:asvg="http://schemas.microsoft.com/office/drawing/2016/SVG/main" r:embed="rId3"/>
+              </a:ext>
+            </a:extLst>
+          </a:blip>
+          <a:stretch>
+            <a:fillRect/>
+          </a:stretch>
+        </p:blipFill>
+        <p:spPr>
+          <a:xfrm>
+            <a:off x="8739142" y="2389793"/>
+            <a:ext cx="495670" cy="495670"/>
+          </a:xfrm>
+          <a:prstGeom prst="rect">
+            <a:avLst/>
+          </a:prstGeom>
+        </p:spPr>
+      </p:pic>
+      <p:pic>
+        <p:nvPicPr>
+          <p:cNvPr id="23" name="Graphic 22" descr="Checkmark with solid fill">
+            <a:extLst>
+              <a:ext uri="{FF2B5EF4-FFF2-40B4-BE49-F238E27FC236}">
+                <a16:creationId xmlns:a16="http://schemas.microsoft.com/office/drawing/2014/main" id="{935A1ED0-6C57-4E52-AB9B-27539B3D2300}"/>
+              </a:ext>
+            </a:extLst>
+          </p:cNvPr>
+          <p:cNvPicPr>
+            <a:picLocks noChangeAspect="1"/>
+          </p:cNvPicPr>
+          <p:nvPr/>
+        </p:nvPicPr>
+        <p:blipFill>
+          <a:blip r:embed="rId2">
+            <a:extLst>
+              <a:ext uri="{28A0092B-C50C-407E-A947-70E740481C1C}">
+                <a14:useLocalDpi xmlns:a14="http://schemas.microsoft.com/office/drawing/2010/main" val="0"/>
+              </a:ext>
+              <a:ext uri="{96DAC541-7B7A-43D3-8B79-37D633B846F1}">
+                <asvg:svgBlip xmlns:asvg="http://schemas.microsoft.com/office/drawing/2016/SVG/main" r:embed="rId3"/>
+              </a:ext>
+            </a:extLst>
+          </a:blip>
+          <a:stretch>
+            <a:fillRect/>
+          </a:stretch>
+        </p:blipFill>
+        <p:spPr>
+          <a:xfrm>
+            <a:off x="8784548" y="4519302"/>
+            <a:ext cx="495670" cy="495670"/>
+          </a:xfrm>
+          <a:prstGeom prst="rect">
+            <a:avLst/>
+          </a:prstGeom>
+        </p:spPr>
+      </p:pic>
+      <p:pic>
+        <p:nvPicPr>
+          <p:cNvPr id="24" name="Graphic 23" descr="Checkmark with solid fill">
+            <a:extLst>
+              <a:ext uri="{FF2B5EF4-FFF2-40B4-BE49-F238E27FC236}">
+                <a16:creationId xmlns:a16="http://schemas.microsoft.com/office/drawing/2014/main" id="{BF6F1EFF-BD1E-4AE1-943F-D0D681744FA9}"/>
+              </a:ext>
+            </a:extLst>
+          </p:cNvPr>
+          <p:cNvPicPr>
+            <a:picLocks noChangeAspect="1"/>
+          </p:cNvPicPr>
+          <p:nvPr/>
+        </p:nvPicPr>
+        <p:blipFill>
+          <a:blip r:embed="rId2">
+            <a:extLst>
+              <a:ext uri="{28A0092B-C50C-407E-A947-70E740481C1C}">
+                <a14:useLocalDpi xmlns:a14="http://schemas.microsoft.com/office/drawing/2010/main" val="0"/>
+              </a:ext>
+              <a:ext uri="{96DAC541-7B7A-43D3-8B79-37D633B846F1}">
+                <asvg:svgBlip xmlns:asvg="http://schemas.microsoft.com/office/drawing/2016/SVG/main" r:embed="rId3"/>
+              </a:ext>
+            </a:extLst>
+          </a:blip>
+          <a:stretch>
+            <a:fillRect/>
+          </a:stretch>
+        </p:blipFill>
+        <p:spPr>
+          <a:xfrm>
+            <a:off x="10268229" y="2370656"/>
+            <a:ext cx="495670" cy="495670"/>
+          </a:xfrm>
+          <a:prstGeom prst="rect">
+            <a:avLst/>
+          </a:prstGeom>
+        </p:spPr>
+      </p:pic>
+      <p:pic>
+        <p:nvPicPr>
+          <p:cNvPr id="25" name="Graphic 24" descr="Checkmark with solid fill">
+            <a:extLst>
+              <a:ext uri="{FF2B5EF4-FFF2-40B4-BE49-F238E27FC236}">
+                <a16:creationId xmlns:a16="http://schemas.microsoft.com/office/drawing/2014/main" id="{5252ECA3-795E-4DF2-A8FE-ACDCDD05CCB5}"/>
+              </a:ext>
+            </a:extLst>
+          </p:cNvPr>
+          <p:cNvPicPr>
+            <a:picLocks noChangeAspect="1"/>
+          </p:cNvPicPr>
+          <p:nvPr/>
+        </p:nvPicPr>
+        <p:blipFill>
+          <a:blip r:embed="rId2">
+            <a:extLst>
+              <a:ext uri="{28A0092B-C50C-407E-A947-70E740481C1C}">
+                <a14:useLocalDpi xmlns:a14="http://schemas.microsoft.com/office/drawing/2010/main" val="0"/>
+              </a:ext>
+              <a:ext uri="{96DAC541-7B7A-43D3-8B79-37D633B846F1}">
+                <asvg:svgBlip xmlns:asvg="http://schemas.microsoft.com/office/drawing/2016/SVG/main" r:embed="rId3"/>
+              </a:ext>
+            </a:extLst>
+          </a:blip>
+          <a:stretch>
+            <a:fillRect/>
+          </a:stretch>
+        </p:blipFill>
+        <p:spPr>
+          <a:xfrm>
+            <a:off x="10268229" y="2777629"/>
+            <a:ext cx="495670" cy="495670"/>
+          </a:xfrm>
+          <a:prstGeom prst="rect">
+            <a:avLst/>
+          </a:prstGeom>
+        </p:spPr>
+      </p:pic>
+      <p:pic>
+        <p:nvPicPr>
+          <p:cNvPr id="26" name="Graphic 25" descr="Checkmark with solid fill">
+            <a:extLst>
+              <a:ext uri="{FF2B5EF4-FFF2-40B4-BE49-F238E27FC236}">
+                <a16:creationId xmlns:a16="http://schemas.microsoft.com/office/drawing/2014/main" id="{72424967-E667-4108-9EC5-139597848A01}"/>
+              </a:ext>
+            </a:extLst>
+          </p:cNvPr>
+          <p:cNvPicPr>
+            <a:picLocks noChangeAspect="1"/>
+          </p:cNvPicPr>
+          <p:nvPr/>
+        </p:nvPicPr>
+        <p:blipFill>
+          <a:blip r:embed="rId2">
+            <a:extLst>
+              <a:ext uri="{28A0092B-C50C-407E-A947-70E740481C1C}">
+                <a14:useLocalDpi xmlns:a14="http://schemas.microsoft.com/office/drawing/2010/main" val="0"/>
+              </a:ext>
+              <a:ext uri="{96DAC541-7B7A-43D3-8B79-37D633B846F1}">
+                <asvg:svgBlip xmlns:asvg="http://schemas.microsoft.com/office/drawing/2016/SVG/main" r:embed="rId3"/>
+              </a:ext>
+            </a:extLst>
+          </a:blip>
+          <a:stretch>
+            <a:fillRect/>
+          </a:stretch>
+        </p:blipFill>
+        <p:spPr>
+          <a:xfrm>
+            <a:off x="10268229" y="3129032"/>
+            <a:ext cx="495670" cy="495670"/>
+          </a:xfrm>
+          <a:prstGeom prst="rect">
+            <a:avLst/>
+          </a:prstGeom>
+        </p:spPr>
+      </p:pic>
+      <p:pic>
+        <p:nvPicPr>
+          <p:cNvPr id="27" name="Graphic 26" descr="Checkmark with solid fill">
+            <a:extLst>
+              <a:ext uri="{FF2B5EF4-FFF2-40B4-BE49-F238E27FC236}">
+                <a16:creationId xmlns:a16="http://schemas.microsoft.com/office/drawing/2014/main" id="{4DF5FE3A-7C5D-45EE-90D5-41590515787B}"/>
+              </a:ext>
+            </a:extLst>
+          </p:cNvPr>
+          <p:cNvPicPr>
+            <a:picLocks noChangeAspect="1"/>
+          </p:cNvPicPr>
+          <p:nvPr/>
+        </p:nvPicPr>
+        <p:blipFill>
+          <a:blip r:embed="rId2">
+            <a:extLst>
+              <a:ext uri="{28A0092B-C50C-407E-A947-70E740481C1C}">
+                <a14:useLocalDpi xmlns:a14="http://schemas.microsoft.com/office/drawing/2010/main" val="0"/>
+              </a:ext>
+              <a:ext uri="{96DAC541-7B7A-43D3-8B79-37D633B846F1}">
+                <asvg:svgBlip xmlns:asvg="http://schemas.microsoft.com/office/drawing/2016/SVG/main" r:embed="rId3"/>
+              </a:ext>
+            </a:extLst>
+          </a:blip>
+          <a:stretch>
+            <a:fillRect/>
+          </a:stretch>
+        </p:blipFill>
+        <p:spPr>
+          <a:xfrm>
+            <a:off x="10268229" y="4494395"/>
+            <a:ext cx="495670" cy="495670"/>
+          </a:xfrm>
+          <a:prstGeom prst="rect">
+            <a:avLst/>
+          </a:prstGeom>
+        </p:spPr>
+      </p:pic>
+      <p:pic>
+        <p:nvPicPr>
+          <p:cNvPr id="31" name="Graphic 30">
+            <a:extLst>
+              <a:ext uri="{FF2B5EF4-FFF2-40B4-BE49-F238E27FC236}">
+                <a16:creationId xmlns:a16="http://schemas.microsoft.com/office/drawing/2014/main" id="{05E79DD1-ED75-4604-A408-CB6613BBCEE2}"/>
+              </a:ext>
+            </a:extLst>
+          </p:cNvPr>
+          <p:cNvPicPr>
+            <a:picLocks noChangeAspect="1"/>
+          </p:cNvPicPr>
+          <p:nvPr/>
+        </p:nvPicPr>
+        <p:blipFill>
+          <a:blip r:embed="rId4">
+            <a:extLst>
+              <a:ext uri="{28A0092B-C50C-407E-A947-70E740481C1C}">
+                <a14:useLocalDpi xmlns:a14="http://schemas.microsoft.com/office/drawing/2010/main" val="0"/>
+              </a:ext>
+              <a:ext uri="{96DAC541-7B7A-43D3-8B79-37D633B846F1}">
+                <asvg:svgBlip xmlns:asvg="http://schemas.microsoft.com/office/drawing/2016/SVG/main" r:embed="rId5"/>
+              </a:ext>
+            </a:extLst>
+          </a:blip>
+          <a:stretch>
+            <a:fillRect/>
+          </a:stretch>
+        </p:blipFill>
+        <p:spPr>
+          <a:xfrm>
+            <a:off x="2423996" y="1956031"/>
+            <a:ext cx="1319329" cy="329056"/>
+          </a:xfrm>
+          <a:prstGeom prst="rect">
+            <a:avLst/>
+          </a:prstGeom>
+        </p:spPr>
+      </p:pic>
+      <p:pic>
+        <p:nvPicPr>
+          <p:cNvPr id="33" name="Picture 32">
+            <a:extLst>
+              <a:ext uri="{FF2B5EF4-FFF2-40B4-BE49-F238E27FC236}">
+                <a16:creationId xmlns:a16="http://schemas.microsoft.com/office/drawing/2014/main" id="{0D7C1C88-7740-4106-AAF1-B45F5D517640}"/>
+              </a:ext>
+            </a:extLst>
+          </p:cNvPr>
+          <p:cNvPicPr>
+            <a:picLocks noChangeAspect="1"/>
+          </p:cNvPicPr>
+          <p:nvPr/>
+        </p:nvPicPr>
+        <p:blipFill>
+          <a:blip r:embed="rId6"/>
+          <a:stretch>
+            <a:fillRect/>
+          </a:stretch>
+        </p:blipFill>
+        <p:spPr>
+          <a:xfrm>
+            <a:off x="5085430" y="1774070"/>
+            <a:ext cx="1639220" cy="688472"/>
+          </a:xfrm>
+          <a:prstGeom prst="rect">
+            <a:avLst/>
+          </a:prstGeom>
+        </p:spPr>
+      </p:pic>
+      <p:pic>
+        <p:nvPicPr>
+          <p:cNvPr id="35" name="Picture 34">
+            <a:extLst>
+              <a:ext uri="{FF2B5EF4-FFF2-40B4-BE49-F238E27FC236}">
+                <a16:creationId xmlns:a16="http://schemas.microsoft.com/office/drawing/2014/main" id="{E0B0F99E-C776-405C-953D-591C136C5A28}"/>
+              </a:ext>
+            </a:extLst>
+          </p:cNvPr>
+          <p:cNvPicPr>
+            <a:picLocks noChangeAspect="1"/>
+          </p:cNvPicPr>
+          <p:nvPr/>
+        </p:nvPicPr>
+        <p:blipFill>
+          <a:blip r:embed="rId7"/>
+          <a:stretch>
+            <a:fillRect/>
+          </a:stretch>
+        </p:blipFill>
+        <p:spPr>
+          <a:xfrm>
+            <a:off x="6917567" y="1985537"/>
+            <a:ext cx="383300" cy="314960"/>
+          </a:xfrm>
+          <a:prstGeom prst="rect">
+            <a:avLst/>
+          </a:prstGeom>
+        </p:spPr>
+      </p:pic>
+      <p:pic>
+        <p:nvPicPr>
+          <p:cNvPr id="37" name="Picture 36">
+            <a:extLst>
+              <a:ext uri="{FF2B5EF4-FFF2-40B4-BE49-F238E27FC236}">
+                <a16:creationId xmlns:a16="http://schemas.microsoft.com/office/drawing/2014/main" id="{6FC4797E-0209-478D-8301-0003C628AC2D}"/>
+              </a:ext>
+            </a:extLst>
+          </p:cNvPr>
+          <p:cNvPicPr>
+            <a:picLocks noChangeAspect="1"/>
+          </p:cNvPicPr>
+          <p:nvPr/>
+        </p:nvPicPr>
+        <p:blipFill>
+          <a:blip r:embed="rId8"/>
+          <a:stretch>
+            <a:fillRect/>
+          </a:stretch>
+        </p:blipFill>
+        <p:spPr>
+          <a:xfrm>
+            <a:off x="8457472" y="1896786"/>
+            <a:ext cx="420284" cy="409445"/>
+          </a:xfrm>
+          <a:prstGeom prst="rect">
+            <a:avLst/>
+          </a:prstGeom>
+        </p:spPr>
+      </p:pic>
+      <p:pic>
+        <p:nvPicPr>
+          <p:cNvPr id="39" name="Picture 38">
+            <a:extLst>
+              <a:ext uri="{FF2B5EF4-FFF2-40B4-BE49-F238E27FC236}">
+                <a16:creationId xmlns:a16="http://schemas.microsoft.com/office/drawing/2014/main" id="{26215072-0A4E-402C-873F-6981506C7BE1}"/>
+              </a:ext>
+            </a:extLst>
+          </p:cNvPr>
+          <p:cNvPicPr>
+            <a:picLocks noChangeAspect="1"/>
+          </p:cNvPicPr>
+          <p:nvPr/>
+        </p:nvPicPr>
+        <p:blipFill>
+          <a:blip r:embed="rId9"/>
+          <a:stretch>
+            <a:fillRect/>
+          </a:stretch>
+        </p:blipFill>
+        <p:spPr>
+          <a:xfrm>
+            <a:off x="9927363" y="1957621"/>
+            <a:ext cx="1318841" cy="370792"/>
+          </a:xfrm>
+          <a:prstGeom prst="rect">
+            <a:avLst/>
+          </a:prstGeom>
+        </p:spPr>
+      </p:pic>
+    </p:spTree>
+    <p:extLst>
+      <p:ext uri="{BB962C8B-B14F-4D97-AF65-F5344CB8AC3E}">
+        <p14:creationId xmlns:p14="http://schemas.microsoft.com/office/powerpoint/2010/main" val="3275728753"/>
+      </p:ext>
+    </p:extLst>
+  </p:cSld>
+  <p:clrMapOvr>
+    <a:masterClrMapping/>
+  </p:clrMapOvr>
+</p:sld>
+</file>
+
+<file path=ppt/slides/slide11.xml><?xml version="1.0" encoding="utf-8"?>
+<p:sld xmlns:a="http://schemas.openxmlformats.org/drawingml/2006/main" xmlns:r="http://schemas.openxmlformats.org/officeDocument/2006/relationships" xmlns:p="http://schemas.openxmlformats.org/presentationml/2006/main">
+  <p:cSld>
+    <p:spTree>
+      <p:nvGrpSpPr>
+        <p:cNvPr id="1" name=""/>
+        <p:cNvGrpSpPr/>
+        <p:nvPr/>
+      </p:nvGrpSpPr>
+      <p:grpSpPr>
+        <a:xfrm>
+          <a:off x="0" y="0"/>
+          <a:ext cx="0" cy="0"/>
+          <a:chOff x="0" y="0"/>
+          <a:chExt cx="0" cy="0"/>
+        </a:xfrm>
+      </p:grpSpPr>
+      <p:sp>
+        <p:nvSpPr>
+          <p:cNvPr id="2" name="Title 1">
+            <a:extLst>
+              <a:ext uri="{FF2B5EF4-FFF2-40B4-BE49-F238E27FC236}">
+                <a16:creationId xmlns:a16="http://schemas.microsoft.com/office/drawing/2014/main" id="{BA3DB63A-89BB-4CE8-B0E5-DE52A82EADDA}"/>
+              </a:ext>
+            </a:extLst>
+          </p:cNvPr>
+          <p:cNvSpPr>
+            <a:spLocks noGrp="1"/>
+          </p:cNvSpPr>
+          <p:nvPr>
+            <p:ph type="title"/>
+          </p:nvPr>
+        </p:nvSpPr>
+        <p:spPr/>
+        <p:txBody>
+          <a:bodyPr/>
+          <a:lstStyle/>
+          <a:p>
+            <a:r>
+              <a:rPr lang="en-US" dirty="0"/>
+              <a:t>Tradeoffs</a:t>
+            </a:r>
+          </a:p>
+        </p:txBody>
+      </p:sp>
+      <p:sp>
+        <p:nvSpPr>
+          <p:cNvPr id="3" name="Content Placeholder 2">
+            <a:extLst>
+              <a:ext uri="{FF2B5EF4-FFF2-40B4-BE49-F238E27FC236}">
+                <a16:creationId xmlns:a16="http://schemas.microsoft.com/office/drawing/2014/main" id="{1A3CA888-1742-475D-AF54-B5482A805EF2}"/>
+              </a:ext>
+            </a:extLst>
+          </p:cNvPr>
+          <p:cNvSpPr>
+            <a:spLocks noGrp="1"/>
+          </p:cNvSpPr>
+          <p:nvPr>
+            <p:ph idx="1"/>
+          </p:nvPr>
+        </p:nvSpPr>
+        <p:spPr/>
+        <p:txBody>
+          <a:bodyPr/>
+          <a:lstStyle/>
+          <a:p>
+            <a:pPr marL="0" indent="0">
+              <a:buNone/>
+            </a:pPr>
+            <a:r>
+              <a:rPr lang="en-US" dirty="0"/>
+              <a:t>Defining your infrastructure in C# means … your infrastructure is defined in C#.</a:t>
+            </a:r>
+          </a:p>
+          <a:p>
+            <a:pPr marL="0" indent="0">
+              <a:buNone/>
+            </a:pPr>
+            <a:endParaRPr lang="en-US" dirty="0"/>
+          </a:p>
+          <a:p>
+            <a:pPr marL="0" indent="0">
+              <a:buNone/>
+            </a:pPr>
+            <a:r>
+              <a:rPr lang="en-US" dirty="0"/>
+              <a:t>Smaller ecosystem</a:t>
+            </a:r>
+          </a:p>
+          <a:p>
+            <a:pPr marL="0" indent="0">
+              <a:buNone/>
+            </a:pPr>
+            <a:endParaRPr lang="en-US" dirty="0"/>
+          </a:p>
+          <a:p>
+            <a:pPr marL="0" indent="0">
+              <a:buNone/>
+            </a:pPr>
+            <a:r>
+              <a:rPr lang="en-US" strike="sngStrike" dirty="0"/>
+              <a:t>Delay in feature releases </a:t>
+            </a:r>
+            <a:r>
+              <a:rPr lang="en-US" dirty="0"/>
+              <a:t>(</a:t>
+            </a:r>
+            <a:r>
+              <a:rPr lang="en-US" dirty="0" err="1"/>
+              <a:t>Pulumi</a:t>
+            </a:r>
+            <a:r>
+              <a:rPr lang="en-US" dirty="0"/>
+              <a:t> “native” packages)</a:t>
+            </a:r>
+            <a:endParaRPr lang="en-US" strike="sngStrike" dirty="0"/>
+          </a:p>
+          <a:p>
+            <a:pPr marL="0" indent="0">
+              <a:buNone/>
+            </a:pPr>
+            <a:endParaRPr lang="en-US" dirty="0"/>
+          </a:p>
+        </p:txBody>
+      </p:sp>
+      <p:sp>
+        <p:nvSpPr>
+          <p:cNvPr id="4" name="Footer Placeholder 3">
+            <a:extLst>
+              <a:ext uri="{FF2B5EF4-FFF2-40B4-BE49-F238E27FC236}">
+                <a16:creationId xmlns:a16="http://schemas.microsoft.com/office/drawing/2014/main" id="{E6F71515-FFEE-4854-A537-1DA0EF81CC69}"/>
+              </a:ext>
+            </a:extLst>
+          </p:cNvPr>
+          <p:cNvSpPr>
+            <a:spLocks noGrp="1"/>
+          </p:cNvSpPr>
+          <p:nvPr>
+            <p:ph type="ftr" sz="quarter" idx="11"/>
+          </p:nvPr>
+        </p:nvSpPr>
+        <p:spPr/>
+        <p:txBody>
+          <a:bodyPr/>
+          <a:lstStyle/>
+          <a:p>
+            <a:pPr algn="l"/>
+            <a:r>
+              <a:rPr lang="en-US"/>
+              <a:t>@jacobladams 			https://bit.ly/jakepulumi</a:t>
+            </a:r>
+            <a:endParaRPr lang="en-US" dirty="0"/>
+          </a:p>
+        </p:txBody>
+      </p:sp>
+    </p:spTree>
+    <p:extLst>
+      <p:ext uri="{BB962C8B-B14F-4D97-AF65-F5344CB8AC3E}">
+        <p14:creationId xmlns:p14="http://schemas.microsoft.com/office/powerpoint/2010/main" val="3333426290"/>
+      </p:ext>
+    </p:extLst>
+  </p:cSld>
+  <p:clrMapOvr>
+    <a:masterClrMapping/>
+  </p:clrMapOvr>
+</p:sld>
+</file>
+
+<file path=ppt/slides/slide12.xml><?xml version="1.0" encoding="utf-8"?>
+<p:sld xmlns:a="http://schemas.openxmlformats.org/drawingml/2006/main" xmlns:r="http://schemas.openxmlformats.org/officeDocument/2006/relationships" xmlns:p="http://schemas.openxmlformats.org/presentationml/2006/main">
+  <p:cSld>
+    <p:spTree>
+      <p:nvGrpSpPr>
+        <p:cNvPr id="1" name=""/>
+        <p:cNvGrpSpPr/>
+        <p:nvPr/>
+      </p:nvGrpSpPr>
+      <p:grpSpPr>
+        <a:xfrm>
+          <a:off x="0" y="0"/>
+          <a:ext cx="0" cy="0"/>
+          <a:chOff x="0" y="0"/>
+          <a:chExt cx="0" cy="0"/>
+        </a:xfrm>
+      </p:grpSpPr>
+      <p:sp>
+        <p:nvSpPr>
+          <p:cNvPr id="2" name="Title 1">
+            <a:extLst>
+              <a:ext uri="{FF2B5EF4-FFF2-40B4-BE49-F238E27FC236}">
+                <a16:creationId xmlns:a16="http://schemas.microsoft.com/office/drawing/2014/main" id="{FF0B22F5-9035-42CC-8343-E3187785772D}"/>
+              </a:ext>
+            </a:extLst>
+          </p:cNvPr>
+          <p:cNvSpPr>
+            <a:spLocks noGrp="1"/>
+          </p:cNvSpPr>
+          <p:nvPr>
+            <p:ph type="title"/>
+          </p:nvPr>
+        </p:nvSpPr>
+        <p:spPr/>
+        <p:txBody>
+          <a:bodyPr/>
+          <a:lstStyle/>
+          <a:p>
+            <a:r>
+              <a:rPr lang="en-US" dirty="0"/>
+              <a:t>DEMOS</a:t>
+            </a:r>
+          </a:p>
+        </p:txBody>
+      </p:sp>
+      <p:sp>
+        <p:nvSpPr>
+          <p:cNvPr id="3" name="Text Placeholder 2">
+            <a:extLst>
+              <a:ext uri="{FF2B5EF4-FFF2-40B4-BE49-F238E27FC236}">
+                <a16:creationId xmlns:a16="http://schemas.microsoft.com/office/drawing/2014/main" id="{A5998227-6BD4-4392-A902-A136C39E83F2}"/>
+              </a:ext>
+            </a:extLst>
+          </p:cNvPr>
+          <p:cNvSpPr>
+            <a:spLocks noGrp="1"/>
+          </p:cNvSpPr>
+          <p:nvPr>
+            <p:ph type="body" idx="1"/>
+          </p:nvPr>
+        </p:nvSpPr>
+        <p:spPr>
+          <a:xfrm>
+            <a:off x="6362700" y="4589463"/>
+            <a:ext cx="4984750" cy="1500187"/>
+          </a:xfrm>
+        </p:spPr>
+        <p:txBody>
+          <a:bodyPr/>
+          <a:lstStyle/>
+          <a:p>
+            <a:r>
+              <a:rPr lang="en-US" dirty="0"/>
+              <a:t>He’s finally getting to the code!</a:t>
+            </a:r>
+          </a:p>
+        </p:txBody>
+      </p:sp>
+      <p:sp>
+        <p:nvSpPr>
+          <p:cNvPr id="4" name="Footer Placeholder 3">
+            <a:extLst>
+              <a:ext uri="{FF2B5EF4-FFF2-40B4-BE49-F238E27FC236}">
+                <a16:creationId xmlns:a16="http://schemas.microsoft.com/office/drawing/2014/main" id="{F1C34EE7-CCC3-4334-8847-92FB828F86BC}"/>
+              </a:ext>
+            </a:extLst>
+          </p:cNvPr>
+          <p:cNvSpPr>
+            <a:spLocks noGrp="1"/>
+          </p:cNvSpPr>
+          <p:nvPr>
+            <p:ph type="ftr" sz="quarter" idx="11"/>
+          </p:nvPr>
+        </p:nvSpPr>
+        <p:spPr/>
+        <p:txBody>
+          <a:bodyPr/>
+          <a:lstStyle/>
+          <a:p>
+            <a:r>
+              <a:rPr lang="en-US"/>
+              <a:t>@jacobladams     https://bit.ly/jakepulumi</a:t>
+            </a:r>
+          </a:p>
+        </p:txBody>
+      </p:sp>
+      <p:pic>
+        <p:nvPicPr>
+          <p:cNvPr id="6" name="Picture 5" descr="A picture containing person, child, young, hair&#10;&#10;Description automatically generated">
+            <a:extLst>
+              <a:ext uri="{FF2B5EF4-FFF2-40B4-BE49-F238E27FC236}">
+                <a16:creationId xmlns:a16="http://schemas.microsoft.com/office/drawing/2014/main" id="{A4CA7B9B-27DC-469D-9DA5-E9C2B116C5EC}"/>
+              </a:ext>
+            </a:extLst>
+          </p:cNvPr>
+          <p:cNvPicPr>
+            <a:picLocks noChangeAspect="1"/>
+          </p:cNvPicPr>
+          <p:nvPr/>
+        </p:nvPicPr>
+        <p:blipFill>
+          <a:blip r:embed="rId2">
+            <a:extLst>
+              <a:ext uri="{28A0092B-C50C-407E-A947-70E740481C1C}">
+                <a14:useLocalDpi xmlns:a14="http://schemas.microsoft.com/office/drawing/2010/main" val="0"/>
+              </a:ext>
+            </a:extLst>
+          </a:blip>
+          <a:stretch>
+            <a:fillRect/>
+          </a:stretch>
+        </p:blipFill>
+        <p:spPr>
+          <a:xfrm>
+            <a:off x="6474133" y="408265"/>
+            <a:ext cx="4286250" cy="3943350"/>
+          </a:xfrm>
+          <a:prstGeom prst="rect">
+            <a:avLst/>
+          </a:prstGeom>
+        </p:spPr>
+      </p:pic>
+    </p:spTree>
+    <p:extLst>
+      <p:ext uri="{BB962C8B-B14F-4D97-AF65-F5344CB8AC3E}">
+        <p14:creationId xmlns:p14="http://schemas.microsoft.com/office/powerpoint/2010/main" val="2877781955"/>
+      </p:ext>
+    </p:extLst>
+  </p:cSld>
+  <p:clrMapOvr>
+    <a:masterClrMapping/>
+  </p:clrMapOvr>
+</p:sld>
+</file>
+
+<file path=ppt/slides/slide13.xml><?xml version="1.0" encoding="utf-8"?>
+<p:sld xmlns:a="http://schemas.openxmlformats.org/drawingml/2006/main" xmlns:r="http://schemas.openxmlformats.org/officeDocument/2006/relationships" xmlns:p="http://schemas.openxmlformats.org/presentationml/2006/main">
+  <p:cSld>
+    <p:spTree>
+      <p:nvGrpSpPr>
+        <p:cNvPr id="1" name=""/>
+        <p:cNvGrpSpPr/>
+        <p:nvPr/>
+      </p:nvGrpSpPr>
+      <p:grpSpPr>
+        <a:xfrm>
+          <a:off x="0" y="0"/>
+          <a:ext cx="0" cy="0"/>
+          <a:chOff x="0" y="0"/>
+          <a:chExt cx="0" cy="0"/>
+        </a:xfrm>
+      </p:grpSpPr>
+      <p:sp>
+        <p:nvSpPr>
+          <p:cNvPr id="2" name="Title 1">
+            <a:extLst>
+              <a:ext uri="{FF2B5EF4-FFF2-40B4-BE49-F238E27FC236}">
+                <a16:creationId xmlns:a16="http://schemas.microsoft.com/office/drawing/2014/main" id="{2916348D-47CC-471D-B1AF-4A0C9851D437}"/>
+              </a:ext>
+            </a:extLst>
+          </p:cNvPr>
+          <p:cNvSpPr>
+            <a:spLocks noGrp="1"/>
+          </p:cNvSpPr>
+          <p:nvPr>
+            <p:ph type="title"/>
+          </p:nvPr>
+        </p:nvSpPr>
+        <p:spPr/>
+        <p:txBody>
+          <a:bodyPr/>
+          <a:lstStyle/>
+          <a:p>
+            <a:r>
+              <a:rPr lang="en-US" dirty="0"/>
+              <a:t>Learn more / Questions</a:t>
+            </a:r>
+          </a:p>
+        </p:txBody>
+      </p:sp>
+      <p:sp>
+        <p:nvSpPr>
+          <p:cNvPr id="3" name="Content Placeholder 2">
+            <a:extLst>
+              <a:ext uri="{FF2B5EF4-FFF2-40B4-BE49-F238E27FC236}">
+                <a16:creationId xmlns:a16="http://schemas.microsoft.com/office/drawing/2014/main" id="{2CF762EA-300F-4AF1-B794-6957C3A8A709}"/>
+              </a:ext>
+            </a:extLst>
+          </p:cNvPr>
+          <p:cNvSpPr>
+            <a:spLocks noGrp="1"/>
+          </p:cNvSpPr>
+          <p:nvPr>
+            <p:ph idx="1"/>
+          </p:nvPr>
+        </p:nvSpPr>
+        <p:spPr/>
+        <p:txBody>
+          <a:bodyPr/>
+          <a:lstStyle/>
+          <a:p>
+            <a:pPr marL="0" indent="0">
+              <a:buNone/>
+            </a:pPr>
+            <a:r>
+              <a:rPr lang="en-US" dirty="0"/>
+              <a:t>Pulumi.com</a:t>
+            </a:r>
+          </a:p>
+          <a:p>
+            <a:pPr marL="0" indent="0">
+              <a:buNone/>
+            </a:pPr>
+            <a:r>
+              <a:rPr lang="en-US" dirty="0"/>
+              <a:t>		/</a:t>
+            </a:r>
+            <a:r>
+              <a:rPr lang="en-US" dirty="0">
+                <a:hlinkClick r:id="rId2"/>
+              </a:rPr>
+              <a:t>learn</a:t>
+            </a:r>
+            <a:endParaRPr lang="en-US" dirty="0"/>
+          </a:p>
+          <a:p>
+            <a:pPr marL="0" indent="0">
+              <a:buNone/>
+            </a:pPr>
+            <a:r>
+              <a:rPr lang="en-US" dirty="0"/>
+              <a:t>		/</a:t>
+            </a:r>
+            <a:r>
+              <a:rPr lang="en-US" dirty="0">
+                <a:hlinkClick r:id="rId3"/>
+              </a:rPr>
+              <a:t>docs</a:t>
+            </a:r>
+            <a:endParaRPr lang="en-US" dirty="0"/>
+          </a:p>
+          <a:p>
+            <a:pPr marL="0" indent="0">
+              <a:buNone/>
+            </a:pPr>
+            <a:r>
+              <a:rPr lang="en-US" dirty="0"/>
+              <a:t>		/</a:t>
+            </a:r>
+            <a:r>
+              <a:rPr lang="en-US" dirty="0">
+                <a:hlinkClick r:id="rId4"/>
+              </a:rPr>
+              <a:t>registry</a:t>
+            </a:r>
+            <a:endParaRPr lang="en-US" dirty="0"/>
+          </a:p>
+          <a:p>
+            <a:pPr marL="0" indent="0">
+              <a:buNone/>
+            </a:pPr>
+            <a:r>
+              <a:rPr lang="en-US" dirty="0"/>
+              <a:t>		/</a:t>
+            </a:r>
+            <a:r>
+              <a:rPr lang="en-US" dirty="0">
+                <a:hlinkClick r:id="rId5"/>
+              </a:rPr>
+              <a:t>resources</a:t>
+            </a:r>
+            <a:endParaRPr lang="en-US" dirty="0"/>
+          </a:p>
+        </p:txBody>
+      </p:sp>
+      <p:sp>
+        <p:nvSpPr>
+          <p:cNvPr id="4" name="Footer Placeholder 3">
+            <a:extLst>
+              <a:ext uri="{FF2B5EF4-FFF2-40B4-BE49-F238E27FC236}">
+                <a16:creationId xmlns:a16="http://schemas.microsoft.com/office/drawing/2014/main" id="{7EDE71CE-2F67-4129-AD66-4BAE40542FF3}"/>
+              </a:ext>
+            </a:extLst>
+          </p:cNvPr>
+          <p:cNvSpPr>
+            <a:spLocks noGrp="1"/>
+          </p:cNvSpPr>
+          <p:nvPr>
+            <p:ph type="ftr" sz="quarter" idx="11"/>
+          </p:nvPr>
+        </p:nvSpPr>
+        <p:spPr/>
+        <p:txBody>
+          <a:bodyPr/>
+          <a:lstStyle/>
+          <a:p>
+            <a:pPr algn="l"/>
+            <a:r>
+              <a:rPr lang="en-US"/>
+              <a:t>@jacobladams 			https://bit.ly/jakepulumi</a:t>
+            </a:r>
+            <a:endParaRPr lang="en-US" dirty="0"/>
+          </a:p>
+        </p:txBody>
+      </p:sp>
+      <p:pic>
+        <p:nvPicPr>
+          <p:cNvPr id="6" name="Graphic 5" descr="Arrow: Rotate right with solid fill">
+            <a:extLst>
+              <a:ext uri="{FF2B5EF4-FFF2-40B4-BE49-F238E27FC236}">
+                <a16:creationId xmlns:a16="http://schemas.microsoft.com/office/drawing/2014/main" id="{0AF0F5D0-1E8D-4D50-BE38-D9C913E06590}"/>
+              </a:ext>
+            </a:extLst>
+          </p:cNvPr>
+          <p:cNvPicPr>
+            <a:picLocks noChangeAspect="1"/>
+          </p:cNvPicPr>
+          <p:nvPr/>
+        </p:nvPicPr>
+        <p:blipFill>
+          <a:blip r:embed="rId6">
+            <a:extLst>
+              <a:ext uri="{28A0092B-C50C-407E-A947-70E740481C1C}">
+                <a14:useLocalDpi xmlns:a14="http://schemas.microsoft.com/office/drawing/2010/main" val="0"/>
+              </a:ext>
+              <a:ext uri="{96DAC541-7B7A-43D3-8B79-37D633B846F1}">
+                <asvg:svgBlip xmlns:asvg="http://schemas.microsoft.com/office/drawing/2016/SVG/main" r:embed="rId7"/>
+              </a:ext>
+            </a:extLst>
+          </a:blip>
+          <a:stretch>
+            <a:fillRect/>
+          </a:stretch>
+        </p:blipFill>
+        <p:spPr>
+          <a:xfrm>
+            <a:off x="7781925" y="5578475"/>
+            <a:ext cx="914400" cy="914400"/>
+          </a:xfrm>
+          <a:prstGeom prst="rect">
+            <a:avLst/>
+          </a:prstGeom>
+        </p:spPr>
+      </p:pic>
+      <p:pic>
+        <p:nvPicPr>
+          <p:cNvPr id="8" name="Graphic 7" descr="Arrow: Rotate left with solid fill">
+            <a:extLst>
+              <a:ext uri="{FF2B5EF4-FFF2-40B4-BE49-F238E27FC236}">
+                <a16:creationId xmlns:a16="http://schemas.microsoft.com/office/drawing/2014/main" id="{21C8FCB1-506E-48DB-9230-924006756066}"/>
+              </a:ext>
+            </a:extLst>
+          </p:cNvPr>
+          <p:cNvPicPr>
+            <a:picLocks noChangeAspect="1"/>
+          </p:cNvPicPr>
+          <p:nvPr/>
+        </p:nvPicPr>
+        <p:blipFill>
+          <a:blip r:embed="rId8">
+            <a:extLst>
+              <a:ext uri="{28A0092B-C50C-407E-A947-70E740481C1C}">
+                <a14:useLocalDpi xmlns:a14="http://schemas.microsoft.com/office/drawing/2010/main" val="0"/>
+              </a:ext>
+              <a:ext uri="{96DAC541-7B7A-43D3-8B79-37D633B846F1}">
+                <asvg:svgBlip xmlns:asvg="http://schemas.microsoft.com/office/drawing/2016/SVG/main" r:embed="rId9"/>
+              </a:ext>
+            </a:extLst>
+          </a:blip>
+          <a:stretch>
+            <a:fillRect/>
+          </a:stretch>
+        </p:blipFill>
+        <p:spPr>
+          <a:xfrm>
+            <a:off x="997725" y="5441950"/>
+            <a:ext cx="914400" cy="914400"/>
+          </a:xfrm>
+          <a:prstGeom prst="rect">
+            <a:avLst/>
+          </a:prstGeom>
+        </p:spPr>
+      </p:pic>
+      <p:pic>
+        <p:nvPicPr>
+          <p:cNvPr id="10" name="Picture 9" descr="A green sign on a highway&#10;&#10;Description automatically generated with low confidence">
+            <a:extLst>
+              <a:ext uri="{FF2B5EF4-FFF2-40B4-BE49-F238E27FC236}">
+                <a16:creationId xmlns:a16="http://schemas.microsoft.com/office/drawing/2014/main" id="{E147FC4B-AE2E-4171-B57C-17AA62A790CB}"/>
+              </a:ext>
+            </a:extLst>
+          </p:cNvPr>
+          <p:cNvPicPr>
+            <a:picLocks noChangeAspect="1"/>
+          </p:cNvPicPr>
+          <p:nvPr/>
+        </p:nvPicPr>
+        <p:blipFill>
+          <a:blip r:embed="rId10">
+            <a:extLst>
+              <a:ext uri="{28A0092B-C50C-407E-A947-70E740481C1C}">
+                <a14:useLocalDpi xmlns:a14="http://schemas.microsoft.com/office/drawing/2010/main" val="0"/>
+              </a:ext>
+            </a:extLst>
+          </a:blip>
+          <a:stretch>
+            <a:fillRect/>
+          </a:stretch>
+        </p:blipFill>
+        <p:spPr>
+          <a:xfrm>
+            <a:off x="7296150" y="795337"/>
+            <a:ext cx="4514850" cy="3381375"/>
+          </a:xfrm>
+          <a:prstGeom prst="rect">
+            <a:avLst/>
+          </a:prstGeom>
+        </p:spPr>
+      </p:pic>
+    </p:spTree>
+    <p:extLst>
+      <p:ext uri="{BB962C8B-B14F-4D97-AF65-F5344CB8AC3E}">
+        <p14:creationId xmlns:p14="http://schemas.microsoft.com/office/powerpoint/2010/main" val="2441946558"/>
       </p:ext>
     </p:extLst>
   </p:cSld>
@@ -3462,44 +5927,170 @@
         </p:nvSpPr>
         <p:spPr/>
         <p:txBody>
+          <a:bodyPr>
+            <a:normAutofit fontScale="62500" lnSpcReduction="20000"/>
+          </a:bodyPr>
+          <a:lstStyle/>
+          <a:p>
+            <a:pPr marL="0" indent="0">
+              <a:buNone/>
+            </a:pPr>
+            <a:r>
+              <a:rPr lang="en-US" dirty="0"/>
+              <a:t>What</a:t>
+            </a:r>
+          </a:p>
+          <a:p>
+            <a:pPr marL="0" indent="0">
+              <a:buNone/>
+            </a:pPr>
+            <a:r>
+              <a:rPr lang="en-US" dirty="0"/>
+              <a:t>Why</a:t>
+            </a:r>
+          </a:p>
+          <a:p>
+            <a:pPr marL="0" indent="0">
+              <a:buNone/>
+            </a:pPr>
+            <a:r>
+              <a:rPr lang="en-US" dirty="0"/>
+              <a:t>How / Demos</a:t>
+            </a:r>
+          </a:p>
+          <a:p>
+            <a:pPr marL="0" indent="0">
+              <a:buNone/>
+            </a:pPr>
+            <a:r>
+              <a:rPr lang="en-US" dirty="0"/>
+              <a:t>	Create cloud resources with </a:t>
+            </a:r>
+            <a:r>
+              <a:rPr lang="en-US" dirty="0" err="1"/>
+              <a:t>Pulumi</a:t>
+            </a:r>
+            <a:endParaRPr lang="en-US" dirty="0"/>
+          </a:p>
+          <a:p>
+            <a:pPr marL="0" indent="0">
+              <a:buNone/>
+            </a:pPr>
+            <a:r>
+              <a:rPr lang="en-US" dirty="0"/>
+              <a:t>	Create dependent resources</a:t>
+            </a:r>
+          </a:p>
+          <a:p>
+            <a:pPr marL="0" indent="0">
+              <a:buNone/>
+            </a:pPr>
+            <a:r>
+              <a:rPr lang="en-US" dirty="0"/>
+              <a:t>	Leverage strength of C# to create infrastructure</a:t>
+            </a:r>
+          </a:p>
+          <a:p>
+            <a:pPr marL="0" indent="0">
+              <a:buNone/>
+            </a:pPr>
+            <a:r>
+              <a:rPr lang="en-US" dirty="0"/>
+              <a:t>	Stacks and configuration</a:t>
+            </a:r>
+          </a:p>
+          <a:p>
+            <a:pPr marL="0" indent="0">
+              <a:buNone/>
+            </a:pPr>
+            <a:r>
+              <a:rPr lang="en-US" dirty="0"/>
+              <a:t>	Creating reusable building blocks (components and packages)</a:t>
+            </a:r>
+          </a:p>
+          <a:p>
+            <a:pPr marL="0" indent="0">
+              <a:buNone/>
+            </a:pPr>
+            <a:r>
+              <a:rPr lang="en-US" dirty="0"/>
+              <a:t>	Importing manual or outside changes</a:t>
+            </a:r>
+          </a:p>
+          <a:p>
+            <a:pPr marL="0" indent="0">
+              <a:buNone/>
+            </a:pPr>
+            <a:r>
+              <a:rPr lang="en-US" dirty="0"/>
+              <a:t>	Working with </a:t>
+            </a:r>
+            <a:r>
+              <a:rPr lang="en-US" dirty="0" err="1"/>
+              <a:t>Pulumi</a:t>
+            </a:r>
+            <a:r>
+              <a:rPr lang="en-US" dirty="0"/>
+              <a:t> infrastructure from other teams</a:t>
+            </a:r>
+          </a:p>
+          <a:p>
+            <a:pPr marL="0" indent="0">
+              <a:buNone/>
+            </a:pPr>
+            <a:r>
+              <a:rPr lang="en-US" dirty="0"/>
+              <a:t>	Specialized setup (commands)</a:t>
+            </a:r>
+          </a:p>
+          <a:p>
+            <a:pPr marL="0" indent="0">
+              <a:buNone/>
+            </a:pPr>
+            <a:r>
+              <a:rPr lang="en-US" dirty="0"/>
+              <a:t>	Multi-cloud</a:t>
+            </a:r>
+          </a:p>
+          <a:p>
+            <a:pPr marL="0" indent="0">
+              <a:buNone/>
+            </a:pPr>
+            <a:r>
+              <a:rPr lang="en-US" dirty="0"/>
+              <a:t>	</a:t>
+            </a:r>
+          </a:p>
+          <a:p>
+            <a:endParaRPr lang="en-US" dirty="0"/>
+          </a:p>
+        </p:txBody>
+      </p:sp>
+      <p:sp>
+        <p:nvSpPr>
+          <p:cNvPr id="4" name="Footer Placeholder 3">
+            <a:extLst>
+              <a:ext uri="{FF2B5EF4-FFF2-40B4-BE49-F238E27FC236}">
+                <a16:creationId xmlns:a16="http://schemas.microsoft.com/office/drawing/2014/main" id="{B454BCF4-A2AF-4326-832B-B9F1023236B2}"/>
+              </a:ext>
+            </a:extLst>
+          </p:cNvPr>
+          <p:cNvSpPr>
+            <a:spLocks noGrp="1"/>
+          </p:cNvSpPr>
+          <p:nvPr>
+            <p:ph type="ftr" sz="quarter" idx="11"/>
+          </p:nvPr>
+        </p:nvSpPr>
+        <p:spPr/>
+        <p:txBody>
           <a:bodyPr/>
           <a:lstStyle/>
           <a:p>
             <a:r>
-              <a:rPr lang="en-US" dirty="0"/>
-              <a:t>What</a:t>
-            </a:r>
-          </a:p>
-          <a:p>
-            <a:r>
-              <a:rPr lang="en-US" dirty="0"/>
-              <a:t>Why</a:t>
-            </a:r>
-          </a:p>
-          <a:p>
-            <a:r>
-              <a:rPr lang="en-US" dirty="0"/>
-              <a:t>How</a:t>
-            </a:r>
-          </a:p>
-          <a:p>
-            <a:endParaRPr lang="en-US" dirty="0"/>
-          </a:p>
-          <a:p>
-            <a:endParaRPr lang="en-US" dirty="0"/>
-          </a:p>
-          <a:p>
-            <a:r>
-              <a:rPr lang="en-US">
-                <a:hlinkClick r:id="rId2"/>
-              </a:rPr>
-              <a:t>https://bit.ly/jakepulumi</a:t>
-            </a:r>
-            <a:r>
               <a:rPr lang="en-US"/>
-              <a:t> </a:t>
-            </a:r>
-            <a:endParaRPr lang="en-US" dirty="0"/>
+              <a:t>@jacobladams     https://bit.ly/jakepulumi</a:t>
+            </a:r>
           </a:p>
         </p:txBody>
       </p:sp>
@@ -3533,6 +6124,66 @@
           <a:chExt cx="0" cy="0"/>
         </a:xfrm>
       </p:grpSpPr>
+      <p:pic>
+        <p:nvPicPr>
+          <p:cNvPr id="6" name="Picture 5">
+            <a:extLst>
+              <a:ext uri="{FF2B5EF4-FFF2-40B4-BE49-F238E27FC236}">
+                <a16:creationId xmlns:a16="http://schemas.microsoft.com/office/drawing/2014/main" id="{625A280A-9C3A-4FC6-AD9E-49FB0D634DE2}"/>
+              </a:ext>
+            </a:extLst>
+          </p:cNvPr>
+          <p:cNvPicPr>
+            <a:picLocks noChangeAspect="1"/>
+          </p:cNvPicPr>
+          <p:nvPr/>
+        </p:nvPicPr>
+        <p:blipFill>
+          <a:blip r:embed="rId2"/>
+          <a:stretch>
+            <a:fillRect/>
+          </a:stretch>
+        </p:blipFill>
+        <p:spPr>
+          <a:xfrm>
+            <a:off x="4572000" y="914400"/>
+            <a:ext cx="6811295" cy="2834640"/>
+          </a:xfrm>
+          <a:prstGeom prst="rect">
+            <a:avLst/>
+          </a:prstGeom>
+        </p:spPr>
+      </p:pic>
+      <p:pic>
+        <p:nvPicPr>
+          <p:cNvPr id="8" name="Picture 7">
+            <a:extLst>
+              <a:ext uri="{FF2B5EF4-FFF2-40B4-BE49-F238E27FC236}">
+                <a16:creationId xmlns:a16="http://schemas.microsoft.com/office/drawing/2014/main" id="{44306B8E-29C8-4B8E-92AB-1532A9E250F8}"/>
+              </a:ext>
+            </a:extLst>
+          </p:cNvPr>
+          <p:cNvPicPr>
+            <a:picLocks noChangeAspect="1"/>
+          </p:cNvPicPr>
+          <p:nvPr/>
+        </p:nvPicPr>
+        <p:blipFill>
+          <a:blip r:embed="rId3"/>
+          <a:stretch>
+            <a:fillRect/>
+          </a:stretch>
+        </p:blipFill>
+        <p:spPr>
+          <a:xfrm>
+            <a:off x="4572000" y="914400"/>
+            <a:ext cx="7031014" cy="2926080"/>
+          </a:xfrm>
+          <a:prstGeom prst="rect">
+            <a:avLst/>
+          </a:prstGeom>
+        </p:spPr>
+      </p:pic>
       <p:sp>
         <p:nvSpPr>
           <p:cNvPr id="2" name="Title 1">
@@ -3582,18 +6233,27 @@
           <a:bodyPr/>
           <a:lstStyle/>
           <a:p>
+            <a:pPr marL="0" indent="0">
+              <a:buNone/>
+            </a:pPr>
+            <a:r>
+              <a:rPr lang="en-US" b="1" dirty="0"/>
+              <a:t>Jake Adams</a:t>
+            </a:r>
+          </a:p>
+          <a:p>
+            <a:pPr marL="0" indent="0">
+              <a:buNone/>
+            </a:pPr>
             <a:r>
               <a:rPr lang="en-US" dirty="0"/>
-              <a:t>Jake Adams</a:t>
-            </a:r>
-          </a:p>
-          <a:p>
-            <a:r>
-              <a:rPr lang="en-US" dirty="0"/>
-              <a:t>Enterprise Architect – Cloud Practice</a:t>
-            </a:r>
-          </a:p>
-          <a:p>
+              <a:t>Enterprise Architect </a:t>
+            </a:r>
+          </a:p>
+          <a:p>
+            <a:pPr marL="0" indent="0">
+              <a:buNone/>
+            </a:pPr>
             <a:r>
               <a:rPr lang="en-US" dirty="0"/>
               <a:t>World Wide Technology</a:t>
@@ -3603,13 +6263,69 @@
             <a:endParaRPr lang="en-US" dirty="0"/>
           </a:p>
           <a:p>
+            <a:pPr marL="0" indent="0">
+              <a:buNone/>
+            </a:pPr>
             <a:r>
               <a:rPr lang="en-US" dirty="0"/>
               <a:t>Twitter - @jacobladams</a:t>
             </a:r>
           </a:p>
           <a:p>
+            <a:pPr marL="0" indent="0">
+              <a:buNone/>
+            </a:pPr>
+            <a:r>
+              <a:rPr lang="en-US" dirty="0"/>
+              <a:t>GitHub – </a:t>
+            </a:r>
+            <a:r>
+              <a:rPr lang="en-US" dirty="0">
+                <a:hlinkClick r:id="rId4"/>
+              </a:rPr>
+              <a:t>github.com/jacobladams</a:t>
+            </a:r>
             <a:endParaRPr lang="en-US" dirty="0"/>
+          </a:p>
+          <a:p>
+            <a:pPr marL="0" indent="0">
+              <a:buNone/>
+            </a:pPr>
+            <a:r>
+              <a:rPr lang="en-US" dirty="0"/>
+              <a:t>Email – jacobladams@gmail.com</a:t>
+            </a:r>
+          </a:p>
+          <a:p>
+            <a:endParaRPr lang="en-US" dirty="0"/>
+          </a:p>
+        </p:txBody>
+      </p:sp>
+      <p:sp>
+        <p:nvSpPr>
+          <p:cNvPr id="4" name="Footer Placeholder 3">
+            <a:extLst>
+              <a:ext uri="{FF2B5EF4-FFF2-40B4-BE49-F238E27FC236}">
+                <a16:creationId xmlns:a16="http://schemas.microsoft.com/office/drawing/2014/main" id="{B7722D02-1C8F-47F6-B241-37185DC00F9A}"/>
+              </a:ext>
+            </a:extLst>
+          </p:cNvPr>
+          <p:cNvSpPr>
+            <a:spLocks noGrp="1"/>
+          </p:cNvSpPr>
+          <p:nvPr>
+            <p:ph type="ftr" sz="quarter" idx="11"/>
+          </p:nvPr>
+        </p:nvSpPr>
+        <p:spPr/>
+        <p:txBody>
+          <a:bodyPr/>
+          <a:lstStyle/>
+          <a:p>
+            <a:r>
+              <a:rPr lang="en-US" dirty="0"/>
+              <a:t>@jacobladams     https://bit.ly/jakepulumi</a:t>
+            </a:r>
           </a:p>
         </p:txBody>
       </p:sp>
@@ -3623,12 +6339,143 @@
   <p:clrMapOvr>
     <a:masterClrMapping/>
   </p:clrMapOvr>
+  <p:timing>
+    <p:tnLst>
+      <p:par>
+        <p:cTn id="1" dur="indefinite" restart="never" nodeType="tmRoot">
+          <p:childTnLst>
+            <p:seq concurrent="1" nextAc="seek">
+              <p:cTn id="2" dur="indefinite" nodeType="mainSeq">
+                <p:childTnLst>
+                  <p:par>
+                    <p:cTn id="3" fill="hold">
+                      <p:stCondLst>
+                        <p:cond delay="indefinite"/>
+                      </p:stCondLst>
+                      <p:childTnLst>
+                        <p:par>
+                          <p:cTn id="4" fill="hold">
+                            <p:stCondLst>
+                              <p:cond delay="0"/>
+                            </p:stCondLst>
+                            <p:childTnLst>
+                              <p:par>
+                                <p:cTn id="5" presetID="1" presetClass="entr" presetSubtype="0" fill="hold" nodeType="clickEffect">
+                                  <p:stCondLst>
+                                    <p:cond delay="0"/>
+                                  </p:stCondLst>
+                                  <p:childTnLst>
+                                    <p:set>
+                                      <p:cBhvr>
+                                        <p:cTn id="6" dur="1" fill="hold">
+                                          <p:stCondLst>
+                                            <p:cond delay="0"/>
+                                          </p:stCondLst>
+                                        </p:cTn>
+                                        <p:tgtEl>
+                                          <p:spTgt spid="6"/>
+                                        </p:tgtEl>
+                                        <p:attrNameLst>
+                                          <p:attrName>style.visibility</p:attrName>
+                                        </p:attrNameLst>
+                                      </p:cBhvr>
+                                      <p:to>
+                                        <p:strVal val="visible"/>
+                                      </p:to>
+                                    </p:set>
+                                  </p:childTnLst>
+                                </p:cTn>
+                              </p:par>
+                            </p:childTnLst>
+                          </p:cTn>
+                        </p:par>
+                      </p:childTnLst>
+                    </p:cTn>
+                  </p:par>
+                  <p:par>
+                    <p:cTn id="7" fill="hold">
+                      <p:stCondLst>
+                        <p:cond delay="indefinite"/>
+                      </p:stCondLst>
+                      <p:childTnLst>
+                        <p:par>
+                          <p:cTn id="8" fill="hold">
+                            <p:stCondLst>
+                              <p:cond delay="0"/>
+                            </p:stCondLst>
+                            <p:childTnLst>
+                              <p:par>
+                                <p:cTn id="9" presetID="1" presetClass="entr" presetSubtype="0" fill="hold" nodeType="clickEffect">
+                                  <p:stCondLst>
+                                    <p:cond delay="0"/>
+                                  </p:stCondLst>
+                                  <p:childTnLst>
+                                    <p:set>
+                                      <p:cBhvr>
+                                        <p:cTn id="10" dur="1" fill="hold">
+                                          <p:stCondLst>
+                                            <p:cond delay="0"/>
+                                          </p:stCondLst>
+                                        </p:cTn>
+                                        <p:tgtEl>
+                                          <p:spTgt spid="8"/>
+                                        </p:tgtEl>
+                                        <p:attrNameLst>
+                                          <p:attrName>style.visibility</p:attrName>
+                                        </p:attrNameLst>
+                                      </p:cBhvr>
+                                      <p:to>
+                                        <p:strVal val="visible"/>
+                                      </p:to>
+                                    </p:set>
+                                  </p:childTnLst>
+                                </p:cTn>
+                              </p:par>
+                            </p:childTnLst>
+                          </p:cTn>
+                        </p:par>
+                      </p:childTnLst>
+                    </p:cTn>
+                  </p:par>
+                </p:childTnLst>
+              </p:cTn>
+              <p:prevCondLst>
+                <p:cond evt="onPrev" delay="0">
+                  <p:tgtEl>
+                    <p:sldTgt/>
+                  </p:tgtEl>
+                </p:cond>
+              </p:prevCondLst>
+              <p:nextCondLst>
+                <p:cond evt="onNext" delay="0">
+                  <p:tgtEl>
+                    <p:sldTgt/>
+                  </p:tgtEl>
+                </p:cond>
+              </p:nextCondLst>
+            </p:seq>
+          </p:childTnLst>
+        </p:cTn>
+      </p:par>
+    </p:tnLst>
+  </p:timing>
 </p:sld>
 </file>
 
 <file path=ppt/slides/slide4.xml><?xml version="1.0" encoding="utf-8"?>
 <p:sld xmlns:a="http://schemas.openxmlformats.org/drawingml/2006/main" xmlns:r="http://schemas.openxmlformats.org/officeDocument/2006/relationships" xmlns:p="http://schemas.openxmlformats.org/presentationml/2006/main">
   <p:cSld>
+    <p:bg>
+      <p:bgPr>
+        <a:solidFill>
+          <a:schemeClr val="bg1">
+            <a:tint val="95000"/>
+            <a:satMod val="170000"/>
+          </a:schemeClr>
+        </a:solidFill>
+        <a:effectLst/>
+      </p:bgPr>
+    </p:bg>
     <p:spTree>
       <p:nvGrpSpPr>
         <p:cNvPr id="1" name=""/>
@@ -3648,7 +6495,7 @@
           <p:cNvPr id="2" name="Title 1">
             <a:extLst>
               <a:ext uri="{FF2B5EF4-FFF2-40B4-BE49-F238E27FC236}">
-                <a16:creationId xmlns:a16="http://schemas.microsoft.com/office/drawing/2014/main" id="{C8B400D5-DC48-4C9B-8A05-C98814E09977}"/>
+                <a16:creationId xmlns:a16="http://schemas.microsoft.com/office/drawing/2014/main" id="{F943F128-3F96-4675-B0CD-763B0004D6B9}"/>
               </a:ext>
             </a:extLst>
           </p:cNvPr>
@@ -3659,24 +6506,39 @@
             <p:ph type="title"/>
           </p:nvPr>
         </p:nvSpPr>
-        <p:spPr/>
-        <p:txBody>
-          <a:bodyPr/>
+        <p:spPr>
+          <a:xfrm>
+            <a:off x="7464614" y="1783959"/>
+            <a:ext cx="4087306" cy="2889114"/>
+          </a:xfrm>
+        </p:spPr>
+        <p:txBody>
+          <a:bodyPr vert="horz" lIns="91440" tIns="45720" rIns="91440" bIns="45720" rtlCol="0" anchor="b">
+            <a:normAutofit/>
+          </a:bodyPr>
           <a:lstStyle/>
           <a:p>
             <a:r>
-              <a:rPr lang="en-US" dirty="0"/>
-              <a:t>What</a:t>
-            </a:r>
-          </a:p>
-        </p:txBody>
-      </p:sp>
-      <p:sp>
-        <p:nvSpPr>
-          <p:cNvPr id="3" name="Content Placeholder 2">
-            <a:extLst>
-              <a:ext uri="{FF2B5EF4-FFF2-40B4-BE49-F238E27FC236}">
-                <a16:creationId xmlns:a16="http://schemas.microsoft.com/office/drawing/2014/main" id="{7B972317-9A5F-40D7-9072-6FC162BDBA13}"/>
+              <a:rPr lang="en-US" sz="5400" dirty="0"/>
+              <a:t>What is </a:t>
+            </a:r>
+            <a:r>
+              <a:rPr lang="en-US" sz="5400" dirty="0" err="1"/>
+              <a:t>Pulumi</a:t>
+            </a:r>
+            <a:r>
+              <a:rPr lang="en-US" sz="5400" dirty="0"/>
+              <a:t>?</a:t>
+            </a:r>
+          </a:p>
+        </p:txBody>
+      </p:sp>
+      <p:sp>
+        <p:nvSpPr>
+          <p:cNvPr id="3" name="Text Placeholder 2">
+            <a:extLst>
+              <a:ext uri="{FF2B5EF4-FFF2-40B4-BE49-F238E27FC236}">
+                <a16:creationId xmlns:a16="http://schemas.microsoft.com/office/drawing/2014/main" id="{6551DE89-5327-41F0-AE36-326B5406980D}"/>
               </a:ext>
             </a:extLst>
           </p:cNvPr>
@@ -3684,27 +6546,295 @@
             <a:spLocks noGrp="1"/>
           </p:cNvSpPr>
           <p:nvPr>
-            <p:ph idx="1"/>
-          </p:nvPr>
-        </p:nvSpPr>
-        <p:spPr/>
-        <p:txBody>
-          <a:bodyPr/>
+            <p:ph type="body" idx="1"/>
+          </p:nvPr>
+        </p:nvSpPr>
+        <p:spPr>
+          <a:xfrm>
+            <a:off x="7464612" y="4750893"/>
+            <a:ext cx="4087305" cy="1147863"/>
+          </a:xfrm>
+        </p:spPr>
+        <p:txBody>
+          <a:bodyPr vert="horz" lIns="91440" tIns="45720" rIns="91440" bIns="45720" rtlCol="0" anchor="t">
+            <a:normAutofit/>
+          </a:bodyPr>
           <a:lstStyle/>
           <a:p>
+            <a:endParaRPr lang="en-US" sz="2000">
+              <a:solidFill>
+                <a:schemeClr val="tx1"/>
+              </a:solidFill>
+            </a:endParaRPr>
+          </a:p>
+        </p:txBody>
+      </p:sp>
+      <p:sp>
+        <p:nvSpPr>
+          <p:cNvPr id="17" name="Freeform: Shape 16">
+            <a:extLst>
+              <a:ext uri="{FF2B5EF4-FFF2-40B4-BE49-F238E27FC236}">
+                <a16:creationId xmlns:a16="http://schemas.microsoft.com/office/drawing/2014/main" id="{E49CC64F-7275-4E33-961B-0C5CDC439875}"/>
+              </a:ext>
+              <a:ext uri="{C183D7F6-B498-43B3-948B-1728B52AA6E4}">
+                <adec:decorative xmlns:adec="http://schemas.microsoft.com/office/drawing/2017/decorative" val="1"/>
+              </a:ext>
+            </a:extLst>
+          </p:cNvPr>
+          <p:cNvSpPr>
+            <a:spLocks noGrp="1" noRot="1" noChangeAspect="1" noMove="1" noResize="1" noEditPoints="1" noAdjustHandles="1" noChangeArrowheads="1" noChangeShapeType="1" noTextEdit="1"/>
+          </p:cNvSpPr>
+          <p:nvPr>
+            <p:extLst>
+              <p:ext uri="{386F3935-93C4-4BCD-93E2-E3B085C9AB24}">
+                <p16:designElem xmlns:p16="http://schemas.microsoft.com/office/powerpoint/2015/main" val="1"/>
+              </p:ext>
+            </p:extLst>
+          </p:nvPr>
+        </p:nvSpPr>
+        <p:spPr>
+          <a:xfrm flipH="1" flipV="1">
+            <a:off x="1" y="0"/>
+            <a:ext cx="7188051" cy="6858000"/>
+          </a:xfrm>
+          <a:custGeom>
+            <a:avLst/>
+            <a:gdLst>
+              <a:gd name="connsiteX0" fmla="*/ 7188051 w 7188051"/>
+              <a:gd name="connsiteY0" fmla="*/ 6858000 h 6858000"/>
+              <a:gd name="connsiteX1" fmla="*/ 108694 w 7188051"/>
+              <a:gd name="connsiteY1" fmla="*/ 6858000 h 6858000"/>
+              <a:gd name="connsiteX2" fmla="*/ 79127 w 7188051"/>
+              <a:gd name="connsiteY2" fmla="*/ 6681235 h 6858000"/>
+              <a:gd name="connsiteX3" fmla="*/ 0 w 7188051"/>
+              <a:gd name="connsiteY3" fmla="*/ 5565888 h 6858000"/>
+              <a:gd name="connsiteX4" fmla="*/ 2190696 w 7188051"/>
+              <a:gd name="connsiteY4" fmla="*/ 145339 h 6858000"/>
+              <a:gd name="connsiteX5" fmla="*/ 2339431 w 7188051"/>
+              <a:gd name="connsiteY5" fmla="*/ 0 h 6858000"/>
+              <a:gd name="connsiteX6" fmla="*/ 7188051 w 7188051"/>
+              <a:gd name="connsiteY6" fmla="*/ 0 h 6858000"/>
+            </a:gdLst>
+            <a:ahLst/>
+            <a:cxnLst>
+              <a:cxn ang="0">
+                <a:pos x="connsiteX0" y="connsiteY0"/>
+              </a:cxn>
+              <a:cxn ang="0">
+                <a:pos x="connsiteX1" y="connsiteY1"/>
+              </a:cxn>
+              <a:cxn ang="0">
+                <a:pos x="connsiteX2" y="connsiteY2"/>
+              </a:cxn>
+              <a:cxn ang="0">
+                <a:pos x="connsiteX3" y="connsiteY3"/>
+              </a:cxn>
+              <a:cxn ang="0">
+                <a:pos x="connsiteX4" y="connsiteY4"/>
+              </a:cxn>
+              <a:cxn ang="0">
+                <a:pos x="connsiteX5" y="connsiteY5"/>
+              </a:cxn>
+              <a:cxn ang="0">
+                <a:pos x="connsiteX6" y="connsiteY6"/>
+              </a:cxn>
+            </a:cxnLst>
+            <a:rect l="l" t="t" r="r" b="b"/>
+            <a:pathLst>
+              <a:path w="7188051" h="6858000">
+                <a:moveTo>
+                  <a:pt x="7188051" y="6858000"/>
+                </a:moveTo>
+                <a:lnTo>
+                  <a:pt x="108694" y="6858000"/>
+                </a:lnTo>
+                <a:lnTo>
+                  <a:pt x="79127" y="6681235"/>
+                </a:lnTo>
+                <a:cubicBezTo>
+                  <a:pt x="26981" y="6316967"/>
+                  <a:pt x="0" y="5944579"/>
+                  <a:pt x="0" y="5565888"/>
+                </a:cubicBezTo>
+                <a:cubicBezTo>
+                  <a:pt x="0" y="3459953"/>
+                  <a:pt x="834428" y="1548908"/>
+                  <a:pt x="2190696" y="145339"/>
+                </a:cubicBezTo>
+                <a:lnTo>
+                  <a:pt x="2339431" y="0"/>
+                </a:lnTo>
+                <a:lnTo>
+                  <a:pt x="7188051" y="0"/>
+                </a:lnTo>
+                <a:close/>
+              </a:path>
+            </a:pathLst>
+          </a:custGeom>
+          <a:solidFill>
+            <a:schemeClr val="tx1">
+              <a:alpha val="80000"/>
+            </a:schemeClr>
+          </a:solidFill>
+          <a:ln>
+            <a:noFill/>
+          </a:ln>
+        </p:spPr>
+        <p:style>
+          <a:lnRef idx="2">
+            <a:schemeClr val="accent1">
+              <a:shade val="50000"/>
+            </a:schemeClr>
+          </a:lnRef>
+          <a:fillRef idx="1">
+            <a:schemeClr val="accent1"/>
+          </a:fillRef>
+          <a:effectRef idx="0">
+            <a:schemeClr val="accent1"/>
+          </a:effectRef>
+          <a:fontRef idx="minor">
+            <a:schemeClr val="lt1"/>
+          </a:fontRef>
+        </p:style>
+        <p:txBody>
+          <a:bodyPr wrap="square" rtlCol="0" anchor="ctr">
+            <a:noAutofit/>
+          </a:bodyPr>
+          <a:lstStyle/>
+          <a:p>
+            <a:pPr algn="ctr"/>
             <a:endParaRPr lang="en-US"/>
+          </a:p>
+        </p:txBody>
+      </p:sp>
+      <p:pic>
+        <p:nvPicPr>
+          <p:cNvPr id="12" name="Picture 11" descr="A picture containing text&#10;&#10;Description automatically generated">
+            <a:extLst>
+              <a:ext uri="{FF2B5EF4-FFF2-40B4-BE49-F238E27FC236}">
+                <a16:creationId xmlns:a16="http://schemas.microsoft.com/office/drawing/2014/main" id="{FBF4B201-6A69-4119-93E6-8BC6DB82D782}"/>
+              </a:ext>
+            </a:extLst>
+          </p:cNvPr>
+          <p:cNvPicPr>
+            <a:picLocks noChangeAspect="1"/>
+          </p:cNvPicPr>
+          <p:nvPr/>
+        </p:nvPicPr>
+        <p:blipFill rotWithShape="1">
+          <a:blip r:embed="rId2">
+            <a:extLst>
+              <a:ext uri="{28A0092B-C50C-407E-A947-70E740481C1C}">
+                <a14:useLocalDpi xmlns:a14="http://schemas.microsoft.com/office/drawing/2010/main" val="0"/>
+              </a:ext>
+            </a:extLst>
+          </a:blip>
+          <a:srcRect t="2426" r="-1" b="-1"/>
+          <a:stretch/>
+        </p:blipFill>
+        <p:spPr>
+          <a:xfrm>
+            <a:off x="1" y="10"/>
+            <a:ext cx="7028495" cy="6857990"/>
+          </a:xfrm>
+          <a:custGeom>
+            <a:avLst/>
+            <a:gdLst/>
+            <a:ahLst/>
+            <a:cxnLst/>
+            <a:rect l="l" t="t" r="r" b="b"/>
+            <a:pathLst>
+              <a:path w="7028495" h="6858000">
+                <a:moveTo>
+                  <a:pt x="0" y="0"/>
+                </a:moveTo>
+                <a:lnTo>
+                  <a:pt x="6915668" y="0"/>
+                </a:lnTo>
+                <a:lnTo>
+                  <a:pt x="6952411" y="219663"/>
+                </a:lnTo>
+                <a:cubicBezTo>
+                  <a:pt x="7002551" y="569921"/>
+                  <a:pt x="7028495" y="927986"/>
+                  <a:pt x="7028495" y="1292112"/>
+                </a:cubicBezTo>
+                <a:cubicBezTo>
+                  <a:pt x="7028495" y="3343346"/>
+                  <a:pt x="6205186" y="5202289"/>
+                  <a:pt x="4870994" y="6556512"/>
+                </a:cubicBezTo>
+                <a:lnTo>
+                  <a:pt x="4556185" y="6858000"/>
+                </a:lnTo>
+                <a:lnTo>
+                  <a:pt x="0" y="6858000"/>
+                </a:lnTo>
+                <a:close/>
+              </a:path>
+            </a:pathLst>
+          </a:custGeom>
+        </p:spPr>
+      </p:pic>
+      <p:sp>
+        <p:nvSpPr>
+          <p:cNvPr id="4" name="Footer Placeholder 3">
+            <a:extLst>
+              <a:ext uri="{FF2B5EF4-FFF2-40B4-BE49-F238E27FC236}">
+                <a16:creationId xmlns:a16="http://schemas.microsoft.com/office/drawing/2014/main" id="{A9B0DC64-45B4-4F31-8592-3C913FD247D8}"/>
+              </a:ext>
+            </a:extLst>
+          </p:cNvPr>
+          <p:cNvSpPr>
+            <a:spLocks noGrp="1"/>
+          </p:cNvSpPr>
+          <p:nvPr>
+            <p:ph type="ftr" sz="quarter" idx="11"/>
+          </p:nvPr>
+        </p:nvSpPr>
+        <p:spPr>
+          <a:xfrm>
+            <a:off x="7464612" y="6199631"/>
+            <a:ext cx="4087304" cy="365760"/>
+          </a:xfrm>
+        </p:spPr>
+        <p:txBody>
+          <a:bodyPr vert="horz" lIns="91440" tIns="45720" rIns="91440" bIns="45720" rtlCol="0" anchor="ctr">
+            <a:normAutofit/>
+          </a:bodyPr>
+          <a:lstStyle/>
+          <a:p>
+            <a:pPr>
+              <a:spcAft>
+                <a:spcPts val="600"/>
+              </a:spcAft>
+              <a:defRPr/>
+            </a:pPr>
+            <a:r>
+              <a:rPr lang="en-US" sz="1100" kern="1200">
+                <a:solidFill>
+                  <a:schemeClr val="tx1">
+                    <a:alpha val="80000"/>
+                  </a:schemeClr>
+                </a:solidFill>
+                <a:latin typeface="Calibri" panose="020F0502020204030204"/>
+                <a:ea typeface="+mn-ea"/>
+                <a:cs typeface="+mn-cs"/>
+              </a:rPr>
+              <a:t>@jacobladams     https://bit.ly/jakepulumi</a:t>
+            </a:r>
           </a:p>
         </p:txBody>
       </p:sp>
     </p:spTree>
     <p:extLst>
       <p:ext uri="{BB962C8B-B14F-4D97-AF65-F5344CB8AC3E}">
-        <p14:creationId xmlns:p14="http://schemas.microsoft.com/office/powerpoint/2010/main" val="3428255440"/>
+        <p14:creationId xmlns:p14="http://schemas.microsoft.com/office/powerpoint/2010/main" val="1881378370"/>
       </p:ext>
     </p:extLst>
   </p:cSld>
   <p:clrMapOvr>
-    <a:masterClrMapping/>
+    <a:overrideClrMapping bg1="dk1" tx1="lt1" bg2="dk2" tx2="lt2" accent1="accent1" accent2="accent2" accent3="accent3" accent4="accent4" accent5="accent5" accent6="accent6" hlink="hlink" folHlink="folHlink"/>
   </p:clrMapOvr>
 </p:sld>
 </file>
@@ -3731,7 +6861,7 @@
           <p:cNvPr id="2" name="Title 1">
             <a:extLst>
               <a:ext uri="{FF2B5EF4-FFF2-40B4-BE49-F238E27FC236}">
-                <a16:creationId xmlns:a16="http://schemas.microsoft.com/office/drawing/2014/main" id="{FC4E785D-512D-496D-858E-C2B51A6DB637}"/>
+                <a16:creationId xmlns:a16="http://schemas.microsoft.com/office/drawing/2014/main" id="{C8B400D5-DC48-4C9B-8A05-C98814E09977}"/>
               </a:ext>
             </a:extLst>
           </p:cNvPr>
@@ -3739,7 +6869,7 @@
             <a:spLocks noGrp="1"/>
           </p:cNvSpPr>
           <p:nvPr>
-            <p:ph type="ctrTitle"/>
+            <p:ph type="title"/>
           </p:nvPr>
         </p:nvSpPr>
         <p:spPr/>
@@ -3749,17 +6879,17 @@
           <a:p>
             <a:r>
               <a:rPr lang="en-US" dirty="0"/>
-              <a:t>Why</a:t>
-            </a:r>
-          </a:p>
-        </p:txBody>
-      </p:sp>
-      <p:sp>
-        <p:nvSpPr>
-          <p:cNvPr id="3" name="Subtitle 2">
-            <a:extLst>
-              <a:ext uri="{FF2B5EF4-FFF2-40B4-BE49-F238E27FC236}">
-                <a16:creationId xmlns:a16="http://schemas.microsoft.com/office/drawing/2014/main" id="{3185F7C5-B742-4AB4-8E86-F919777C2D49}"/>
+              <a:t>WTF is				  ?</a:t>
+            </a:r>
+          </a:p>
+        </p:txBody>
+      </p:sp>
+      <p:sp>
+        <p:nvSpPr>
+          <p:cNvPr id="3" name="Content Placeholder 2">
+            <a:extLst>
+              <a:ext uri="{FF2B5EF4-FFF2-40B4-BE49-F238E27FC236}">
+                <a16:creationId xmlns:a16="http://schemas.microsoft.com/office/drawing/2014/main" id="{7B972317-9A5F-40D7-9072-6FC162BDBA13}"/>
               </a:ext>
             </a:extLst>
           </p:cNvPr>
@@ -3767,7 +6897,7 @@
             <a:spLocks noGrp="1"/>
           </p:cNvSpPr>
           <p:nvPr>
-            <p:ph type="subTitle" idx="1"/>
+            <p:ph idx="1"/>
           </p:nvPr>
         </p:nvSpPr>
         <p:spPr/>
@@ -3775,14 +6905,2213 @@
           <a:bodyPr/>
           <a:lstStyle/>
           <a:p>
-            <a:endParaRPr lang="en-US"/>
-          </a:p>
-        </p:txBody>
-      </p:sp>
+            <a:pPr marL="0" indent="0">
+              <a:buNone/>
+            </a:pPr>
+            <a:r>
+              <a:rPr lang="en-US" dirty="0"/>
+              <a:t>“Build, deploy, and manage modern cloud applications and infrastructure using familiar languages, tools, and engineering practices.” - Pulumi.com</a:t>
+            </a:r>
+          </a:p>
+          <a:p>
+            <a:endParaRPr lang="en-US" dirty="0"/>
+          </a:p>
+          <a:p>
+            <a:endParaRPr lang="en-US" dirty="0"/>
+          </a:p>
+        </p:txBody>
+      </p:sp>
+      <p:sp>
+        <p:nvSpPr>
+          <p:cNvPr id="4" name="Footer Placeholder 3">
+            <a:extLst>
+              <a:ext uri="{FF2B5EF4-FFF2-40B4-BE49-F238E27FC236}">
+                <a16:creationId xmlns:a16="http://schemas.microsoft.com/office/drawing/2014/main" id="{216C5980-73CC-49BD-A7B3-1510DD177F63}"/>
+              </a:ext>
+            </a:extLst>
+          </p:cNvPr>
+          <p:cNvSpPr>
+            <a:spLocks noGrp="1"/>
+          </p:cNvSpPr>
+          <p:nvPr>
+            <p:ph type="ftr" sz="quarter" idx="11"/>
+          </p:nvPr>
+        </p:nvSpPr>
+        <p:spPr/>
+        <p:txBody>
+          <a:bodyPr/>
+          <a:lstStyle/>
+          <a:p>
+            <a:r>
+              <a:rPr lang="en-US" dirty="0"/>
+              <a:t>@jacobladams     https://bit.ly/jakepulumi</a:t>
+            </a:r>
+          </a:p>
+        </p:txBody>
+      </p:sp>
+      <p:pic>
+        <p:nvPicPr>
+          <p:cNvPr id="30" name="Graphic 29">
+            <a:extLst>
+              <a:ext uri="{FF2B5EF4-FFF2-40B4-BE49-F238E27FC236}">
+                <a16:creationId xmlns:a16="http://schemas.microsoft.com/office/drawing/2014/main" id="{262A3A0D-0B8C-45A7-A794-B10E0AF6AA13}"/>
+              </a:ext>
+            </a:extLst>
+          </p:cNvPr>
+          <p:cNvPicPr>
+            <a:picLocks noChangeAspect="1"/>
+          </p:cNvPicPr>
+          <p:nvPr/>
+        </p:nvPicPr>
+        <p:blipFill>
+          <a:blip r:embed="rId2">
+            <a:extLst>
+              <a:ext uri="{28A0092B-C50C-407E-A947-70E740481C1C}">
+                <a14:useLocalDpi xmlns:a14="http://schemas.microsoft.com/office/drawing/2010/main" val="0"/>
+              </a:ext>
+              <a:ext uri="{96DAC541-7B7A-43D3-8B79-37D633B846F1}">
+                <asvg:svgBlip xmlns:asvg="http://schemas.microsoft.com/office/drawing/2016/SVG/main" r:embed="rId3"/>
+              </a:ext>
+            </a:extLst>
+          </a:blip>
+          <a:stretch>
+            <a:fillRect/>
+          </a:stretch>
+        </p:blipFill>
+        <p:spPr>
+          <a:xfrm>
+            <a:off x="2744093" y="629221"/>
+            <a:ext cx="2822036" cy="703849"/>
+          </a:xfrm>
+          <a:prstGeom prst="rect">
+            <a:avLst/>
+          </a:prstGeom>
+        </p:spPr>
+      </p:pic>
     </p:spTree>
     <p:extLst>
       <p:ext uri="{BB962C8B-B14F-4D97-AF65-F5344CB8AC3E}">
-        <p14:creationId xmlns:p14="http://schemas.microsoft.com/office/powerpoint/2010/main" val="3316330423"/>
+        <p14:creationId xmlns:p14="http://schemas.microsoft.com/office/powerpoint/2010/main" val="3428255440"/>
+      </p:ext>
+    </p:extLst>
+  </p:cSld>
+  <p:clrMapOvr>
+    <a:masterClrMapping/>
+  </p:clrMapOvr>
+</p:sld>
+</file>
+
+<file path=ppt/slides/slide6.xml><?xml version="1.0" encoding="utf-8"?>
+<p:sld xmlns:a="http://schemas.openxmlformats.org/drawingml/2006/main" xmlns:r="http://schemas.openxmlformats.org/officeDocument/2006/relationships" xmlns:p="http://schemas.openxmlformats.org/presentationml/2006/main">
+  <p:cSld>
+    <p:spTree>
+      <p:nvGrpSpPr>
+        <p:cNvPr id="1" name=""/>
+        <p:cNvGrpSpPr/>
+        <p:nvPr/>
+      </p:nvGrpSpPr>
+      <p:grpSpPr>
+        <a:xfrm>
+          <a:off x="0" y="0"/>
+          <a:ext cx="0" cy="0"/>
+          <a:chOff x="0" y="0"/>
+          <a:chExt cx="0" cy="0"/>
+        </a:xfrm>
+      </p:grpSpPr>
+      <p:sp>
+        <p:nvSpPr>
+          <p:cNvPr id="2" name="Title 1">
+            <a:extLst>
+              <a:ext uri="{FF2B5EF4-FFF2-40B4-BE49-F238E27FC236}">
+                <a16:creationId xmlns:a16="http://schemas.microsoft.com/office/drawing/2014/main" id="{192766A7-E97A-4886-A407-D0FD53AC051B}"/>
+              </a:ext>
+            </a:extLst>
+          </p:cNvPr>
+          <p:cNvSpPr>
+            <a:spLocks noGrp="1"/>
+          </p:cNvSpPr>
+          <p:nvPr>
+            <p:ph type="title"/>
+          </p:nvPr>
+        </p:nvSpPr>
+        <p:spPr/>
+        <p:txBody>
+          <a:bodyPr/>
+          <a:lstStyle/>
+          <a:p>
+            <a:r>
+              <a:rPr lang="en-US" dirty="0"/>
+              <a:t>WTF is				  ?</a:t>
+            </a:r>
+          </a:p>
+        </p:txBody>
+      </p:sp>
+      <p:sp>
+        <p:nvSpPr>
+          <p:cNvPr id="3" name="Content Placeholder 2">
+            <a:extLst>
+              <a:ext uri="{FF2B5EF4-FFF2-40B4-BE49-F238E27FC236}">
+                <a16:creationId xmlns:a16="http://schemas.microsoft.com/office/drawing/2014/main" id="{13C593DA-4268-4941-9610-01438B60422D}"/>
+              </a:ext>
+            </a:extLst>
+          </p:cNvPr>
+          <p:cNvSpPr>
+            <a:spLocks noGrp="1"/>
+          </p:cNvSpPr>
+          <p:nvPr>
+            <p:ph idx="1"/>
+          </p:nvPr>
+        </p:nvSpPr>
+        <p:spPr>
+          <a:xfrm>
+            <a:off x="838201" y="1825625"/>
+            <a:ext cx="4852386" cy="4895850"/>
+          </a:xfrm>
+        </p:spPr>
+        <p:txBody>
+          <a:bodyPr>
+            <a:noAutofit/>
+          </a:bodyPr>
+          <a:lstStyle/>
+          <a:p>
+            <a:pPr marL="0" indent="0">
+              <a:lnSpc>
+                <a:spcPct val="100000"/>
+              </a:lnSpc>
+              <a:spcBef>
+                <a:spcPts val="0"/>
+              </a:spcBef>
+              <a:buNone/>
+            </a:pPr>
+            <a:r>
+              <a:rPr lang="en-US" sz="1600" b="0" dirty="0">
+                <a:solidFill>
+                  <a:srgbClr val="0000FF"/>
+                </a:solidFill>
+                <a:effectLst/>
+                <a:latin typeface="Consolas" panose="020B0609020204030204" pitchFamily="49" charset="0"/>
+              </a:rPr>
+              <a:t>var</a:t>
+            </a:r>
+            <a:r>
+              <a:rPr lang="en-US" sz="1600" b="0" dirty="0">
+                <a:solidFill>
+                  <a:srgbClr val="000000"/>
+                </a:solidFill>
+                <a:effectLst/>
+                <a:latin typeface="Consolas" panose="020B0609020204030204" pitchFamily="49" charset="0"/>
+              </a:rPr>
+              <a:t> </a:t>
+            </a:r>
+            <a:r>
+              <a:rPr lang="en-US" sz="1600" b="0" dirty="0" err="1">
+                <a:solidFill>
+                  <a:srgbClr val="001080"/>
+                </a:solidFill>
+                <a:effectLst/>
+                <a:latin typeface="Consolas" panose="020B0609020204030204" pitchFamily="49" charset="0"/>
+              </a:rPr>
+              <a:t>resourceGroup</a:t>
+            </a:r>
+            <a:r>
+              <a:rPr lang="en-US" sz="1600" b="0" dirty="0">
+                <a:solidFill>
+                  <a:srgbClr val="000000"/>
+                </a:solidFill>
+                <a:effectLst/>
+                <a:latin typeface="Consolas" panose="020B0609020204030204" pitchFamily="49" charset="0"/>
+              </a:rPr>
+              <a:t> = </a:t>
+            </a:r>
+            <a:r>
+              <a:rPr lang="en-US" sz="1600" b="0" dirty="0">
+                <a:solidFill>
+                  <a:srgbClr val="0000FF"/>
+                </a:solidFill>
+                <a:effectLst/>
+                <a:latin typeface="Consolas" panose="020B0609020204030204" pitchFamily="49" charset="0"/>
+              </a:rPr>
+              <a:t>new</a:t>
+            </a:r>
+            <a:endParaRPr lang="en-US" sz="1600" dirty="0">
+              <a:solidFill>
+                <a:srgbClr val="000000"/>
+              </a:solidFill>
+              <a:latin typeface="Consolas" panose="020B0609020204030204" pitchFamily="49" charset="0"/>
+            </a:endParaRPr>
+          </a:p>
+          <a:p>
+            <a:pPr marL="0" indent="0">
+              <a:lnSpc>
+                <a:spcPct val="100000"/>
+              </a:lnSpc>
+              <a:spcBef>
+                <a:spcPts val="0"/>
+              </a:spcBef>
+              <a:buNone/>
+            </a:pPr>
+            <a:r>
+              <a:rPr lang="en-US" sz="1600" b="0" dirty="0" err="1">
+                <a:solidFill>
+                  <a:srgbClr val="267F99"/>
+                </a:solidFill>
+                <a:effectLst/>
+                <a:latin typeface="Consolas" panose="020B0609020204030204" pitchFamily="49" charset="0"/>
+              </a:rPr>
+              <a:t>ResourceGroup</a:t>
+            </a:r>
+            <a:r>
+              <a:rPr lang="en-US" sz="1600" b="0" dirty="0">
+                <a:solidFill>
+                  <a:srgbClr val="000000"/>
+                </a:solidFill>
+                <a:effectLst/>
+                <a:latin typeface="Consolas" panose="020B0609020204030204" pitchFamily="49" charset="0"/>
+              </a:rPr>
+              <a:t>(</a:t>
+            </a:r>
+            <a:r>
+              <a:rPr lang="en-US" sz="1600" b="0" dirty="0">
+                <a:solidFill>
+                  <a:srgbClr val="A31515"/>
+                </a:solidFill>
+                <a:effectLst/>
+                <a:latin typeface="Consolas" panose="020B0609020204030204" pitchFamily="49" charset="0"/>
+              </a:rPr>
+              <a:t>"</a:t>
+            </a:r>
+            <a:r>
+              <a:rPr lang="en-US" sz="1600" b="0" dirty="0" err="1">
+                <a:solidFill>
+                  <a:srgbClr val="A31515"/>
+                </a:solidFill>
+                <a:effectLst/>
+                <a:latin typeface="Consolas" panose="020B0609020204030204" pitchFamily="49" charset="0"/>
+              </a:rPr>
+              <a:t>resourceGroup</a:t>
+            </a:r>
+            <a:r>
+              <a:rPr lang="en-US" sz="1600" b="0" dirty="0">
+                <a:solidFill>
+                  <a:srgbClr val="A31515"/>
+                </a:solidFill>
+                <a:effectLst/>
+                <a:latin typeface="Consolas" panose="020B0609020204030204" pitchFamily="49" charset="0"/>
+              </a:rPr>
+              <a:t>"</a:t>
+            </a:r>
+            <a:r>
+              <a:rPr lang="en-US" sz="1600" b="0" dirty="0">
+                <a:solidFill>
+                  <a:srgbClr val="000000"/>
+                </a:solidFill>
+                <a:effectLst/>
+                <a:latin typeface="Consolas" panose="020B0609020204030204" pitchFamily="49" charset="0"/>
+              </a:rPr>
+              <a:t>);</a:t>
+            </a:r>
+            <a:br>
+              <a:rPr lang="en-US" sz="1600" b="0" dirty="0">
+                <a:solidFill>
+                  <a:srgbClr val="000000"/>
+                </a:solidFill>
+                <a:effectLst/>
+                <a:latin typeface="Consolas" panose="020B0609020204030204" pitchFamily="49" charset="0"/>
+              </a:rPr>
+            </a:br>
+            <a:endParaRPr lang="en-US" sz="1600" b="0" dirty="0">
+              <a:solidFill>
+                <a:srgbClr val="000000"/>
+              </a:solidFill>
+              <a:effectLst/>
+              <a:latin typeface="Consolas" panose="020B0609020204030204" pitchFamily="49" charset="0"/>
+            </a:endParaRPr>
+          </a:p>
+          <a:p>
+            <a:pPr marL="0" indent="0">
+              <a:lnSpc>
+                <a:spcPct val="100000"/>
+              </a:lnSpc>
+              <a:spcBef>
+                <a:spcPts val="0"/>
+              </a:spcBef>
+              <a:buNone/>
+            </a:pPr>
+            <a:r>
+              <a:rPr lang="en-US" sz="1600" b="0" dirty="0">
+                <a:solidFill>
+                  <a:srgbClr val="0000FF"/>
+                </a:solidFill>
+                <a:effectLst/>
+                <a:latin typeface="Consolas" panose="020B0609020204030204" pitchFamily="49" charset="0"/>
+              </a:rPr>
+              <a:t>var</a:t>
+            </a:r>
+            <a:r>
+              <a:rPr lang="en-US" sz="1600" b="0" dirty="0">
+                <a:solidFill>
+                  <a:srgbClr val="000000"/>
+                </a:solidFill>
+                <a:effectLst/>
+                <a:latin typeface="Consolas" panose="020B0609020204030204" pitchFamily="49" charset="0"/>
+              </a:rPr>
+              <a:t> </a:t>
+            </a:r>
+            <a:r>
+              <a:rPr lang="en-US" sz="1600" b="0" dirty="0" err="1">
+                <a:solidFill>
+                  <a:srgbClr val="001080"/>
+                </a:solidFill>
+                <a:effectLst/>
+                <a:latin typeface="Consolas" panose="020B0609020204030204" pitchFamily="49" charset="0"/>
+              </a:rPr>
+              <a:t>storageAccount</a:t>
+            </a:r>
+            <a:r>
+              <a:rPr lang="en-US" sz="1600" b="0" dirty="0">
+                <a:solidFill>
+                  <a:srgbClr val="000000"/>
+                </a:solidFill>
+                <a:effectLst/>
+                <a:latin typeface="Consolas" panose="020B0609020204030204" pitchFamily="49" charset="0"/>
+              </a:rPr>
+              <a:t> = </a:t>
+            </a:r>
+          </a:p>
+          <a:p>
+            <a:pPr marL="0" indent="0">
+              <a:lnSpc>
+                <a:spcPct val="100000"/>
+              </a:lnSpc>
+              <a:spcBef>
+                <a:spcPts val="0"/>
+              </a:spcBef>
+              <a:buNone/>
+            </a:pPr>
+            <a:r>
+              <a:rPr lang="en-US" sz="1600" b="0" dirty="0">
+                <a:solidFill>
+                  <a:srgbClr val="0000FF"/>
+                </a:solidFill>
+                <a:effectLst/>
+                <a:latin typeface="Consolas" panose="020B0609020204030204" pitchFamily="49" charset="0"/>
+              </a:rPr>
+              <a:t> new </a:t>
+            </a:r>
+            <a:r>
+              <a:rPr lang="en-US" sz="1600" b="0" dirty="0" err="1">
+                <a:solidFill>
+                  <a:srgbClr val="267F99"/>
+                </a:solidFill>
+                <a:effectLst/>
+                <a:latin typeface="Consolas" panose="020B0609020204030204" pitchFamily="49" charset="0"/>
+              </a:rPr>
+              <a:t>StorageAccount</a:t>
+            </a:r>
+            <a:r>
+              <a:rPr lang="en-US" sz="1600" b="0" dirty="0">
+                <a:solidFill>
+                  <a:srgbClr val="000000"/>
+                </a:solidFill>
+                <a:effectLst/>
+                <a:latin typeface="Consolas" panose="020B0609020204030204" pitchFamily="49" charset="0"/>
+              </a:rPr>
+              <a:t>(</a:t>
+            </a:r>
+            <a:r>
+              <a:rPr lang="en-US" sz="1600" b="0" dirty="0">
+                <a:solidFill>
+                  <a:srgbClr val="A31515"/>
+                </a:solidFill>
+                <a:effectLst/>
+                <a:latin typeface="Consolas" panose="020B0609020204030204" pitchFamily="49" charset="0"/>
+              </a:rPr>
+              <a:t>"</a:t>
+            </a:r>
+            <a:r>
+              <a:rPr lang="en-US" sz="1600" b="0" dirty="0" err="1">
+                <a:solidFill>
+                  <a:srgbClr val="A31515"/>
+                </a:solidFill>
+                <a:effectLst/>
+                <a:latin typeface="Consolas" panose="020B0609020204030204" pitchFamily="49" charset="0"/>
+              </a:rPr>
+              <a:t>sa</a:t>
+            </a:r>
+            <a:r>
+              <a:rPr lang="en-US" sz="1600" b="0" dirty="0">
+                <a:solidFill>
+                  <a:srgbClr val="A31515"/>
+                </a:solidFill>
+                <a:effectLst/>
+                <a:latin typeface="Consolas" panose="020B0609020204030204" pitchFamily="49" charset="0"/>
+              </a:rPr>
+              <a:t>"</a:t>
+            </a:r>
+            <a:r>
+              <a:rPr lang="en-US" sz="1600" b="0" dirty="0">
+                <a:solidFill>
+                  <a:srgbClr val="000000"/>
+                </a:solidFill>
+                <a:effectLst/>
+                <a:latin typeface="Consolas" panose="020B0609020204030204" pitchFamily="49" charset="0"/>
+              </a:rPr>
+              <a:t>,</a:t>
+            </a:r>
+          </a:p>
+          <a:p>
+            <a:pPr marL="0" indent="0">
+              <a:lnSpc>
+                <a:spcPct val="100000"/>
+              </a:lnSpc>
+              <a:spcBef>
+                <a:spcPts val="0"/>
+              </a:spcBef>
+              <a:buNone/>
+            </a:pPr>
+            <a:r>
+              <a:rPr lang="en-US" sz="1600" dirty="0">
+                <a:solidFill>
+                  <a:srgbClr val="000000"/>
+                </a:solidFill>
+                <a:latin typeface="Consolas" panose="020B0609020204030204" pitchFamily="49" charset="0"/>
+              </a:rPr>
+              <a:t>  </a:t>
+            </a:r>
+            <a:r>
+              <a:rPr lang="en-US" sz="1600" b="0" dirty="0">
+                <a:solidFill>
+                  <a:srgbClr val="0000FF"/>
+                </a:solidFill>
+                <a:effectLst/>
+                <a:latin typeface="Consolas" panose="020B0609020204030204" pitchFamily="49" charset="0"/>
+              </a:rPr>
+              <a:t>new</a:t>
+            </a:r>
+            <a:r>
+              <a:rPr lang="en-US" sz="1600" dirty="0">
+                <a:solidFill>
+                  <a:srgbClr val="000000"/>
+                </a:solidFill>
+                <a:latin typeface="Consolas" panose="020B0609020204030204" pitchFamily="49" charset="0"/>
+              </a:rPr>
+              <a:t> </a:t>
+            </a:r>
+            <a:r>
+              <a:rPr lang="en-US" sz="1600" b="0" dirty="0" err="1">
+                <a:solidFill>
+                  <a:srgbClr val="267F99"/>
+                </a:solidFill>
+                <a:effectLst/>
+                <a:latin typeface="Consolas" panose="020B0609020204030204" pitchFamily="49" charset="0"/>
+              </a:rPr>
+              <a:t>StorageAccountArgs</a:t>
+            </a:r>
+            <a:endParaRPr lang="en-US" sz="1600" b="0" dirty="0">
+              <a:solidFill>
+                <a:srgbClr val="000000"/>
+              </a:solidFill>
+              <a:effectLst/>
+              <a:latin typeface="Consolas" panose="020B0609020204030204" pitchFamily="49" charset="0"/>
+            </a:endParaRPr>
+          </a:p>
+          <a:p>
+            <a:pPr marL="0" indent="0">
+              <a:lnSpc>
+                <a:spcPct val="100000"/>
+              </a:lnSpc>
+              <a:spcBef>
+                <a:spcPts val="0"/>
+              </a:spcBef>
+              <a:buNone/>
+            </a:pPr>
+            <a:r>
+              <a:rPr lang="en-US" sz="1600" b="0" dirty="0">
+                <a:solidFill>
+                  <a:srgbClr val="000000"/>
+                </a:solidFill>
+                <a:effectLst/>
+                <a:latin typeface="Consolas" panose="020B0609020204030204" pitchFamily="49" charset="0"/>
+              </a:rPr>
+              <a:t>  {</a:t>
+            </a:r>
+          </a:p>
+          <a:p>
+            <a:pPr marL="0" indent="0">
+              <a:lnSpc>
+                <a:spcPct val="100000"/>
+              </a:lnSpc>
+              <a:spcBef>
+                <a:spcPts val="0"/>
+              </a:spcBef>
+              <a:buNone/>
+            </a:pPr>
+            <a:r>
+              <a:rPr lang="en-US" sz="1600" b="0" dirty="0">
+                <a:solidFill>
+                  <a:srgbClr val="001080"/>
+                </a:solidFill>
+                <a:effectLst/>
+                <a:latin typeface="Consolas" panose="020B0609020204030204" pitchFamily="49" charset="0"/>
+              </a:rPr>
+              <a:t>   </a:t>
+            </a:r>
+            <a:r>
+              <a:rPr lang="en-US" sz="1600" b="0" dirty="0" err="1">
+                <a:solidFill>
+                  <a:srgbClr val="001080"/>
+                </a:solidFill>
+                <a:effectLst/>
+                <a:latin typeface="Consolas" panose="020B0609020204030204" pitchFamily="49" charset="0"/>
+              </a:rPr>
+              <a:t>ResourceGroupName</a:t>
+            </a:r>
+            <a:r>
+              <a:rPr lang="en-US" sz="1600" b="0" dirty="0">
+                <a:solidFill>
+                  <a:srgbClr val="000000"/>
+                </a:solidFill>
+                <a:effectLst/>
+                <a:latin typeface="Consolas" panose="020B0609020204030204" pitchFamily="49" charset="0"/>
+              </a:rPr>
+              <a:t> =</a:t>
+            </a:r>
+          </a:p>
+          <a:p>
+            <a:pPr marL="0" indent="0">
+              <a:lnSpc>
+                <a:spcPct val="100000"/>
+              </a:lnSpc>
+              <a:spcBef>
+                <a:spcPts val="0"/>
+              </a:spcBef>
+              <a:buNone/>
+            </a:pPr>
+            <a:r>
+              <a:rPr lang="en-US" sz="1600" dirty="0">
+                <a:solidFill>
+                  <a:srgbClr val="000000"/>
+                </a:solidFill>
+                <a:latin typeface="Consolas" panose="020B0609020204030204" pitchFamily="49" charset="0"/>
+              </a:rPr>
+              <a:t>   </a:t>
+            </a:r>
+            <a:r>
+              <a:rPr lang="en-US" sz="1600" b="0" dirty="0">
+                <a:solidFill>
+                  <a:srgbClr val="000000"/>
+                </a:solidFill>
+                <a:effectLst/>
+                <a:latin typeface="Consolas" panose="020B0609020204030204" pitchFamily="49" charset="0"/>
+              </a:rPr>
+              <a:t> </a:t>
+            </a:r>
+            <a:r>
+              <a:rPr lang="en-US" sz="1600" b="0" dirty="0" err="1">
+                <a:solidFill>
+                  <a:srgbClr val="001080"/>
+                </a:solidFill>
+                <a:effectLst/>
+                <a:latin typeface="Consolas" panose="020B0609020204030204" pitchFamily="49" charset="0"/>
+              </a:rPr>
+              <a:t>resourceGroup</a:t>
+            </a:r>
+            <a:r>
+              <a:rPr lang="en-US" sz="1600" b="0" dirty="0" err="1">
+                <a:solidFill>
+                  <a:srgbClr val="000000"/>
+                </a:solidFill>
+                <a:effectLst/>
+                <a:latin typeface="Consolas" panose="020B0609020204030204" pitchFamily="49" charset="0"/>
+              </a:rPr>
+              <a:t>.</a:t>
+            </a:r>
+            <a:r>
+              <a:rPr lang="en-US" sz="1600" b="0" dirty="0" err="1">
+                <a:solidFill>
+                  <a:srgbClr val="001080"/>
+                </a:solidFill>
+                <a:effectLst/>
+                <a:latin typeface="Consolas" panose="020B0609020204030204" pitchFamily="49" charset="0"/>
+              </a:rPr>
+              <a:t>Name</a:t>
+            </a:r>
+            <a:r>
+              <a:rPr lang="en-US" sz="1600" b="0" dirty="0">
+                <a:solidFill>
+                  <a:srgbClr val="000000"/>
+                </a:solidFill>
+                <a:effectLst/>
+                <a:latin typeface="Consolas" panose="020B0609020204030204" pitchFamily="49" charset="0"/>
+              </a:rPr>
+              <a:t>,</a:t>
+            </a:r>
+          </a:p>
+          <a:p>
+            <a:pPr marL="0" indent="0">
+              <a:lnSpc>
+                <a:spcPct val="100000"/>
+              </a:lnSpc>
+              <a:spcBef>
+                <a:spcPts val="0"/>
+              </a:spcBef>
+              <a:buNone/>
+            </a:pPr>
+            <a:r>
+              <a:rPr lang="en-US" sz="1600" b="0" dirty="0">
+                <a:solidFill>
+                  <a:srgbClr val="000000"/>
+                </a:solidFill>
+                <a:effectLst/>
+                <a:latin typeface="Consolas" panose="020B0609020204030204" pitchFamily="49" charset="0"/>
+              </a:rPr>
+              <a:t>   </a:t>
+            </a:r>
+            <a:r>
+              <a:rPr lang="en-US" sz="1600" b="0" dirty="0" err="1">
+                <a:solidFill>
+                  <a:srgbClr val="001080"/>
+                </a:solidFill>
+                <a:effectLst/>
+                <a:latin typeface="Consolas" panose="020B0609020204030204" pitchFamily="49" charset="0"/>
+              </a:rPr>
+              <a:t>Sku</a:t>
+            </a:r>
+            <a:r>
+              <a:rPr lang="en-US" sz="1600" b="0" dirty="0">
+                <a:solidFill>
+                  <a:srgbClr val="000000"/>
+                </a:solidFill>
+                <a:effectLst/>
+                <a:latin typeface="Consolas" panose="020B0609020204030204" pitchFamily="49" charset="0"/>
+              </a:rPr>
+              <a:t> = </a:t>
+            </a:r>
+            <a:r>
+              <a:rPr lang="en-US" sz="1600" b="0" dirty="0">
+                <a:solidFill>
+                  <a:srgbClr val="0000FF"/>
+                </a:solidFill>
+                <a:effectLst/>
+                <a:latin typeface="Consolas" panose="020B0609020204030204" pitchFamily="49" charset="0"/>
+              </a:rPr>
+              <a:t>new</a:t>
+            </a:r>
+            <a:r>
+              <a:rPr lang="en-US" sz="1600" b="0" dirty="0">
+                <a:solidFill>
+                  <a:srgbClr val="000000"/>
+                </a:solidFill>
+                <a:effectLst/>
+                <a:latin typeface="Consolas" panose="020B0609020204030204" pitchFamily="49" charset="0"/>
+              </a:rPr>
+              <a:t> </a:t>
+            </a:r>
+            <a:r>
+              <a:rPr lang="en-US" sz="1600" b="0" dirty="0" err="1">
+                <a:solidFill>
+                  <a:srgbClr val="267F99"/>
+                </a:solidFill>
+                <a:effectLst/>
+                <a:latin typeface="Consolas" panose="020B0609020204030204" pitchFamily="49" charset="0"/>
+              </a:rPr>
+              <a:t>SkuArgs</a:t>
+            </a:r>
+            <a:endParaRPr lang="en-US" sz="1600" b="0" dirty="0">
+              <a:solidFill>
+                <a:srgbClr val="000000"/>
+              </a:solidFill>
+              <a:effectLst/>
+              <a:latin typeface="Consolas" panose="020B0609020204030204" pitchFamily="49" charset="0"/>
+            </a:endParaRPr>
+          </a:p>
+          <a:p>
+            <a:pPr marL="0" indent="0">
+              <a:lnSpc>
+                <a:spcPct val="100000"/>
+              </a:lnSpc>
+              <a:spcBef>
+                <a:spcPts val="0"/>
+              </a:spcBef>
+              <a:buNone/>
+            </a:pPr>
+            <a:r>
+              <a:rPr lang="en-US" sz="1600" b="0" dirty="0">
+                <a:solidFill>
+                  <a:srgbClr val="000000"/>
+                </a:solidFill>
+                <a:effectLst/>
+                <a:latin typeface="Consolas" panose="020B0609020204030204" pitchFamily="49" charset="0"/>
+              </a:rPr>
+              <a:t>   {</a:t>
+            </a:r>
+          </a:p>
+          <a:p>
+            <a:pPr marL="0" indent="0">
+              <a:lnSpc>
+                <a:spcPct val="100000"/>
+              </a:lnSpc>
+              <a:spcBef>
+                <a:spcPts val="0"/>
+              </a:spcBef>
+              <a:buNone/>
+            </a:pPr>
+            <a:r>
+              <a:rPr lang="en-US" sz="1600" b="0" dirty="0">
+                <a:solidFill>
+                  <a:srgbClr val="000000"/>
+                </a:solidFill>
+                <a:effectLst/>
+                <a:latin typeface="Consolas" panose="020B0609020204030204" pitchFamily="49" charset="0"/>
+              </a:rPr>
+              <a:t>      </a:t>
+            </a:r>
+            <a:r>
+              <a:rPr lang="en-US" sz="1600" b="0" dirty="0">
+                <a:solidFill>
+                  <a:srgbClr val="001080"/>
+                </a:solidFill>
+                <a:effectLst/>
+                <a:latin typeface="Consolas" panose="020B0609020204030204" pitchFamily="49" charset="0"/>
+              </a:rPr>
+              <a:t>Name</a:t>
+            </a:r>
+            <a:r>
+              <a:rPr lang="en-US" sz="1600" b="0" dirty="0">
+                <a:solidFill>
+                  <a:srgbClr val="000000"/>
+                </a:solidFill>
+                <a:effectLst/>
+                <a:latin typeface="Consolas" panose="020B0609020204030204" pitchFamily="49" charset="0"/>
+              </a:rPr>
+              <a:t> = </a:t>
+            </a:r>
+            <a:r>
+              <a:rPr lang="en-US" sz="1600" b="0" dirty="0" err="1">
+                <a:solidFill>
+                  <a:srgbClr val="267F99"/>
+                </a:solidFill>
+                <a:effectLst/>
+                <a:latin typeface="Consolas" panose="020B0609020204030204" pitchFamily="49" charset="0"/>
+              </a:rPr>
+              <a:t>SkuName</a:t>
+            </a:r>
+            <a:r>
+              <a:rPr lang="en-US" sz="1600" b="0" dirty="0" err="1">
+                <a:solidFill>
+                  <a:srgbClr val="000000"/>
+                </a:solidFill>
+                <a:effectLst/>
+                <a:latin typeface="Consolas" panose="020B0609020204030204" pitchFamily="49" charset="0"/>
+              </a:rPr>
+              <a:t>.</a:t>
+            </a:r>
+            <a:r>
+              <a:rPr lang="en-US" sz="1600" b="0" dirty="0" err="1">
+                <a:solidFill>
+                  <a:srgbClr val="001080"/>
+                </a:solidFill>
+                <a:effectLst/>
+                <a:latin typeface="Consolas" panose="020B0609020204030204" pitchFamily="49" charset="0"/>
+              </a:rPr>
+              <a:t>Standard_LRS</a:t>
+            </a:r>
+            <a:endParaRPr lang="en-US" sz="1600" b="0" dirty="0">
+              <a:solidFill>
+                <a:srgbClr val="000000"/>
+              </a:solidFill>
+              <a:effectLst/>
+              <a:latin typeface="Consolas" panose="020B0609020204030204" pitchFamily="49" charset="0"/>
+            </a:endParaRPr>
+          </a:p>
+          <a:p>
+            <a:pPr marL="0" indent="0">
+              <a:lnSpc>
+                <a:spcPct val="100000"/>
+              </a:lnSpc>
+              <a:spcBef>
+                <a:spcPts val="0"/>
+              </a:spcBef>
+              <a:buNone/>
+            </a:pPr>
+            <a:r>
+              <a:rPr lang="en-US" sz="1600" b="0" dirty="0">
+                <a:solidFill>
+                  <a:srgbClr val="000000"/>
+                </a:solidFill>
+                <a:effectLst/>
+                <a:latin typeface="Consolas" panose="020B0609020204030204" pitchFamily="49" charset="0"/>
+              </a:rPr>
+              <a:t>   },</a:t>
+            </a:r>
+          </a:p>
+          <a:p>
+            <a:pPr marL="0" indent="0">
+              <a:lnSpc>
+                <a:spcPct val="100000"/>
+              </a:lnSpc>
+              <a:spcBef>
+                <a:spcPts val="0"/>
+              </a:spcBef>
+              <a:buNone/>
+            </a:pPr>
+            <a:r>
+              <a:rPr lang="en-US" sz="1600" b="0" dirty="0">
+                <a:solidFill>
+                  <a:srgbClr val="000000"/>
+                </a:solidFill>
+                <a:effectLst/>
+                <a:latin typeface="Consolas" panose="020B0609020204030204" pitchFamily="49" charset="0"/>
+              </a:rPr>
+              <a:t>   </a:t>
+            </a:r>
+            <a:r>
+              <a:rPr lang="en-US" sz="1600" b="0" dirty="0">
+                <a:solidFill>
+                  <a:srgbClr val="001080"/>
+                </a:solidFill>
+                <a:effectLst/>
+                <a:latin typeface="Consolas" panose="020B0609020204030204" pitchFamily="49" charset="0"/>
+              </a:rPr>
+              <a:t>Kind</a:t>
+            </a:r>
+            <a:r>
+              <a:rPr lang="en-US" sz="1600" b="0" dirty="0">
+                <a:solidFill>
+                  <a:srgbClr val="000000"/>
+                </a:solidFill>
+                <a:effectLst/>
+                <a:latin typeface="Consolas" panose="020B0609020204030204" pitchFamily="49" charset="0"/>
+              </a:rPr>
+              <a:t> = </a:t>
+            </a:r>
+            <a:r>
+              <a:rPr lang="en-US" sz="1600" b="0" dirty="0">
+                <a:solidFill>
+                  <a:srgbClr val="267F99"/>
+                </a:solidFill>
+                <a:effectLst/>
+                <a:latin typeface="Consolas" panose="020B0609020204030204" pitchFamily="49" charset="0"/>
+              </a:rPr>
+              <a:t>Kind</a:t>
+            </a:r>
+            <a:r>
+              <a:rPr lang="en-US" sz="1600" b="0" dirty="0">
+                <a:solidFill>
+                  <a:srgbClr val="000000"/>
+                </a:solidFill>
+                <a:effectLst/>
+                <a:latin typeface="Consolas" panose="020B0609020204030204" pitchFamily="49" charset="0"/>
+              </a:rPr>
+              <a:t>.</a:t>
+            </a:r>
+            <a:r>
+              <a:rPr lang="en-US" sz="1600" b="0" dirty="0">
+                <a:solidFill>
+                  <a:srgbClr val="001080"/>
+                </a:solidFill>
+                <a:effectLst/>
+                <a:latin typeface="Consolas" panose="020B0609020204030204" pitchFamily="49" charset="0"/>
+              </a:rPr>
+              <a:t>StorageV2</a:t>
+            </a:r>
+            <a:endParaRPr lang="en-US" sz="1600" b="0" dirty="0">
+              <a:solidFill>
+                <a:srgbClr val="000000"/>
+              </a:solidFill>
+              <a:effectLst/>
+              <a:latin typeface="Consolas" panose="020B0609020204030204" pitchFamily="49" charset="0"/>
+            </a:endParaRPr>
+          </a:p>
+          <a:p>
+            <a:pPr marL="0" indent="0">
+              <a:lnSpc>
+                <a:spcPct val="100000"/>
+              </a:lnSpc>
+              <a:spcBef>
+                <a:spcPts val="0"/>
+              </a:spcBef>
+              <a:buNone/>
+            </a:pPr>
+            <a:r>
+              <a:rPr lang="en-US" sz="1600" b="0" dirty="0">
+                <a:solidFill>
+                  <a:srgbClr val="000000"/>
+                </a:solidFill>
+                <a:effectLst/>
+                <a:latin typeface="Consolas" panose="020B0609020204030204" pitchFamily="49" charset="0"/>
+              </a:rPr>
+              <a:t>});</a:t>
+            </a:r>
+          </a:p>
+          <a:p>
+            <a:pPr>
+              <a:lnSpc>
+                <a:spcPct val="100000"/>
+              </a:lnSpc>
+              <a:spcBef>
+                <a:spcPts val="0"/>
+              </a:spcBef>
+            </a:pPr>
+            <a:endParaRPr lang="en-US" sz="1600" dirty="0"/>
+          </a:p>
+        </p:txBody>
+      </p:sp>
+      <p:sp>
+        <p:nvSpPr>
+          <p:cNvPr id="4" name="Footer Placeholder 3">
+            <a:extLst>
+              <a:ext uri="{FF2B5EF4-FFF2-40B4-BE49-F238E27FC236}">
+                <a16:creationId xmlns:a16="http://schemas.microsoft.com/office/drawing/2014/main" id="{1DED5E90-0BAE-4E47-8126-633692FAABBF}"/>
+              </a:ext>
+            </a:extLst>
+          </p:cNvPr>
+          <p:cNvSpPr>
+            <a:spLocks noGrp="1"/>
+          </p:cNvSpPr>
+          <p:nvPr>
+            <p:ph type="ftr" sz="quarter" idx="11"/>
+          </p:nvPr>
+        </p:nvSpPr>
+        <p:spPr/>
+        <p:txBody>
+          <a:bodyPr/>
+          <a:lstStyle/>
+          <a:p>
+            <a:pPr algn="l"/>
+            <a:r>
+              <a:rPr lang="en-US" dirty="0"/>
+              <a:t>@jacobladams 			https://bit.ly/jakepulumi</a:t>
+            </a:r>
+          </a:p>
+        </p:txBody>
+      </p:sp>
+      <p:pic>
+        <p:nvPicPr>
+          <p:cNvPr id="5" name="Graphic 4">
+            <a:extLst>
+              <a:ext uri="{FF2B5EF4-FFF2-40B4-BE49-F238E27FC236}">
+                <a16:creationId xmlns:a16="http://schemas.microsoft.com/office/drawing/2014/main" id="{C23936DA-4CC9-4100-A7BF-5B8EC1A1D252}"/>
+              </a:ext>
+            </a:extLst>
+          </p:cNvPr>
+          <p:cNvPicPr>
+            <a:picLocks noChangeAspect="1"/>
+          </p:cNvPicPr>
+          <p:nvPr/>
+        </p:nvPicPr>
+        <p:blipFill>
+          <a:blip r:embed="rId2">
+            <a:extLst>
+              <a:ext uri="{28A0092B-C50C-407E-A947-70E740481C1C}">
+                <a14:useLocalDpi xmlns:a14="http://schemas.microsoft.com/office/drawing/2010/main" val="0"/>
+              </a:ext>
+              <a:ext uri="{96DAC541-7B7A-43D3-8B79-37D633B846F1}">
+                <asvg:svgBlip xmlns:asvg="http://schemas.microsoft.com/office/drawing/2016/SVG/main" r:embed="rId3"/>
+              </a:ext>
+            </a:extLst>
+          </a:blip>
+          <a:stretch>
+            <a:fillRect/>
+          </a:stretch>
+        </p:blipFill>
+        <p:spPr>
+          <a:xfrm>
+            <a:off x="5038904" y="3206795"/>
+            <a:ext cx="2234330" cy="557268"/>
+          </a:xfrm>
+          <a:prstGeom prst="rect">
+            <a:avLst/>
+          </a:prstGeom>
+        </p:spPr>
+      </p:pic>
+      <p:pic>
+        <p:nvPicPr>
+          <p:cNvPr id="8" name="Graphic 7" descr="Arrow: Slight curve with solid fill">
+            <a:extLst>
+              <a:ext uri="{FF2B5EF4-FFF2-40B4-BE49-F238E27FC236}">
+                <a16:creationId xmlns:a16="http://schemas.microsoft.com/office/drawing/2014/main" id="{A75C19B6-A38F-47E4-8635-4D8B30CC8484}"/>
+              </a:ext>
+            </a:extLst>
+          </p:cNvPr>
+          <p:cNvPicPr>
+            <a:picLocks noChangeAspect="1"/>
+          </p:cNvPicPr>
+          <p:nvPr/>
+        </p:nvPicPr>
+        <p:blipFill>
+          <a:blip r:embed="rId4">
+            <a:extLst>
+              <a:ext uri="{28A0092B-C50C-407E-A947-70E740481C1C}">
+                <a14:useLocalDpi xmlns:a14="http://schemas.microsoft.com/office/drawing/2010/main" val="0"/>
+              </a:ext>
+              <a:ext uri="{96DAC541-7B7A-43D3-8B79-37D633B846F1}">
+                <asvg:svgBlip xmlns:asvg="http://schemas.microsoft.com/office/drawing/2016/SVG/main" r:embed="rId5"/>
+              </a:ext>
+            </a:extLst>
+          </a:blip>
+          <a:stretch>
+            <a:fillRect/>
+          </a:stretch>
+        </p:blipFill>
+        <p:spPr>
+          <a:xfrm>
+            <a:off x="7393625" y="3105777"/>
+            <a:ext cx="799597" cy="799597"/>
+          </a:xfrm>
+          <a:prstGeom prst="rect">
+            <a:avLst/>
+          </a:prstGeom>
+        </p:spPr>
+      </p:pic>
+      <p:pic>
+        <p:nvPicPr>
+          <p:cNvPr id="20" name="Picture 19">
+            <a:extLst>
+              <a:ext uri="{FF2B5EF4-FFF2-40B4-BE49-F238E27FC236}">
+                <a16:creationId xmlns:a16="http://schemas.microsoft.com/office/drawing/2014/main" id="{C08A0B2A-BFDA-489B-861E-AD9D6931E775}"/>
+              </a:ext>
+            </a:extLst>
+          </p:cNvPr>
+          <p:cNvPicPr>
+            <a:picLocks noChangeAspect="1"/>
+          </p:cNvPicPr>
+          <p:nvPr/>
+        </p:nvPicPr>
+        <p:blipFill>
+          <a:blip r:embed="rId6"/>
+          <a:stretch>
+            <a:fillRect/>
+          </a:stretch>
+        </p:blipFill>
+        <p:spPr>
+          <a:xfrm>
+            <a:off x="5209482" y="4040311"/>
+            <a:ext cx="6770286" cy="1956326"/>
+          </a:xfrm>
+          <a:prstGeom prst="rect">
+            <a:avLst/>
+          </a:prstGeom>
+          <a:ln>
+            <a:solidFill>
+              <a:schemeClr val="accent1"/>
+            </a:solidFill>
+          </a:ln>
+        </p:spPr>
+      </p:pic>
+      <p:pic>
+        <p:nvPicPr>
+          <p:cNvPr id="21" name="Graphic 20" descr="Arrow: Slight curve with solid fill">
+            <a:extLst>
+              <a:ext uri="{FF2B5EF4-FFF2-40B4-BE49-F238E27FC236}">
+                <a16:creationId xmlns:a16="http://schemas.microsoft.com/office/drawing/2014/main" id="{2EDA4DE8-A858-40E1-B189-D22DC3795048}"/>
+              </a:ext>
+            </a:extLst>
+          </p:cNvPr>
+          <p:cNvPicPr>
+            <a:picLocks noChangeAspect="1"/>
+          </p:cNvPicPr>
+          <p:nvPr/>
+        </p:nvPicPr>
+        <p:blipFill>
+          <a:blip r:embed="rId4">
+            <a:extLst>
+              <a:ext uri="{28A0092B-C50C-407E-A947-70E740481C1C}">
+                <a14:useLocalDpi xmlns:a14="http://schemas.microsoft.com/office/drawing/2010/main" val="0"/>
+              </a:ext>
+              <a:ext uri="{96DAC541-7B7A-43D3-8B79-37D633B846F1}">
+                <asvg:svgBlip xmlns:asvg="http://schemas.microsoft.com/office/drawing/2016/SVG/main" r:embed="rId5"/>
+              </a:ext>
+            </a:extLst>
+          </a:blip>
+          <a:stretch>
+            <a:fillRect/>
+          </a:stretch>
+        </p:blipFill>
+        <p:spPr>
+          <a:xfrm>
+            <a:off x="4059463" y="3104355"/>
+            <a:ext cx="799597" cy="799597"/>
+          </a:xfrm>
+          <a:prstGeom prst="rect">
+            <a:avLst/>
+          </a:prstGeom>
+        </p:spPr>
+      </p:pic>
+      <p:pic>
+        <p:nvPicPr>
+          <p:cNvPr id="23" name="Graphic 22" descr="Cloud outline">
+            <a:extLst>
+              <a:ext uri="{FF2B5EF4-FFF2-40B4-BE49-F238E27FC236}">
+                <a16:creationId xmlns:a16="http://schemas.microsoft.com/office/drawing/2014/main" id="{4C1520FD-D427-4A32-95D0-E3AD0C05AC71}"/>
+              </a:ext>
+            </a:extLst>
+          </p:cNvPr>
+          <p:cNvPicPr>
+            <a:picLocks noChangeAspect="1"/>
+          </p:cNvPicPr>
+          <p:nvPr/>
+        </p:nvPicPr>
+        <p:blipFill>
+          <a:blip r:embed="rId7">
+            <a:extLst>
+              <a:ext uri="{28A0092B-C50C-407E-A947-70E740481C1C}">
+                <a14:useLocalDpi xmlns:a14="http://schemas.microsoft.com/office/drawing/2010/main" val="0"/>
+              </a:ext>
+              <a:ext uri="{96DAC541-7B7A-43D3-8B79-37D633B846F1}">
+                <asvg:svgBlip xmlns:asvg="http://schemas.microsoft.com/office/drawing/2016/SVG/main" r:embed="rId8"/>
+              </a:ext>
+            </a:extLst>
+          </a:blip>
+          <a:stretch>
+            <a:fillRect/>
+          </a:stretch>
+        </p:blipFill>
+        <p:spPr>
+          <a:xfrm>
+            <a:off x="8380627" y="2627853"/>
+            <a:ext cx="1752600" cy="1752600"/>
+          </a:xfrm>
+          <a:prstGeom prst="rect">
+            <a:avLst/>
+          </a:prstGeom>
+        </p:spPr>
+      </p:pic>
+      <p:pic>
+        <p:nvPicPr>
+          <p:cNvPr id="25" name="Graphic 24">
+            <a:extLst>
+              <a:ext uri="{FF2B5EF4-FFF2-40B4-BE49-F238E27FC236}">
+                <a16:creationId xmlns:a16="http://schemas.microsoft.com/office/drawing/2014/main" id="{D768062A-3E91-4B45-87A5-8092C9A1C109}"/>
+              </a:ext>
+            </a:extLst>
+          </p:cNvPr>
+          <p:cNvPicPr>
+            <a:picLocks noChangeAspect="1"/>
+          </p:cNvPicPr>
+          <p:nvPr/>
+        </p:nvPicPr>
+        <p:blipFill>
+          <a:blip r:embed="rId2">
+            <a:extLst>
+              <a:ext uri="{28A0092B-C50C-407E-A947-70E740481C1C}">
+                <a14:useLocalDpi xmlns:a14="http://schemas.microsoft.com/office/drawing/2010/main" val="0"/>
+              </a:ext>
+              <a:ext uri="{96DAC541-7B7A-43D3-8B79-37D633B846F1}">
+                <asvg:svgBlip xmlns:asvg="http://schemas.microsoft.com/office/drawing/2016/SVG/main" r:embed="rId3"/>
+              </a:ext>
+            </a:extLst>
+          </a:blip>
+          <a:stretch>
+            <a:fillRect/>
+          </a:stretch>
+        </p:blipFill>
+        <p:spPr>
+          <a:xfrm>
+            <a:off x="2744093" y="629221"/>
+            <a:ext cx="2822036" cy="703849"/>
+          </a:xfrm>
+          <a:prstGeom prst="rect">
+            <a:avLst/>
+          </a:prstGeom>
+        </p:spPr>
+      </p:pic>
+    </p:spTree>
+    <p:extLst>
+      <p:ext uri="{BB962C8B-B14F-4D97-AF65-F5344CB8AC3E}">
+        <p14:creationId xmlns:p14="http://schemas.microsoft.com/office/powerpoint/2010/main" val="1987971185"/>
+      </p:ext>
+    </p:extLst>
+  </p:cSld>
+  <p:clrMapOvr>
+    <a:masterClrMapping/>
+  </p:clrMapOvr>
+</p:sld>
+</file>
+
+<file path=ppt/slides/slide7.xml><?xml version="1.0" encoding="utf-8"?>
+<p:sld xmlns:a="http://schemas.openxmlformats.org/drawingml/2006/main" xmlns:r="http://schemas.openxmlformats.org/officeDocument/2006/relationships" xmlns:p="http://schemas.openxmlformats.org/presentationml/2006/main">
+  <p:cSld>
+    <p:spTree>
+      <p:nvGrpSpPr>
+        <p:cNvPr id="1" name=""/>
+        <p:cNvGrpSpPr/>
+        <p:nvPr/>
+      </p:nvGrpSpPr>
+      <p:grpSpPr>
+        <a:xfrm>
+          <a:off x="0" y="0"/>
+          <a:ext cx="0" cy="0"/>
+          <a:chOff x="0" y="0"/>
+          <a:chExt cx="0" cy="0"/>
+        </a:xfrm>
+      </p:grpSpPr>
+      <p:sp>
+        <p:nvSpPr>
+          <p:cNvPr id="2" name="Title 1">
+            <a:extLst>
+              <a:ext uri="{FF2B5EF4-FFF2-40B4-BE49-F238E27FC236}">
+                <a16:creationId xmlns:a16="http://schemas.microsoft.com/office/drawing/2014/main" id="{C8B400D5-DC48-4C9B-8A05-C98814E09977}"/>
+              </a:ext>
+            </a:extLst>
+          </p:cNvPr>
+          <p:cNvSpPr>
+            <a:spLocks noGrp="1"/>
+          </p:cNvSpPr>
+          <p:nvPr>
+            <p:ph type="title"/>
+          </p:nvPr>
+        </p:nvSpPr>
+        <p:spPr/>
+        <p:txBody>
+          <a:bodyPr/>
+          <a:lstStyle/>
+          <a:p>
+            <a:r>
+              <a:rPr lang="en-US" dirty="0"/>
+              <a:t>WTF is				  ?</a:t>
+            </a:r>
+          </a:p>
+        </p:txBody>
+      </p:sp>
+      <p:graphicFrame>
+        <p:nvGraphicFramePr>
+          <p:cNvPr id="5" name="Table 6">
+            <a:extLst>
+              <a:ext uri="{FF2B5EF4-FFF2-40B4-BE49-F238E27FC236}">
+                <a16:creationId xmlns:a16="http://schemas.microsoft.com/office/drawing/2014/main" id="{07277561-7199-4CF5-85B6-887A0EEE2388}"/>
+              </a:ext>
+            </a:extLst>
+          </p:cNvPr>
+          <p:cNvGraphicFramePr>
+            <a:graphicFrameLocks noGrp="1"/>
+          </p:cNvGraphicFramePr>
+          <p:nvPr>
+            <p:ph idx="1"/>
+            <p:extLst>
+              <p:ext uri="{D42A27DB-BD31-4B8C-83A1-F6EECF244321}">
+                <p14:modId xmlns:p14="http://schemas.microsoft.com/office/powerpoint/2010/main" val="1106997358"/>
+              </p:ext>
+            </p:extLst>
+          </p:nvPr>
+        </p:nvGraphicFramePr>
+        <p:xfrm>
+          <a:off x="838200" y="1825623"/>
+          <a:ext cx="10515600" cy="3813177"/>
+        </p:xfrm>
+        <a:graphic>
+          <a:graphicData uri="http://schemas.openxmlformats.org/drawingml/2006/table">
+            <a:tbl>
+              <a:tblPr firstRow="1" bandRow="1">
+                <a:tableStyleId>{5C22544A-7EE6-4342-B048-85BDC9FD1C3A}</a:tableStyleId>
+              </a:tblPr>
+              <a:tblGrid>
+                <a:gridCol w="5257800">
+                  <a:extLst>
+                    <a:ext uri="{9D8B030D-6E8A-4147-A177-3AD203B41FA5}">
+                      <a16:colId xmlns:a16="http://schemas.microsoft.com/office/drawing/2014/main" val="3379292800"/>
+                    </a:ext>
+                  </a:extLst>
+                </a:gridCol>
+                <a:gridCol w="5257800">
+                  <a:extLst>
+                    <a:ext uri="{9D8B030D-6E8A-4147-A177-3AD203B41FA5}">
+                      <a16:colId xmlns:a16="http://schemas.microsoft.com/office/drawing/2014/main" val="702814769"/>
+                    </a:ext>
+                  </a:extLst>
+                </a:gridCol>
+              </a:tblGrid>
+              <a:tr h="632930">
+                <a:tc>
+                  <a:txBody>
+                    <a:bodyPr/>
+                    <a:lstStyle/>
+                    <a:p>
+                      <a:r>
+                        <a:rPr lang="en-US" dirty="0"/>
+                        <a:t>Cloud Providers</a:t>
+                      </a:r>
+                    </a:p>
+                  </a:txBody>
+                  <a:tcPr/>
+                </a:tc>
+                <a:tc>
+                  <a:txBody>
+                    <a:bodyPr/>
+                    <a:lstStyle/>
+                    <a:p>
+                      <a:r>
+                        <a:rPr lang="en-US" dirty="0"/>
+                        <a:t>Languages</a:t>
+                      </a:r>
+                    </a:p>
+                  </a:txBody>
+                  <a:tcPr/>
+                </a:tc>
+                <a:extLst>
+                  <a:ext uri="{0D108BD9-81ED-4DB2-BD59-A6C34878D82A}">
+                    <a16:rowId xmlns:a16="http://schemas.microsoft.com/office/drawing/2014/main" val="3805246463"/>
+                  </a:ext>
+                </a:extLst>
+              </a:tr>
+              <a:tr h="3180247">
+                <a:tc>
+                  <a:txBody>
+                    <a:bodyPr/>
+                    <a:lstStyle/>
+                    <a:p>
+                      <a:r>
+                        <a:rPr lang="en-US" sz="2400" dirty="0"/>
+                        <a:t>And countless others</a:t>
+                      </a:r>
+                    </a:p>
+                  </a:txBody>
+                  <a:tcPr anchor="b"/>
+                </a:tc>
+                <a:tc>
+                  <a:txBody>
+                    <a:bodyPr/>
+                    <a:lstStyle/>
+                    <a:p>
+                      <a:endParaRPr lang="en-US" dirty="0"/>
+                    </a:p>
+                  </a:txBody>
+                  <a:tcPr/>
+                </a:tc>
+                <a:extLst>
+                  <a:ext uri="{0D108BD9-81ED-4DB2-BD59-A6C34878D82A}">
+                    <a16:rowId xmlns:a16="http://schemas.microsoft.com/office/drawing/2014/main" val="3576922596"/>
+                  </a:ext>
+                </a:extLst>
+              </a:tr>
+            </a:tbl>
+          </a:graphicData>
+        </a:graphic>
+      </p:graphicFrame>
+      <p:sp>
+        <p:nvSpPr>
+          <p:cNvPr id="4" name="Footer Placeholder 3">
+            <a:extLst>
+              <a:ext uri="{FF2B5EF4-FFF2-40B4-BE49-F238E27FC236}">
+                <a16:creationId xmlns:a16="http://schemas.microsoft.com/office/drawing/2014/main" id="{216C5980-73CC-49BD-A7B3-1510DD177F63}"/>
+              </a:ext>
+            </a:extLst>
+          </p:cNvPr>
+          <p:cNvSpPr>
+            <a:spLocks noGrp="1"/>
+          </p:cNvSpPr>
+          <p:nvPr>
+            <p:ph type="ftr" sz="quarter" idx="11"/>
+          </p:nvPr>
+        </p:nvSpPr>
+        <p:spPr/>
+        <p:txBody>
+          <a:bodyPr/>
+          <a:lstStyle/>
+          <a:p>
+            <a:r>
+              <a:rPr lang="en-US" dirty="0"/>
+              <a:t>@jacobladams     https://bit.ly/jakepulumi</a:t>
+            </a:r>
+          </a:p>
+        </p:txBody>
+      </p:sp>
+      <p:pic>
+        <p:nvPicPr>
+          <p:cNvPr id="6" name="Graphic 5">
+            <a:extLst>
+              <a:ext uri="{FF2B5EF4-FFF2-40B4-BE49-F238E27FC236}">
+                <a16:creationId xmlns:a16="http://schemas.microsoft.com/office/drawing/2014/main" id="{7B015AC6-7DA8-4040-A28C-44F60D505A42}"/>
+              </a:ext>
+            </a:extLst>
+          </p:cNvPr>
+          <p:cNvPicPr>
+            <a:picLocks noChangeAspect="1"/>
+          </p:cNvPicPr>
+          <p:nvPr/>
+        </p:nvPicPr>
+        <p:blipFill>
+          <a:blip r:embed="rId2">
+            <a:extLst>
+              <a:ext uri="{28A0092B-C50C-407E-A947-70E740481C1C}">
+                <a14:useLocalDpi xmlns:a14="http://schemas.microsoft.com/office/drawing/2010/main" val="0"/>
+              </a:ext>
+              <a:ext uri="{96DAC541-7B7A-43D3-8B79-37D633B846F1}">
+                <asvg:svgBlip xmlns:asvg="http://schemas.microsoft.com/office/drawing/2016/SVG/main" r:embed="rId3"/>
+              </a:ext>
+            </a:extLst>
+          </a:blip>
+          <a:stretch>
+            <a:fillRect/>
+          </a:stretch>
+        </p:blipFill>
+        <p:spPr>
+          <a:xfrm>
+            <a:off x="1018701" y="3680979"/>
+            <a:ext cx="924852" cy="548640"/>
+          </a:xfrm>
+          <a:prstGeom prst="rect">
+            <a:avLst/>
+          </a:prstGeom>
+        </p:spPr>
+      </p:pic>
+      <p:pic>
+        <p:nvPicPr>
+          <p:cNvPr id="8" name="Graphic 7">
+            <a:extLst>
+              <a:ext uri="{FF2B5EF4-FFF2-40B4-BE49-F238E27FC236}">
+                <a16:creationId xmlns:a16="http://schemas.microsoft.com/office/drawing/2014/main" id="{8B680763-183C-4D82-9775-D6BC172F1434}"/>
+              </a:ext>
+            </a:extLst>
+          </p:cNvPr>
+          <p:cNvPicPr>
+            <a:picLocks noChangeAspect="1"/>
+          </p:cNvPicPr>
+          <p:nvPr/>
+        </p:nvPicPr>
+        <p:blipFill>
+          <a:blip r:embed="rId4">
+            <a:extLst>
+              <a:ext uri="{28A0092B-C50C-407E-A947-70E740481C1C}">
+                <a14:useLocalDpi xmlns:a14="http://schemas.microsoft.com/office/drawing/2010/main" val="0"/>
+              </a:ext>
+              <a:ext uri="{96DAC541-7B7A-43D3-8B79-37D633B846F1}">
+                <asvg:svgBlip xmlns:asvg="http://schemas.microsoft.com/office/drawing/2016/SVG/main" r:embed="rId5"/>
+              </a:ext>
+            </a:extLst>
+          </a:blip>
+          <a:stretch>
+            <a:fillRect/>
+          </a:stretch>
+        </p:blipFill>
+        <p:spPr>
+          <a:xfrm>
+            <a:off x="1018701" y="4500685"/>
+            <a:ext cx="3154680" cy="548640"/>
+          </a:xfrm>
+          <a:prstGeom prst="rect">
+            <a:avLst/>
+          </a:prstGeom>
+        </p:spPr>
+      </p:pic>
+      <p:pic>
+        <p:nvPicPr>
+          <p:cNvPr id="10" name="Graphic 9">
+            <a:extLst>
+              <a:ext uri="{FF2B5EF4-FFF2-40B4-BE49-F238E27FC236}">
+                <a16:creationId xmlns:a16="http://schemas.microsoft.com/office/drawing/2014/main" id="{D828EB02-2200-4EF4-9C96-29E86688CD9E}"/>
+              </a:ext>
+            </a:extLst>
+          </p:cNvPr>
+          <p:cNvPicPr>
+            <a:picLocks noChangeAspect="1"/>
+          </p:cNvPicPr>
+          <p:nvPr/>
+        </p:nvPicPr>
+        <p:blipFill>
+          <a:blip r:embed="rId6">
+            <a:extLst>
+              <a:ext uri="{28A0092B-C50C-407E-A947-70E740481C1C}">
+                <a14:useLocalDpi xmlns:a14="http://schemas.microsoft.com/office/drawing/2010/main" val="0"/>
+              </a:ext>
+              <a:ext uri="{96DAC541-7B7A-43D3-8B79-37D633B846F1}">
+                <asvg:svgBlip xmlns:asvg="http://schemas.microsoft.com/office/drawing/2016/SVG/main" r:embed="rId7"/>
+              </a:ext>
+            </a:extLst>
+          </a:blip>
+          <a:stretch>
+            <a:fillRect/>
+          </a:stretch>
+        </p:blipFill>
+        <p:spPr>
+          <a:xfrm>
+            <a:off x="1018701" y="2880360"/>
+            <a:ext cx="2018994" cy="548640"/>
+          </a:xfrm>
+          <a:prstGeom prst="rect">
+            <a:avLst/>
+          </a:prstGeom>
+        </p:spPr>
+      </p:pic>
+      <p:pic>
+        <p:nvPicPr>
+          <p:cNvPr id="14" name="Graphic 13">
+            <a:extLst>
+              <a:ext uri="{FF2B5EF4-FFF2-40B4-BE49-F238E27FC236}">
+                <a16:creationId xmlns:a16="http://schemas.microsoft.com/office/drawing/2014/main" id="{9DD9992A-3D98-4F41-8BD8-4E947794D56A}"/>
+              </a:ext>
+            </a:extLst>
+          </p:cNvPr>
+          <p:cNvPicPr>
+            <a:picLocks noChangeAspect="1"/>
+          </p:cNvPicPr>
+          <p:nvPr/>
+        </p:nvPicPr>
+        <p:blipFill>
+          <a:blip r:embed="rId8">
+            <a:extLst>
+              <a:ext uri="{28A0092B-C50C-407E-A947-70E740481C1C}">
+                <a14:useLocalDpi xmlns:a14="http://schemas.microsoft.com/office/drawing/2010/main" val="0"/>
+              </a:ext>
+              <a:ext uri="{96DAC541-7B7A-43D3-8B79-37D633B846F1}">
+                <asvg:svgBlip xmlns:asvg="http://schemas.microsoft.com/office/drawing/2016/SVG/main" r:embed="rId9"/>
+              </a:ext>
+            </a:extLst>
+          </a:blip>
+          <a:stretch>
+            <a:fillRect/>
+          </a:stretch>
+        </p:blipFill>
+        <p:spPr>
+          <a:xfrm>
+            <a:off x="7351549" y="3563937"/>
+            <a:ext cx="640080" cy="640080"/>
+          </a:xfrm>
+          <a:prstGeom prst="rect">
+            <a:avLst/>
+          </a:prstGeom>
+        </p:spPr>
+      </p:pic>
+      <p:pic>
+        <p:nvPicPr>
+          <p:cNvPr id="18" name="Graphic 17">
+            <a:extLst>
+              <a:ext uri="{FF2B5EF4-FFF2-40B4-BE49-F238E27FC236}">
+                <a16:creationId xmlns:a16="http://schemas.microsoft.com/office/drawing/2014/main" id="{CCBF8858-DC5B-4869-8474-E8E7E9CCF910}"/>
+              </a:ext>
+            </a:extLst>
+          </p:cNvPr>
+          <p:cNvPicPr>
+            <a:picLocks noChangeAspect="1"/>
+          </p:cNvPicPr>
+          <p:nvPr/>
+        </p:nvPicPr>
+        <p:blipFill>
+          <a:blip r:embed="rId10">
+            <a:extLst>
+              <a:ext uri="{28A0092B-C50C-407E-A947-70E740481C1C}">
+                <a14:useLocalDpi xmlns:a14="http://schemas.microsoft.com/office/drawing/2010/main" val="0"/>
+              </a:ext>
+              <a:ext uri="{96DAC541-7B7A-43D3-8B79-37D633B846F1}">
+                <asvg:svgBlip xmlns:asvg="http://schemas.microsoft.com/office/drawing/2016/SVG/main" r:embed="rId11"/>
+              </a:ext>
+            </a:extLst>
+          </a:blip>
+          <a:stretch>
+            <a:fillRect/>
+          </a:stretch>
+        </p:blipFill>
+        <p:spPr>
+          <a:xfrm>
+            <a:off x="6357140" y="3571121"/>
+            <a:ext cx="640080" cy="640080"/>
+          </a:xfrm>
+          <a:prstGeom prst="rect">
+            <a:avLst/>
+          </a:prstGeom>
+        </p:spPr>
+      </p:pic>
+      <p:pic>
+        <p:nvPicPr>
+          <p:cNvPr id="20" name="Graphic 19">
+            <a:extLst>
+              <a:ext uri="{FF2B5EF4-FFF2-40B4-BE49-F238E27FC236}">
+                <a16:creationId xmlns:a16="http://schemas.microsoft.com/office/drawing/2014/main" id="{AD783C7A-0E28-479B-8FEC-3C4D7BECF422}"/>
+              </a:ext>
+            </a:extLst>
+          </p:cNvPr>
+          <p:cNvPicPr>
+            <a:picLocks noChangeAspect="1"/>
+          </p:cNvPicPr>
+          <p:nvPr/>
+        </p:nvPicPr>
+        <p:blipFill>
+          <a:blip r:embed="rId12">
+            <a:extLst>
+              <a:ext uri="{28A0092B-C50C-407E-A947-70E740481C1C}">
+                <a14:useLocalDpi xmlns:a14="http://schemas.microsoft.com/office/drawing/2010/main" val="0"/>
+              </a:ext>
+              <a:ext uri="{96DAC541-7B7A-43D3-8B79-37D633B846F1}">
+                <asvg:svgBlip xmlns:asvg="http://schemas.microsoft.com/office/drawing/2016/SVG/main" r:embed="rId13"/>
+              </a:ext>
+            </a:extLst>
+          </a:blip>
+          <a:stretch>
+            <a:fillRect/>
+          </a:stretch>
+        </p:blipFill>
+        <p:spPr>
+          <a:xfrm>
+            <a:off x="7351549" y="4338954"/>
+            <a:ext cx="640080" cy="640080"/>
+          </a:xfrm>
+          <a:prstGeom prst="rect">
+            <a:avLst/>
+          </a:prstGeom>
+        </p:spPr>
+      </p:pic>
+      <p:pic>
+        <p:nvPicPr>
+          <p:cNvPr id="22" name="Graphic 21">
+            <a:extLst>
+              <a:ext uri="{FF2B5EF4-FFF2-40B4-BE49-F238E27FC236}">
+                <a16:creationId xmlns:a16="http://schemas.microsoft.com/office/drawing/2014/main" id="{B1F62AC3-522A-481F-92C5-CEE346BEB467}"/>
+              </a:ext>
+            </a:extLst>
+          </p:cNvPr>
+          <p:cNvPicPr>
+            <a:picLocks noChangeAspect="1"/>
+          </p:cNvPicPr>
+          <p:nvPr/>
+        </p:nvPicPr>
+        <p:blipFill>
+          <a:blip r:embed="rId14">
+            <a:extLst>
+              <a:ext uri="{28A0092B-C50C-407E-A947-70E740481C1C}">
+                <a14:useLocalDpi xmlns:a14="http://schemas.microsoft.com/office/drawing/2010/main" val="0"/>
+              </a:ext>
+              <a:ext uri="{96DAC541-7B7A-43D3-8B79-37D633B846F1}">
+                <asvg:svgBlip xmlns:asvg="http://schemas.microsoft.com/office/drawing/2016/SVG/main" r:embed="rId15"/>
+              </a:ext>
+            </a:extLst>
+          </a:blip>
+          <a:stretch>
+            <a:fillRect/>
+          </a:stretch>
+        </p:blipFill>
+        <p:spPr>
+          <a:xfrm>
+            <a:off x="6252842" y="4359037"/>
+            <a:ext cx="640080" cy="640080"/>
+          </a:xfrm>
+          <a:prstGeom prst="rect">
+            <a:avLst/>
+          </a:prstGeom>
+        </p:spPr>
+      </p:pic>
+      <p:pic>
+        <p:nvPicPr>
+          <p:cNvPr id="24" name="Graphic 23">
+            <a:extLst>
+              <a:ext uri="{FF2B5EF4-FFF2-40B4-BE49-F238E27FC236}">
+                <a16:creationId xmlns:a16="http://schemas.microsoft.com/office/drawing/2014/main" id="{353F976E-73DF-460B-B976-9F185D1AB206}"/>
+              </a:ext>
+            </a:extLst>
+          </p:cNvPr>
+          <p:cNvPicPr>
+            <a:picLocks noChangeAspect="1"/>
+          </p:cNvPicPr>
+          <p:nvPr/>
+        </p:nvPicPr>
+        <p:blipFill>
+          <a:blip r:embed="rId16">
+            <a:extLst>
+              <a:ext uri="{28A0092B-C50C-407E-A947-70E740481C1C}">
+                <a14:useLocalDpi xmlns:a14="http://schemas.microsoft.com/office/drawing/2010/main" val="0"/>
+              </a:ext>
+              <a:ext uri="{96DAC541-7B7A-43D3-8B79-37D633B846F1}">
+                <asvg:svgBlip xmlns:asvg="http://schemas.microsoft.com/office/drawing/2016/SVG/main" r:embed="rId17"/>
+              </a:ext>
+            </a:extLst>
+          </a:blip>
+          <a:stretch>
+            <a:fillRect/>
+          </a:stretch>
+        </p:blipFill>
+        <p:spPr>
+          <a:xfrm>
+            <a:off x="6357616" y="2788920"/>
+            <a:ext cx="640080" cy="640080"/>
+          </a:xfrm>
+          <a:prstGeom prst="rect">
+            <a:avLst/>
+          </a:prstGeom>
+        </p:spPr>
+      </p:pic>
+      <p:pic>
+        <p:nvPicPr>
+          <p:cNvPr id="26" name="Graphic 25">
+            <a:extLst>
+              <a:ext uri="{FF2B5EF4-FFF2-40B4-BE49-F238E27FC236}">
+                <a16:creationId xmlns:a16="http://schemas.microsoft.com/office/drawing/2014/main" id="{D49D975E-6280-4B5F-825D-80C0BE78197C}"/>
+              </a:ext>
+            </a:extLst>
+          </p:cNvPr>
+          <p:cNvPicPr>
+            <a:picLocks noChangeAspect="1"/>
+          </p:cNvPicPr>
+          <p:nvPr/>
+        </p:nvPicPr>
+        <p:blipFill>
+          <a:blip r:embed="rId18">
+            <a:extLst>
+              <a:ext uri="{28A0092B-C50C-407E-A947-70E740481C1C}">
+                <a14:useLocalDpi xmlns:a14="http://schemas.microsoft.com/office/drawing/2010/main" val="0"/>
+              </a:ext>
+              <a:ext uri="{96DAC541-7B7A-43D3-8B79-37D633B846F1}">
+                <asvg:svgBlip xmlns:asvg="http://schemas.microsoft.com/office/drawing/2016/SVG/main" r:embed="rId19"/>
+              </a:ext>
+            </a:extLst>
+          </a:blip>
+          <a:stretch>
+            <a:fillRect/>
+          </a:stretch>
+        </p:blipFill>
+        <p:spPr>
+          <a:xfrm>
+            <a:off x="7351549" y="2788920"/>
+            <a:ext cx="640080" cy="640080"/>
+          </a:xfrm>
+          <a:prstGeom prst="rect">
+            <a:avLst/>
+          </a:prstGeom>
+        </p:spPr>
+      </p:pic>
+      <p:pic>
+        <p:nvPicPr>
+          <p:cNvPr id="28" name="Graphic 27">
+            <a:extLst>
+              <a:ext uri="{FF2B5EF4-FFF2-40B4-BE49-F238E27FC236}">
+                <a16:creationId xmlns:a16="http://schemas.microsoft.com/office/drawing/2014/main" id="{6F39FC4B-B068-4248-B730-625FDFD2E834}"/>
+              </a:ext>
+            </a:extLst>
+          </p:cNvPr>
+          <p:cNvPicPr>
+            <a:picLocks noChangeAspect="1"/>
+          </p:cNvPicPr>
+          <p:nvPr/>
+        </p:nvPicPr>
+        <p:blipFill>
+          <a:blip r:embed="rId20">
+            <a:extLst>
+              <a:ext uri="{28A0092B-C50C-407E-A947-70E740481C1C}">
+                <a14:useLocalDpi xmlns:a14="http://schemas.microsoft.com/office/drawing/2010/main" val="0"/>
+              </a:ext>
+              <a:ext uri="{96DAC541-7B7A-43D3-8B79-37D633B846F1}">
+                <asvg:svgBlip xmlns:asvg="http://schemas.microsoft.com/office/drawing/2016/SVG/main" r:embed="rId21"/>
+              </a:ext>
+            </a:extLst>
+          </a:blip>
+          <a:stretch>
+            <a:fillRect/>
+          </a:stretch>
+        </p:blipFill>
+        <p:spPr>
+          <a:xfrm>
+            <a:off x="8280237" y="2788920"/>
+            <a:ext cx="640080" cy="640080"/>
+          </a:xfrm>
+          <a:prstGeom prst="rect">
+            <a:avLst/>
+          </a:prstGeom>
+        </p:spPr>
+      </p:pic>
+      <p:pic>
+        <p:nvPicPr>
+          <p:cNvPr id="30" name="Graphic 29">
+            <a:extLst>
+              <a:ext uri="{FF2B5EF4-FFF2-40B4-BE49-F238E27FC236}">
+                <a16:creationId xmlns:a16="http://schemas.microsoft.com/office/drawing/2014/main" id="{262A3A0D-0B8C-45A7-A794-B10E0AF6AA13}"/>
+              </a:ext>
+            </a:extLst>
+          </p:cNvPr>
+          <p:cNvPicPr>
+            <a:picLocks noChangeAspect="1"/>
+          </p:cNvPicPr>
+          <p:nvPr/>
+        </p:nvPicPr>
+        <p:blipFill>
+          <a:blip r:embed="rId22">
+            <a:extLst>
+              <a:ext uri="{28A0092B-C50C-407E-A947-70E740481C1C}">
+                <a14:useLocalDpi xmlns:a14="http://schemas.microsoft.com/office/drawing/2010/main" val="0"/>
+              </a:ext>
+              <a:ext uri="{96DAC541-7B7A-43D3-8B79-37D633B846F1}">
+                <asvg:svgBlip xmlns:asvg="http://schemas.microsoft.com/office/drawing/2016/SVG/main" r:embed="rId23"/>
+              </a:ext>
+            </a:extLst>
+          </a:blip>
+          <a:stretch>
+            <a:fillRect/>
+          </a:stretch>
+        </p:blipFill>
+        <p:spPr>
+          <a:xfrm>
+            <a:off x="2744093" y="629221"/>
+            <a:ext cx="2822036" cy="703849"/>
+          </a:xfrm>
+          <a:prstGeom prst="rect">
+            <a:avLst/>
+          </a:prstGeom>
+        </p:spPr>
+      </p:pic>
+    </p:spTree>
+    <p:extLst>
+      <p:ext uri="{BB962C8B-B14F-4D97-AF65-F5344CB8AC3E}">
+        <p14:creationId xmlns:p14="http://schemas.microsoft.com/office/powerpoint/2010/main" val="1488997943"/>
+      </p:ext>
+    </p:extLst>
+  </p:cSld>
+  <p:clrMapOvr>
+    <a:masterClrMapping/>
+  </p:clrMapOvr>
+</p:sld>
+</file>
+
+<file path=ppt/slides/slide8.xml><?xml version="1.0" encoding="utf-8"?>
+<p:sld xmlns:a="http://schemas.openxmlformats.org/drawingml/2006/main" xmlns:r="http://schemas.openxmlformats.org/officeDocument/2006/relationships" xmlns:p="http://schemas.openxmlformats.org/presentationml/2006/main">
+  <p:cSld>
+    <p:spTree>
+      <p:nvGrpSpPr>
+        <p:cNvPr id="1" name=""/>
+        <p:cNvGrpSpPr/>
+        <p:nvPr/>
+      </p:nvGrpSpPr>
+      <p:grpSpPr>
+        <a:xfrm>
+          <a:off x="0" y="0"/>
+          <a:ext cx="0" cy="0"/>
+          <a:chOff x="0" y="0"/>
+          <a:chExt cx="0" cy="0"/>
+        </a:xfrm>
+      </p:grpSpPr>
+      <p:sp>
+        <p:nvSpPr>
+          <p:cNvPr id="2" name="Title 1">
+            <a:extLst>
+              <a:ext uri="{FF2B5EF4-FFF2-40B4-BE49-F238E27FC236}">
+                <a16:creationId xmlns:a16="http://schemas.microsoft.com/office/drawing/2014/main" id="{6BAC1E78-C34D-4EAB-ABDB-482A7677E767}"/>
+              </a:ext>
+            </a:extLst>
+          </p:cNvPr>
+          <p:cNvSpPr>
+            <a:spLocks noGrp="1"/>
+          </p:cNvSpPr>
+          <p:nvPr>
+            <p:ph type="title"/>
+          </p:nvPr>
+        </p:nvSpPr>
+        <p:spPr/>
+        <p:txBody>
+          <a:bodyPr/>
+          <a:lstStyle/>
+          <a:p>
+            <a:r>
+              <a:rPr lang="en-US"/>
+              <a:t>Why?</a:t>
+            </a:r>
+            <a:endParaRPr lang="en-US" dirty="0"/>
+          </a:p>
+        </p:txBody>
+      </p:sp>
+      <p:sp>
+        <p:nvSpPr>
+          <p:cNvPr id="3" name="Text Placeholder 2">
+            <a:extLst>
+              <a:ext uri="{FF2B5EF4-FFF2-40B4-BE49-F238E27FC236}">
+                <a16:creationId xmlns:a16="http://schemas.microsoft.com/office/drawing/2014/main" id="{219E239D-0574-404C-ABF3-211A79FEBA0E}"/>
+              </a:ext>
+            </a:extLst>
+          </p:cNvPr>
+          <p:cNvSpPr>
+            <a:spLocks noGrp="1"/>
+          </p:cNvSpPr>
+          <p:nvPr>
+            <p:ph type="body" idx="1"/>
+          </p:nvPr>
+        </p:nvSpPr>
+        <p:spPr/>
+        <p:txBody>
+          <a:bodyPr/>
+          <a:lstStyle/>
+          <a:p>
+            <a:endParaRPr lang="en-US"/>
+          </a:p>
+        </p:txBody>
+      </p:sp>
+      <p:sp>
+        <p:nvSpPr>
+          <p:cNvPr id="4" name="Footer Placeholder 3">
+            <a:extLst>
+              <a:ext uri="{FF2B5EF4-FFF2-40B4-BE49-F238E27FC236}">
+                <a16:creationId xmlns:a16="http://schemas.microsoft.com/office/drawing/2014/main" id="{79E7D01D-E253-4F18-8A21-2CEBB120D064}"/>
+              </a:ext>
+            </a:extLst>
+          </p:cNvPr>
+          <p:cNvSpPr>
+            <a:spLocks noGrp="1"/>
+          </p:cNvSpPr>
+          <p:nvPr>
+            <p:ph type="ftr" sz="quarter" idx="11"/>
+          </p:nvPr>
+        </p:nvSpPr>
+        <p:spPr/>
+        <p:txBody>
+          <a:bodyPr/>
+          <a:lstStyle/>
+          <a:p>
+            <a:r>
+              <a:rPr lang="en-US"/>
+              <a:t>@jacobladams     https://bit.ly/jakepulumi</a:t>
+            </a:r>
+          </a:p>
+        </p:txBody>
+      </p:sp>
+      <p:pic>
+        <p:nvPicPr>
+          <p:cNvPr id="8" name="Picture 7" descr="Diagram, venn diagram&#10;&#10;Description automatically generated">
+            <a:extLst>
+              <a:ext uri="{FF2B5EF4-FFF2-40B4-BE49-F238E27FC236}">
+                <a16:creationId xmlns:a16="http://schemas.microsoft.com/office/drawing/2014/main" id="{60839531-414E-42C5-A2F2-B978F9085C6F}"/>
+              </a:ext>
+            </a:extLst>
+          </p:cNvPr>
+          <p:cNvPicPr>
+            <a:picLocks noChangeAspect="1"/>
+          </p:cNvPicPr>
+          <p:nvPr/>
+        </p:nvPicPr>
+        <p:blipFill>
+          <a:blip r:embed="rId2">
+            <a:extLst>
+              <a:ext uri="{28A0092B-C50C-407E-A947-70E740481C1C}">
+                <a14:useLocalDpi xmlns:a14="http://schemas.microsoft.com/office/drawing/2010/main" val="0"/>
+              </a:ext>
+            </a:extLst>
+          </a:blip>
+          <a:stretch>
+            <a:fillRect/>
+          </a:stretch>
+        </p:blipFill>
+        <p:spPr>
+          <a:xfrm>
+            <a:off x="5902325" y="407193"/>
+            <a:ext cx="5457825" cy="5457825"/>
+          </a:xfrm>
+          <a:prstGeom prst="rect">
+            <a:avLst/>
+          </a:prstGeom>
+        </p:spPr>
+      </p:pic>
+    </p:spTree>
+    <p:extLst>
+      <p:ext uri="{BB962C8B-B14F-4D97-AF65-F5344CB8AC3E}">
+        <p14:creationId xmlns:p14="http://schemas.microsoft.com/office/powerpoint/2010/main" val="2736717106"/>
+      </p:ext>
+    </p:extLst>
+  </p:cSld>
+  <p:clrMapOvr>
+    <a:masterClrMapping/>
+  </p:clrMapOvr>
+</p:sld>
+</file>
+
+<file path=ppt/slides/slide9.xml><?xml version="1.0" encoding="utf-8"?>
+<p:sld xmlns:a="http://schemas.openxmlformats.org/drawingml/2006/main" xmlns:r="http://schemas.openxmlformats.org/officeDocument/2006/relationships" xmlns:p="http://schemas.openxmlformats.org/presentationml/2006/main">
+  <p:cSld>
+    <p:spTree>
+      <p:nvGrpSpPr>
+        <p:cNvPr id="1" name=""/>
+        <p:cNvGrpSpPr/>
+        <p:nvPr/>
+      </p:nvGrpSpPr>
+      <p:grpSpPr>
+        <a:xfrm>
+          <a:off x="0" y="0"/>
+          <a:ext cx="0" cy="0"/>
+          <a:chOff x="0" y="0"/>
+          <a:chExt cx="0" cy="0"/>
+        </a:xfrm>
+      </p:grpSpPr>
+      <p:sp>
+        <p:nvSpPr>
+          <p:cNvPr id="2" name="Title 1">
+            <a:extLst>
+              <a:ext uri="{FF2B5EF4-FFF2-40B4-BE49-F238E27FC236}">
+                <a16:creationId xmlns:a16="http://schemas.microsoft.com/office/drawing/2014/main" id="{D6F3EEC5-1C49-4632-BC7A-37AF58995F61}"/>
+              </a:ext>
+            </a:extLst>
+          </p:cNvPr>
+          <p:cNvSpPr>
+            <a:spLocks noGrp="1"/>
+          </p:cNvSpPr>
+          <p:nvPr>
+            <p:ph type="title"/>
+          </p:nvPr>
+        </p:nvSpPr>
+        <p:spPr>
+          <a:xfrm>
+            <a:off x="838200" y="365126"/>
+            <a:ext cx="10515600" cy="901700"/>
+          </a:xfrm>
+        </p:spPr>
+        <p:txBody>
+          <a:bodyPr/>
+          <a:lstStyle/>
+          <a:p>
+            <a:r>
+              <a:rPr lang="en-US" dirty="0"/>
+              <a:t>Why Infrastructure as Code</a:t>
+            </a:r>
+          </a:p>
+        </p:txBody>
+      </p:sp>
+      <p:sp>
+        <p:nvSpPr>
+          <p:cNvPr id="3" name="Content Placeholder 2">
+            <a:extLst>
+              <a:ext uri="{FF2B5EF4-FFF2-40B4-BE49-F238E27FC236}">
+                <a16:creationId xmlns:a16="http://schemas.microsoft.com/office/drawing/2014/main" id="{B63A6F31-2243-406F-B981-71F67E5A171D}"/>
+              </a:ext>
+            </a:extLst>
+          </p:cNvPr>
+          <p:cNvSpPr>
+            <a:spLocks noGrp="1"/>
+          </p:cNvSpPr>
+          <p:nvPr>
+            <p:ph idx="1"/>
+          </p:nvPr>
+        </p:nvSpPr>
+        <p:spPr>
+          <a:xfrm>
+            <a:off x="838200" y="1114426"/>
+            <a:ext cx="10515600" cy="5076824"/>
+          </a:xfrm>
+        </p:spPr>
+        <p:txBody>
+          <a:bodyPr>
+            <a:noAutofit/>
+          </a:bodyPr>
+          <a:lstStyle/>
+          <a:p>
+            <a:pPr marL="0" indent="0">
+              <a:buNone/>
+            </a:pPr>
+            <a:r>
+              <a:rPr lang="en-US" sz="1800" dirty="0"/>
+              <a:t>Code</a:t>
+            </a:r>
+          </a:p>
+          <a:p>
+            <a:r>
+              <a:rPr lang="en-US" sz="1800" dirty="0"/>
+              <a:t>Written documentation</a:t>
+            </a:r>
+          </a:p>
+          <a:p>
+            <a:r>
+              <a:rPr lang="en-US" sz="1800" dirty="0"/>
+              <a:t>Build reusable block, abstract away complex concepts</a:t>
+            </a:r>
+          </a:p>
+          <a:p>
+            <a:pPr marL="0" indent="0">
+              <a:buNone/>
+            </a:pPr>
+            <a:r>
+              <a:rPr lang="en-US" sz="1800" dirty="0"/>
+              <a:t>Source Control</a:t>
+            </a:r>
+          </a:p>
+          <a:p>
+            <a:r>
+              <a:rPr lang="en-US" sz="1800" dirty="0"/>
+              <a:t>History</a:t>
+            </a:r>
+          </a:p>
+          <a:p>
+            <a:r>
+              <a:rPr lang="en-US" sz="1800" dirty="0"/>
+              <a:t>Enable Collaboration</a:t>
+            </a:r>
+          </a:p>
+          <a:p>
+            <a:r>
+              <a:rPr lang="en-US" sz="1800" dirty="0"/>
+              <a:t>Change log</a:t>
+            </a:r>
+          </a:p>
+          <a:p>
+            <a:pPr marL="0" indent="0">
+              <a:buNone/>
+            </a:pPr>
+            <a:r>
+              <a:rPr lang="en-US" sz="1800" dirty="0"/>
+              <a:t>Automation</a:t>
+            </a:r>
+          </a:p>
+          <a:p>
+            <a:r>
+              <a:rPr lang="en-US" sz="1800" dirty="0"/>
+              <a:t>Repeatable , less error prone</a:t>
+            </a:r>
+          </a:p>
+          <a:p>
+            <a:r>
+              <a:rPr lang="en-US" sz="1800" dirty="0"/>
+              <a:t>Quicker</a:t>
+            </a:r>
+          </a:p>
+          <a:p>
+            <a:pPr marL="0" indent="0">
+              <a:buNone/>
+            </a:pPr>
+            <a:endParaRPr lang="en-US" sz="1800" dirty="0"/>
+          </a:p>
+          <a:p>
+            <a:pPr marL="0" indent="0">
+              <a:buNone/>
+            </a:pPr>
+            <a:r>
+              <a:rPr lang="en-US" sz="1800" dirty="0"/>
+              <a:t>Have everything in case it's destroyed</a:t>
+            </a:r>
+          </a:p>
+          <a:p>
+            <a:pPr marL="0" indent="0">
+              <a:buNone/>
+            </a:pPr>
+            <a:r>
+              <a:rPr lang="en-US" sz="1800" dirty="0"/>
+              <a:t>Don’t have to worry as much about backups</a:t>
+            </a:r>
+          </a:p>
+        </p:txBody>
+      </p:sp>
+      <p:sp>
+        <p:nvSpPr>
+          <p:cNvPr id="4" name="Footer Placeholder 3">
+            <a:extLst>
+              <a:ext uri="{FF2B5EF4-FFF2-40B4-BE49-F238E27FC236}">
+                <a16:creationId xmlns:a16="http://schemas.microsoft.com/office/drawing/2014/main" id="{BA4F9E36-0AFE-40CF-9D2E-7D821B5EE7CD}"/>
+              </a:ext>
+            </a:extLst>
+          </p:cNvPr>
+          <p:cNvSpPr>
+            <a:spLocks noGrp="1"/>
+          </p:cNvSpPr>
+          <p:nvPr>
+            <p:ph type="ftr" sz="quarter" idx="11"/>
+          </p:nvPr>
+        </p:nvSpPr>
+        <p:spPr/>
+        <p:txBody>
+          <a:bodyPr/>
+          <a:lstStyle/>
+          <a:p>
+            <a:pPr algn="l"/>
+            <a:r>
+              <a:rPr lang="en-US"/>
+              <a:t>@jacobladams 			https://bit.ly/jakepulumi</a:t>
+            </a:r>
+            <a:endParaRPr lang="en-US" dirty="0"/>
+          </a:p>
+        </p:txBody>
+      </p:sp>
+    </p:spTree>
+    <p:extLst>
+      <p:ext uri="{BB962C8B-B14F-4D97-AF65-F5344CB8AC3E}">
+        <p14:creationId xmlns:p14="http://schemas.microsoft.com/office/powerpoint/2010/main" val="2681039324"/>
       </p:ext>
     </p:extLst>
   </p:cSld>
@@ -4085,4 +9414,299 @@
     </a:ext>
   </a:extLst>
 </a:theme>
+</file>
+
+<file path=ppt/theme/theme2.xml><?xml version="1.0" encoding="utf-8"?>
+<a:theme xmlns:a="http://schemas.openxmlformats.org/drawingml/2006/main" name="Office Theme">
+  <a:themeElements>
+    <a:clrScheme name="Office">
+      <a:dk1>
+        <a:sysClr val="windowText" lastClr="000000"/>
+      </a:dk1>
+      <a:lt1>
+        <a:sysClr val="window" lastClr="FFFFFF"/>
+      </a:lt1>
+      <a:dk2>
+        <a:srgbClr val="44546A"/>
+      </a:dk2>
+      <a:lt2>
+        <a:srgbClr val="E7E6E6"/>
+      </a:lt2>
+      <a:accent1>
+        <a:srgbClr val="4472C4"/>
+      </a:accent1>
+      <a:accent2>
+        <a:srgbClr val="ED7D31"/>
+      </a:accent2>
+      <a:accent3>
+        <a:srgbClr val="A5A5A5"/>
+      </a:accent3>
+      <a:accent4>
+        <a:srgbClr val="FFC000"/>
+      </a:accent4>
+      <a:accent5>
+        <a:srgbClr val="5B9BD5"/>
+      </a:accent5>
+      <a:accent6>
+        <a:srgbClr val="70AD47"/>
+      </a:accent6>
+      <a:hlink>
+        <a:srgbClr val="0563C1"/>
+      </a:hlink>
+      <a:folHlink>
+        <a:srgbClr val="954F72"/>
+      </a:folHlink>
+    </a:clrScheme>
+    <a:fontScheme name="Office">
+      <a:majorFont>
+        <a:latin typeface="Calibri Light" panose="020F0302020204030204"/>
+        <a:ea typeface=""/>
+        <a:cs typeface=""/>
+        <a:font script="Jpan" typeface="游ゴシック Light"/>
+        <a:font script="Hang" typeface="맑은 고딕"/>
+        <a:font script="Hans" typeface="等线 Light"/>
+        <a:font script="Hant" typeface="新細明體"/>
+        <a:font script="Arab" typeface="Times New Roman"/>
+        <a:font script="Hebr" typeface="Times New Roman"/>
+        <a:font script="Thai" typeface="Angsana New"/>
+        <a:font script="Ethi" typeface="Nyala"/>
+        <a:font script="Beng" typeface="Vrinda"/>
+        <a:font script="Gujr" typeface="Shruti"/>
+        <a:font script="Khmr" typeface="MoolBoran"/>
+        <a:font script="Knda" typeface="Tunga"/>
+        <a:font script="Guru" typeface="Raavi"/>
+        <a:font script="Cans" typeface="Euphemia"/>
+        <a:font script="Cher" typeface="Plantagenet Cherokee"/>
+        <a:font script="Yiii" typeface="Microsoft Yi Baiti"/>
+        <a:font script="Tibt" typeface="Microsoft Himalaya"/>
+        <a:font script="Thaa" typeface="MV Boli"/>
+        <a:font script="Deva" typeface="Mangal"/>
+        <a:font script="Telu" typeface="Gautami"/>
+        <a:font script="Taml" typeface="Latha"/>
+        <a:font script="Syrc" typeface="Estrangelo Edessa"/>
+        <a:font script="Orya" typeface="Kalinga"/>
+        <a:font script="Mlym" typeface="Kartika"/>
+        <a:font script="Laoo" typeface="DokChampa"/>
+        <a:font script="Sinh" typeface="Iskoola Pota"/>
+        <a:font script="Mong" typeface="Mongolian Baiti"/>
+        <a:font script="Viet" typeface="Times New Roman"/>
+        <a:font script="Uigh" typeface="Microsoft Uighur"/>
+        <a:font script="Geor" typeface="Sylfaen"/>
+        <a:font script="Armn" typeface="Arial"/>
+        <a:font script="Bugi" typeface="Leelawadee UI"/>
+        <a:font script="Bopo" typeface="Microsoft JhengHei"/>
+        <a:font script="Java" typeface="Javanese Text"/>
+        <a:font script="Lisu" typeface="Segoe UI"/>
+        <a:font script="Mymr" typeface="Myanmar Text"/>
+        <a:font script="Nkoo" typeface="Ebrima"/>
+        <a:font script="Olck" typeface="Nirmala UI"/>
+        <a:font script="Osma" typeface="Ebrima"/>
+        <a:font script="Phag" typeface="Phagspa"/>
+        <a:font script="Syrn" typeface="Estrangelo Edessa"/>
+        <a:font script="Syrj" typeface="Estrangelo Edessa"/>
+        <a:font script="Syre" typeface="Estrangelo Edessa"/>
+        <a:font script="Sora" typeface="Nirmala UI"/>
+        <a:font script="Tale" typeface="Microsoft Tai Le"/>
+        <a:font script="Talu" typeface="Microsoft New Tai Lue"/>
+        <a:font script="Tfng" typeface="Ebrima"/>
+      </a:majorFont>
+      <a:minorFont>
+        <a:latin typeface="Calibri" panose="020F0502020204030204"/>
+        <a:ea typeface=""/>
+        <a:cs typeface=""/>
+        <a:font script="Jpan" typeface="游ゴシック"/>
+        <a:font script="Hang" typeface="맑은 고딕"/>
+        <a:font script="Hans" typeface="等线"/>
+        <a:font script="Hant" typeface="新細明體"/>
+        <a:font script="Arab" typeface="Arial"/>
+        <a:font script="Hebr" typeface="Arial"/>
+        <a:font script="Thai" typeface="Cordia New"/>
+        <a:font script="Ethi" typeface="Nyala"/>
+        <a:font script="Beng" typeface="Vrinda"/>
+        <a:font script="Gujr" typeface="Shruti"/>
+        <a:font script="Khmr" typeface="DaunPenh"/>
+        <a:font script="Knda" typeface="Tunga"/>
+        <a:font script="Guru" typeface="Raavi"/>
+        <a:font script="Cans" typeface="Euphemia"/>
+        <a:font script="Cher" typeface="Plantagenet Cherokee"/>
+        <a:font script="Yiii" typeface="Microsoft Yi Baiti"/>
+        <a:font script="Tibt" typeface="Microsoft Himalaya"/>
+        <a:font script="Thaa" typeface="MV Boli"/>
+        <a:font script="Deva" typeface="Mangal"/>
+        <a:font script="Telu" typeface="Gautami"/>
+        <a:font script="Taml" typeface="Latha"/>
+        <a:font script="Syrc" typeface="Estrangelo Edessa"/>
+        <a:font script="Orya" typeface="Kalinga"/>
+        <a:font script="Mlym" typeface="Kartika"/>
+        <a:font script="Laoo" typeface="DokChampa"/>
+        <a:font script="Sinh" typeface="Iskoola Pota"/>
+        <a:font script="Mong" typeface="Mongolian Baiti"/>
+        <a:font script="Viet" typeface="Arial"/>
+        <a:font script="Uigh" typeface="Microsoft Uighur"/>
+        <a:font script="Geor" typeface="Sylfaen"/>
+        <a:font script="Armn" typeface="Arial"/>
+        <a:font script="Bugi" typeface="Leelawadee UI"/>
+        <a:font script="Bopo" typeface="Microsoft JhengHei"/>
+        <a:font script="Java" typeface="Javanese Text"/>
+        <a:font script="Lisu" typeface="Segoe UI"/>
+        <a:font script="Mymr" typeface="Myanmar Text"/>
+        <a:font script="Nkoo" typeface="Ebrima"/>
+        <a:font script="Olck" typeface="Nirmala UI"/>
+        <a:font script="Osma" typeface="Ebrima"/>
+        <a:font script="Phag" typeface="Phagspa"/>
+        <a:font script="Syrn" typeface="Estrangelo Edessa"/>
+        <a:font script="Syrj" typeface="Estrangelo Edessa"/>
+        <a:font script="Syre" typeface="Estrangelo Edessa"/>
+        <a:font script="Sora" typeface="Nirmala UI"/>
+        <a:font script="Tale" typeface="Microsoft Tai Le"/>
+        <a:font script="Talu" typeface="Microsoft New Tai Lue"/>
+        <a:font script="Tfng" typeface="Ebrima"/>
+      </a:minorFont>
+    </a:fontScheme>
+    <a:fmtScheme name="Office">
+      <a:fillStyleLst>
+        <a:solidFill>
+          <a:schemeClr val="phClr"/>
+        </a:solidFill>
+        <a:gradFill rotWithShape="1">
+          <a:gsLst>
+            <a:gs pos="0">
+              <a:schemeClr val="phClr">
+                <a:lumMod val="110000"/>
+                <a:satMod val="105000"/>
+                <a:tint val="67000"/>
+              </a:schemeClr>
+            </a:gs>
+            <a:gs pos="50000">
+              <a:schemeClr val="phClr">
+                <a:lumMod val="105000"/>
+                <a:satMod val="103000"/>
+                <a:tint val="73000"/>
+              </a:schemeClr>
+            </a:gs>
+            <a:gs pos="100000">
+              <a:schemeClr val="phClr">
+                <a:lumMod val="105000"/>
+                <a:satMod val="109000"/>
+                <a:tint val="81000"/>
+              </a:schemeClr>
+            </a:gs>
+          </a:gsLst>
+          <a:lin ang="5400000" scaled="0"/>
+        </a:gradFill>
+        <a:gradFill rotWithShape="1">
+          <a:gsLst>
+            <a:gs pos="0">
+              <a:schemeClr val="phClr">
+                <a:satMod val="103000"/>
+                <a:lumMod val="102000"/>
+                <a:tint val="94000"/>
+              </a:schemeClr>
+            </a:gs>
+            <a:gs pos="50000">
+              <a:schemeClr val="phClr">
+                <a:satMod val="110000"/>
+                <a:lumMod val="100000"/>
+                <a:shade val="100000"/>
+              </a:schemeClr>
+            </a:gs>
+            <a:gs pos="100000">
+              <a:schemeClr val="phClr">
+                <a:lumMod val="99000"/>
+                <a:satMod val="120000"/>
+                <a:shade val="78000"/>
+              </a:schemeClr>
+            </a:gs>
+          </a:gsLst>
+          <a:lin ang="5400000" scaled="0"/>
+        </a:gradFill>
+      </a:fillStyleLst>
+      <a:lnStyleLst>
+        <a:ln w="6350" cap="flat" cmpd="sng" algn="ctr">
+          <a:solidFill>
+            <a:schemeClr val="phClr"/>
+          </a:solidFill>
+          <a:prstDash val="solid"/>
+          <a:miter lim="800000"/>
+        </a:ln>
+        <a:ln w="12700" cap="flat" cmpd="sng" algn="ctr">
+          <a:solidFill>
+            <a:schemeClr val="phClr"/>
+          </a:solidFill>
+          <a:prstDash val="solid"/>
+          <a:miter lim="800000"/>
+        </a:ln>
+        <a:ln w="19050" cap="flat" cmpd="sng" algn="ctr">
+          <a:solidFill>
+            <a:schemeClr val="phClr"/>
+          </a:solidFill>
+          <a:prstDash val="solid"/>
+          <a:miter lim="800000"/>
+        </a:ln>
+      </a:lnStyleLst>
+      <a:effectStyleLst>
+        <a:effectStyle>
+          <a:effectLst/>
+        </a:effectStyle>
+        <a:effectStyle>
+          <a:effectLst/>
+        </a:effectStyle>
+        <a:effectStyle>
+          <a:effectLst>
+            <a:outerShdw blurRad="57150" dist="19050" dir="5400000" algn="ctr" rotWithShape="0">
+              <a:srgbClr val="000000">
+                <a:alpha val="63000"/>
+              </a:srgbClr>
+            </a:outerShdw>
+          </a:effectLst>
+        </a:effectStyle>
+      </a:effectStyleLst>
+      <a:bgFillStyleLst>
+        <a:solidFill>
+          <a:schemeClr val="phClr"/>
+        </a:solidFill>
+        <a:solidFill>
+          <a:schemeClr val="phClr">
+            <a:tint val="95000"/>
+            <a:satMod val="170000"/>
+          </a:schemeClr>
+        </a:solidFill>
+        <a:gradFill rotWithShape="1">
+          <a:gsLst>
+            <a:gs pos="0">
+              <a:schemeClr val="phClr">
+                <a:tint val="93000"/>
+                <a:satMod val="150000"/>
+                <a:shade val="98000"/>
+                <a:lumMod val="102000"/>
+              </a:schemeClr>
+            </a:gs>
+            <a:gs pos="50000">
+              <a:schemeClr val="phClr">
+                <a:tint val="98000"/>
+                <a:satMod val="130000"/>
+                <a:shade val="90000"/>
+                <a:lumMod val="103000"/>
+              </a:schemeClr>
+            </a:gs>
+            <a:gs pos="100000">
+              <a:schemeClr val="phClr">
+                <a:shade val="63000"/>
+                <a:satMod val="120000"/>
+              </a:schemeClr>
+            </a:gs>
+          </a:gsLst>
+          <a:lin ang="5400000" scaled="0"/>
+        </a:gradFill>
+      </a:bgFillStyleLst>
+    </a:fmtScheme>
+  </a:themeElements>
+  <a:objectDefaults/>
+  <a:extraClrSchemeLst/>
+  <a:extLst>
+    <a:ext uri="{05A4C25C-085E-4340-85A3-A5531E510DB2}">
+      <thm15:themeFamily xmlns:thm15="http://schemas.microsoft.com/office/thememl/2012/main" name="Office Theme" id="{62F939B6-93AF-4DB8-9C6B-D6C7DFDC589F}" vid="{4A3C46E8-61CC-4603-A589-7422A47A8E4A}"/>
+    </a:ext>
+  </a:extLst>
+</a:theme>
 </file>
--- a/Creating Cloud Infrastructure with C# and Pulumi.pptx
+++ b/Creating Cloud Infrastructure with C# and Pulumi.pptx
@@ -5,7 +5,7 @@
     <p:sldMasterId id="2147483648" r:id="rId1"/>
   </p:sldMasterIdLst>
   <p:notesMasterIdLst>
-    <p:notesMasterId r:id="rId15"/>
+    <p:notesMasterId r:id="rId17"/>
   </p:notesMasterIdLst>
   <p:sldIdLst>
     <p:sldId id="256" r:id="rId2"/>
@@ -20,7 +20,9 @@
     <p:sldId id="261" r:id="rId11"/>
     <p:sldId id="268" r:id="rId12"/>
     <p:sldId id="263" r:id="rId13"/>
-    <p:sldId id="264" r:id="rId14"/>
+    <p:sldId id="270" r:id="rId14"/>
+    <p:sldId id="271" r:id="rId15"/>
+    <p:sldId id="264" r:id="rId16"/>
   </p:sldIdLst>
   <p:sldSz cx="12192000" cy="6858000"/>
   <p:notesSz cx="6858000" cy="9144000"/>
@@ -5568,6 +5570,608 @@
 </file>
 
 <file path=ppt/slides/slide13.xml><?xml version="1.0" encoding="utf-8"?>
+<p:sld xmlns:a="http://schemas.openxmlformats.org/drawingml/2006/main" xmlns:r="http://schemas.openxmlformats.org/officeDocument/2006/relationships" xmlns:p="http://schemas.openxmlformats.org/presentationml/2006/main">
+  <p:cSld>
+    <p:spTree>
+      <p:nvGrpSpPr>
+        <p:cNvPr id="1" name=""/>
+        <p:cNvGrpSpPr/>
+        <p:nvPr/>
+      </p:nvGrpSpPr>
+      <p:grpSpPr>
+        <a:xfrm>
+          <a:off x="0" y="0"/>
+          <a:ext cx="0" cy="0"/>
+          <a:chOff x="0" y="0"/>
+          <a:chExt cx="0" cy="0"/>
+        </a:xfrm>
+      </p:grpSpPr>
+      <p:sp>
+        <p:nvSpPr>
+          <p:cNvPr id="2" name="Title 1">
+            <a:extLst>
+              <a:ext uri="{FF2B5EF4-FFF2-40B4-BE49-F238E27FC236}">
+                <a16:creationId xmlns:a16="http://schemas.microsoft.com/office/drawing/2014/main" id="{C4ED45A2-EFBE-44D3-AFD7-B8E63A792FF3}"/>
+              </a:ext>
+            </a:extLst>
+          </p:cNvPr>
+          <p:cNvSpPr>
+            <a:spLocks noGrp="1"/>
+          </p:cNvSpPr>
+          <p:nvPr>
+            <p:ph type="title"/>
+          </p:nvPr>
+        </p:nvSpPr>
+        <p:spPr/>
+        <p:txBody>
+          <a:bodyPr/>
+          <a:lstStyle/>
+          <a:p>
+            <a:r>
+              <a:rPr lang="en-US" dirty="0"/>
+              <a:t>Three Tier Demo</a:t>
+            </a:r>
+          </a:p>
+        </p:txBody>
+      </p:sp>
+      <p:pic>
+        <p:nvPicPr>
+          <p:cNvPr id="6" name="Content Placeholder 5">
+            <a:extLst>
+              <a:ext uri="{FF2B5EF4-FFF2-40B4-BE49-F238E27FC236}">
+                <a16:creationId xmlns:a16="http://schemas.microsoft.com/office/drawing/2014/main" id="{47A7F902-70F4-4FC2-8041-51EAAF18D11B}"/>
+              </a:ext>
+            </a:extLst>
+          </p:cNvPr>
+          <p:cNvPicPr>
+            <a:picLocks noGrp="1" noChangeAspect="1"/>
+          </p:cNvPicPr>
+          <p:nvPr>
+            <p:ph idx="1"/>
+          </p:nvPr>
+        </p:nvPicPr>
+        <p:blipFill>
+          <a:blip r:embed="rId2">
+            <a:extLst>
+              <a:ext uri="{28A0092B-C50C-407E-A947-70E740481C1C}">
+                <a14:useLocalDpi xmlns:a14="http://schemas.microsoft.com/office/drawing/2010/main" val="0"/>
+              </a:ext>
+              <a:ext uri="{96DAC541-7B7A-43D3-8B79-37D633B846F1}">
+                <asvg:svgBlip xmlns:asvg="http://schemas.microsoft.com/office/drawing/2016/SVG/main" r:embed="rId3"/>
+              </a:ext>
+            </a:extLst>
+          </a:blip>
+          <a:stretch>
+            <a:fillRect/>
+          </a:stretch>
+        </p:blipFill>
+        <p:spPr>
+          <a:xfrm>
+            <a:off x="1896664" y="3890723"/>
+            <a:ext cx="1463040" cy="1463040"/>
+          </a:xfrm>
+        </p:spPr>
+      </p:pic>
+      <p:sp>
+        <p:nvSpPr>
+          <p:cNvPr id="4" name="Footer Placeholder 3">
+            <a:extLst>
+              <a:ext uri="{FF2B5EF4-FFF2-40B4-BE49-F238E27FC236}">
+                <a16:creationId xmlns:a16="http://schemas.microsoft.com/office/drawing/2014/main" id="{C14C5C8C-3AC2-44A0-B411-FB1E0C686632}"/>
+              </a:ext>
+            </a:extLst>
+          </p:cNvPr>
+          <p:cNvSpPr>
+            <a:spLocks noGrp="1"/>
+          </p:cNvSpPr>
+          <p:nvPr>
+            <p:ph type="ftr" sz="quarter" idx="11"/>
+          </p:nvPr>
+        </p:nvSpPr>
+        <p:spPr/>
+        <p:txBody>
+          <a:bodyPr/>
+          <a:lstStyle/>
+          <a:p>
+            <a:pPr algn="l"/>
+            <a:r>
+              <a:rPr lang="en-US"/>
+              <a:t>@jacobladams 			https://bit.ly/jakepulumi</a:t>
+            </a:r>
+            <a:endParaRPr lang="en-US" dirty="0"/>
+          </a:p>
+        </p:txBody>
+      </p:sp>
+      <p:pic>
+        <p:nvPicPr>
+          <p:cNvPr id="10" name="Graphic 9">
+            <a:extLst>
+              <a:ext uri="{FF2B5EF4-FFF2-40B4-BE49-F238E27FC236}">
+                <a16:creationId xmlns:a16="http://schemas.microsoft.com/office/drawing/2014/main" id="{93B4E055-9FAA-4B00-AA42-51A907C87167}"/>
+              </a:ext>
+            </a:extLst>
+          </p:cNvPr>
+          <p:cNvPicPr>
+            <a:picLocks noChangeAspect="1"/>
+          </p:cNvPicPr>
+          <p:nvPr/>
+        </p:nvPicPr>
+        <p:blipFill>
+          <a:blip r:embed="rId4">
+            <a:extLst>
+              <a:ext uri="{28A0092B-C50C-407E-A947-70E740481C1C}">
+                <a14:useLocalDpi xmlns:a14="http://schemas.microsoft.com/office/drawing/2010/main" val="0"/>
+              </a:ext>
+              <a:ext uri="{96DAC541-7B7A-43D3-8B79-37D633B846F1}">
+                <asvg:svgBlip xmlns:asvg="http://schemas.microsoft.com/office/drawing/2016/SVG/main" r:embed="rId5"/>
+              </a:ext>
+            </a:extLst>
+          </a:blip>
+          <a:stretch>
+            <a:fillRect/>
+          </a:stretch>
+        </p:blipFill>
+        <p:spPr>
+          <a:xfrm>
+            <a:off x="8561230" y="2424091"/>
+            <a:ext cx="1463040" cy="1463040"/>
+          </a:xfrm>
+          <a:prstGeom prst="rect">
+            <a:avLst/>
+          </a:prstGeom>
+        </p:spPr>
+      </p:pic>
+      <p:pic>
+        <p:nvPicPr>
+          <p:cNvPr id="12" name="Graphic 11">
+            <a:extLst>
+              <a:ext uri="{FF2B5EF4-FFF2-40B4-BE49-F238E27FC236}">
+                <a16:creationId xmlns:a16="http://schemas.microsoft.com/office/drawing/2014/main" id="{336A30F6-A23E-491B-91B1-38C99EDE1256}"/>
+              </a:ext>
+            </a:extLst>
+          </p:cNvPr>
+          <p:cNvPicPr>
+            <a:picLocks noChangeAspect="1"/>
+          </p:cNvPicPr>
+          <p:nvPr/>
+        </p:nvPicPr>
+        <p:blipFill>
+          <a:blip r:embed="rId6">
+            <a:extLst>
+              <a:ext uri="{28A0092B-C50C-407E-A947-70E740481C1C}">
+                <a14:useLocalDpi xmlns:a14="http://schemas.microsoft.com/office/drawing/2010/main" val="0"/>
+              </a:ext>
+              <a:ext uri="{96DAC541-7B7A-43D3-8B79-37D633B846F1}">
+                <asvg:svgBlip xmlns:asvg="http://schemas.microsoft.com/office/drawing/2016/SVG/main" r:embed="rId7"/>
+              </a:ext>
+            </a:extLst>
+          </a:blip>
+          <a:stretch>
+            <a:fillRect/>
+          </a:stretch>
+        </p:blipFill>
+        <p:spPr>
+          <a:xfrm>
+            <a:off x="5305424" y="2424091"/>
+            <a:ext cx="1463040" cy="1463040"/>
+          </a:xfrm>
+          <a:prstGeom prst="rect">
+            <a:avLst/>
+          </a:prstGeom>
+        </p:spPr>
+      </p:pic>
+      <p:pic>
+        <p:nvPicPr>
+          <p:cNvPr id="15" name="Graphic 14" descr="Arrow Up with solid fill">
+            <a:extLst>
+              <a:ext uri="{FF2B5EF4-FFF2-40B4-BE49-F238E27FC236}">
+                <a16:creationId xmlns:a16="http://schemas.microsoft.com/office/drawing/2014/main" id="{5743B85A-8585-453C-A256-9BAD76F8A298}"/>
+              </a:ext>
+            </a:extLst>
+          </p:cNvPr>
+          <p:cNvPicPr>
+            <a:picLocks noChangeAspect="1"/>
+          </p:cNvPicPr>
+          <p:nvPr/>
+        </p:nvPicPr>
+        <p:blipFill>
+          <a:blip r:embed="rId8">
+            <a:extLst>
+              <a:ext uri="{28A0092B-C50C-407E-A947-70E740481C1C}">
+                <a14:useLocalDpi xmlns:a14="http://schemas.microsoft.com/office/drawing/2010/main" val="0"/>
+              </a:ext>
+              <a:ext uri="{96DAC541-7B7A-43D3-8B79-37D633B846F1}">
+                <asvg:svgBlip xmlns:asvg="http://schemas.microsoft.com/office/drawing/2016/SVG/main" r:embed="rId9"/>
+              </a:ext>
+            </a:extLst>
+          </a:blip>
+          <a:stretch>
+            <a:fillRect/>
+          </a:stretch>
+        </p:blipFill>
+        <p:spPr>
+          <a:xfrm rot="5400000">
+            <a:off x="3935809" y="2765026"/>
+            <a:ext cx="914400" cy="914400"/>
+          </a:xfrm>
+          <a:prstGeom prst="rect">
+            <a:avLst/>
+          </a:prstGeom>
+        </p:spPr>
+      </p:pic>
+      <p:pic>
+        <p:nvPicPr>
+          <p:cNvPr id="16" name="Graphic 15" descr="Arrow Up with solid fill">
+            <a:extLst>
+              <a:ext uri="{FF2B5EF4-FFF2-40B4-BE49-F238E27FC236}">
+                <a16:creationId xmlns:a16="http://schemas.microsoft.com/office/drawing/2014/main" id="{65F9FF4D-3DC9-4375-B6B1-D53B1E2E3305}"/>
+              </a:ext>
+            </a:extLst>
+          </p:cNvPr>
+          <p:cNvPicPr>
+            <a:picLocks noChangeAspect="1"/>
+          </p:cNvPicPr>
+          <p:nvPr/>
+        </p:nvPicPr>
+        <p:blipFill>
+          <a:blip r:embed="rId8">
+            <a:extLst>
+              <a:ext uri="{28A0092B-C50C-407E-A947-70E740481C1C}">
+                <a14:useLocalDpi xmlns:a14="http://schemas.microsoft.com/office/drawing/2010/main" val="0"/>
+              </a:ext>
+              <a:ext uri="{96DAC541-7B7A-43D3-8B79-37D633B846F1}">
+                <asvg:svgBlip xmlns:asvg="http://schemas.microsoft.com/office/drawing/2016/SVG/main" r:embed="rId9"/>
+              </a:ext>
+            </a:extLst>
+          </a:blip>
+          <a:stretch>
+            <a:fillRect/>
+          </a:stretch>
+        </p:blipFill>
+        <p:spPr>
+          <a:xfrm rot="5400000">
+            <a:off x="7223679" y="2765026"/>
+            <a:ext cx="914400" cy="914400"/>
+          </a:xfrm>
+          <a:prstGeom prst="rect">
+            <a:avLst/>
+          </a:prstGeom>
+        </p:spPr>
+      </p:pic>
+      <p:pic>
+        <p:nvPicPr>
+          <p:cNvPr id="18" name="Picture 17" descr="Logo, icon&#10;&#10;Description automatically generated">
+            <a:extLst>
+              <a:ext uri="{FF2B5EF4-FFF2-40B4-BE49-F238E27FC236}">
+                <a16:creationId xmlns:a16="http://schemas.microsoft.com/office/drawing/2014/main" id="{5AB330BF-91A9-4CF3-9BCD-61271FF41663}"/>
+              </a:ext>
+            </a:extLst>
+          </p:cNvPr>
+          <p:cNvPicPr>
+            <a:picLocks noChangeAspect="1"/>
+          </p:cNvPicPr>
+          <p:nvPr/>
+        </p:nvPicPr>
+        <p:blipFill>
+          <a:blip r:embed="rId10">
+            <a:extLst>
+              <a:ext uri="{28A0092B-C50C-407E-A947-70E740481C1C}">
+                <a14:useLocalDpi xmlns:a14="http://schemas.microsoft.com/office/drawing/2010/main" val="0"/>
+              </a:ext>
+            </a:extLst>
+          </a:blip>
+          <a:stretch>
+            <a:fillRect/>
+          </a:stretch>
+        </p:blipFill>
+        <p:spPr>
+          <a:xfrm>
+            <a:off x="1896664" y="1759186"/>
+            <a:ext cx="1463040" cy="1463040"/>
+          </a:xfrm>
+          <a:prstGeom prst="rect">
+            <a:avLst/>
+          </a:prstGeom>
+        </p:spPr>
+      </p:pic>
+      <p:sp>
+        <p:nvSpPr>
+          <p:cNvPr id="19" name="TextBox 18">
+            <a:extLst>
+              <a:ext uri="{FF2B5EF4-FFF2-40B4-BE49-F238E27FC236}">
+                <a16:creationId xmlns:a16="http://schemas.microsoft.com/office/drawing/2014/main" id="{24C27C13-1D88-4C56-A3DC-CA21425831C8}"/>
+              </a:ext>
+            </a:extLst>
+          </p:cNvPr>
+          <p:cNvSpPr txBox="1"/>
+          <p:nvPr/>
+        </p:nvSpPr>
+        <p:spPr>
+          <a:xfrm>
+            <a:off x="5313043" y="4076962"/>
+            <a:ext cx="1832771" cy="369332"/>
+          </a:xfrm>
+          <a:prstGeom prst="rect">
+            <a:avLst/>
+          </a:prstGeom>
+          <a:noFill/>
+        </p:spPr>
+        <p:txBody>
+          <a:bodyPr wrap="square" rtlCol="0">
+            <a:spAutoFit/>
+          </a:bodyPr>
+          <a:lstStyle/>
+          <a:p>
+            <a:r>
+              <a:rPr lang="en-US" dirty="0"/>
+              <a:t>Azure Functions</a:t>
+            </a:r>
+          </a:p>
+        </p:txBody>
+      </p:sp>
+      <p:sp>
+        <p:nvSpPr>
+          <p:cNvPr id="20" name="TextBox 19">
+            <a:extLst>
+              <a:ext uri="{FF2B5EF4-FFF2-40B4-BE49-F238E27FC236}">
+                <a16:creationId xmlns:a16="http://schemas.microsoft.com/office/drawing/2014/main" id="{7BBB2EA2-E10B-4C9C-93E6-FD0F3ADA7C9E}"/>
+              </a:ext>
+            </a:extLst>
+          </p:cNvPr>
+          <p:cNvSpPr txBox="1"/>
+          <p:nvPr/>
+        </p:nvSpPr>
+        <p:spPr>
+          <a:xfrm>
+            <a:off x="10047130" y="4069955"/>
+            <a:ext cx="1832771" cy="369332"/>
+          </a:xfrm>
+          <a:prstGeom prst="rect">
+            <a:avLst/>
+          </a:prstGeom>
+          <a:noFill/>
+        </p:spPr>
+        <p:txBody>
+          <a:bodyPr wrap="square" rtlCol="0">
+            <a:spAutoFit/>
+          </a:bodyPr>
+          <a:lstStyle/>
+          <a:p>
+            <a:r>
+              <a:rPr lang="en-US" dirty="0"/>
+              <a:t>Cosmos DB</a:t>
+            </a:r>
+          </a:p>
+        </p:txBody>
+      </p:sp>
+      <p:sp>
+        <p:nvSpPr>
+          <p:cNvPr id="21" name="TextBox 20">
+            <a:extLst>
+              <a:ext uri="{FF2B5EF4-FFF2-40B4-BE49-F238E27FC236}">
+                <a16:creationId xmlns:a16="http://schemas.microsoft.com/office/drawing/2014/main" id="{AFE8B2D9-ED6B-4EB3-A75D-2C9E88459473}"/>
+              </a:ext>
+            </a:extLst>
+          </p:cNvPr>
+          <p:cNvSpPr txBox="1"/>
+          <p:nvPr/>
+        </p:nvSpPr>
+        <p:spPr>
+          <a:xfrm>
+            <a:off x="1896664" y="5396702"/>
+            <a:ext cx="2364187" cy="646331"/>
+          </a:xfrm>
+          <a:prstGeom prst="rect">
+            <a:avLst/>
+          </a:prstGeom>
+          <a:noFill/>
+        </p:spPr>
+        <p:txBody>
+          <a:bodyPr wrap="square" rtlCol="0">
+            <a:spAutoFit/>
+          </a:bodyPr>
+          <a:lstStyle/>
+          <a:p>
+            <a:r>
+              <a:rPr lang="en-US" dirty="0"/>
+              <a:t>Azure Storage Account Static Website </a:t>
+            </a:r>
+          </a:p>
+        </p:txBody>
+      </p:sp>
+      <p:sp>
+        <p:nvSpPr>
+          <p:cNvPr id="22" name="TextBox 21">
+            <a:extLst>
+              <a:ext uri="{FF2B5EF4-FFF2-40B4-BE49-F238E27FC236}">
+                <a16:creationId xmlns:a16="http://schemas.microsoft.com/office/drawing/2014/main" id="{918A7351-E1DC-4D90-A7F3-0F225E4042E1}"/>
+              </a:ext>
+            </a:extLst>
+          </p:cNvPr>
+          <p:cNvSpPr txBox="1"/>
+          <p:nvPr/>
+        </p:nvSpPr>
+        <p:spPr>
+          <a:xfrm>
+            <a:off x="1896664" y="3155611"/>
+            <a:ext cx="1832771" cy="646331"/>
+          </a:xfrm>
+          <a:prstGeom prst="rect">
+            <a:avLst/>
+          </a:prstGeom>
+          <a:noFill/>
+        </p:spPr>
+        <p:txBody>
+          <a:bodyPr wrap="square" rtlCol="0">
+            <a:spAutoFit/>
+          </a:bodyPr>
+          <a:lstStyle/>
+          <a:p>
+            <a:r>
+              <a:rPr lang="en-US" dirty="0" err="1"/>
+              <a:t>Blazor</a:t>
+            </a:r>
+            <a:r>
+              <a:rPr lang="en-US" dirty="0"/>
+              <a:t> </a:t>
+            </a:r>
+            <a:r>
+              <a:rPr lang="en-US" dirty="0" err="1"/>
+              <a:t>WebAssembly</a:t>
+            </a:r>
+            <a:endParaRPr lang="en-US" dirty="0"/>
+          </a:p>
+        </p:txBody>
+      </p:sp>
+    </p:spTree>
+    <p:extLst>
+      <p:ext uri="{BB962C8B-B14F-4D97-AF65-F5344CB8AC3E}">
+        <p14:creationId xmlns:p14="http://schemas.microsoft.com/office/powerpoint/2010/main" val="2167129933"/>
+      </p:ext>
+    </p:extLst>
+  </p:cSld>
+  <p:clrMapOvr>
+    <a:masterClrMapping/>
+  </p:clrMapOvr>
+</p:sld>
+</file>
+
+<file path=ppt/slides/slide14.xml><?xml version="1.0" encoding="utf-8"?>
+<p:sld xmlns:a="http://schemas.openxmlformats.org/drawingml/2006/main" xmlns:r="http://schemas.openxmlformats.org/officeDocument/2006/relationships" xmlns:p="http://schemas.openxmlformats.org/presentationml/2006/main">
+  <p:cSld>
+    <p:spTree>
+      <p:nvGrpSpPr>
+        <p:cNvPr id="1" name=""/>
+        <p:cNvGrpSpPr/>
+        <p:nvPr/>
+      </p:nvGrpSpPr>
+      <p:grpSpPr>
+        <a:xfrm>
+          <a:off x="0" y="0"/>
+          <a:ext cx="0" cy="0"/>
+          <a:chOff x="0" y="0"/>
+          <a:chExt cx="0" cy="0"/>
+        </a:xfrm>
+      </p:grpSpPr>
+      <p:sp>
+        <p:nvSpPr>
+          <p:cNvPr id="2" name="Title 1">
+            <a:extLst>
+              <a:ext uri="{FF2B5EF4-FFF2-40B4-BE49-F238E27FC236}">
+                <a16:creationId xmlns:a16="http://schemas.microsoft.com/office/drawing/2014/main" id="{6B4FE392-1F6E-48ED-BFB4-D053E988FAC1}"/>
+              </a:ext>
+            </a:extLst>
+          </p:cNvPr>
+          <p:cNvSpPr>
+            <a:spLocks noGrp="1"/>
+          </p:cNvSpPr>
+          <p:nvPr>
+            <p:ph type="title"/>
+          </p:nvPr>
+        </p:nvSpPr>
+        <p:spPr/>
+        <p:txBody>
+          <a:bodyPr/>
+          <a:lstStyle/>
+          <a:p>
+            <a:r>
+              <a:rPr lang="en-US" dirty="0"/>
+              <a:t>Bonus – (Hand waving portion)</a:t>
+            </a:r>
+          </a:p>
+        </p:txBody>
+      </p:sp>
+      <p:sp>
+        <p:nvSpPr>
+          <p:cNvPr id="3" name="Content Placeholder 2">
+            <a:extLst>
+              <a:ext uri="{FF2B5EF4-FFF2-40B4-BE49-F238E27FC236}">
+                <a16:creationId xmlns:a16="http://schemas.microsoft.com/office/drawing/2014/main" id="{C438AEDE-917E-4B1B-B27A-5B37CDCE3633}"/>
+              </a:ext>
+            </a:extLst>
+          </p:cNvPr>
+          <p:cNvSpPr>
+            <a:spLocks noGrp="1"/>
+          </p:cNvSpPr>
+          <p:nvPr>
+            <p:ph idx="1"/>
+          </p:nvPr>
+        </p:nvSpPr>
+        <p:spPr/>
+        <p:txBody>
+          <a:bodyPr/>
+          <a:lstStyle/>
+          <a:p>
+            <a:r>
+              <a:rPr lang="en-US" dirty="0"/>
+              <a:t>Packages</a:t>
+            </a:r>
+          </a:p>
+          <a:p>
+            <a:r>
+              <a:rPr lang="en-US" dirty="0"/>
+              <a:t>Commands</a:t>
+            </a:r>
+          </a:p>
+          <a:p>
+            <a:r>
+              <a:rPr lang="en-US" dirty="0"/>
+              <a:t>CI/CD</a:t>
+            </a:r>
+          </a:p>
+          <a:p>
+            <a:r>
+              <a:rPr lang="en-US"/>
+              <a:t>Mulicloud</a:t>
+            </a:r>
+            <a:endParaRPr lang="en-US" dirty="0"/>
+          </a:p>
+        </p:txBody>
+      </p:sp>
+      <p:sp>
+        <p:nvSpPr>
+          <p:cNvPr id="4" name="Footer Placeholder 3">
+            <a:extLst>
+              <a:ext uri="{FF2B5EF4-FFF2-40B4-BE49-F238E27FC236}">
+                <a16:creationId xmlns:a16="http://schemas.microsoft.com/office/drawing/2014/main" id="{D42B4B09-1BE5-4E77-82DF-91C91D0B5FFA}"/>
+              </a:ext>
+            </a:extLst>
+          </p:cNvPr>
+          <p:cNvSpPr>
+            <a:spLocks noGrp="1"/>
+          </p:cNvSpPr>
+          <p:nvPr>
+            <p:ph type="ftr" sz="quarter" idx="11"/>
+          </p:nvPr>
+        </p:nvSpPr>
+        <p:spPr/>
+        <p:txBody>
+          <a:bodyPr/>
+          <a:lstStyle/>
+          <a:p>
+            <a:pPr algn="l"/>
+            <a:r>
+              <a:rPr lang="en-US"/>
+              <a:t>@jacobladams 			https://bit.ly/jakepulumi</a:t>
+            </a:r>
+            <a:endParaRPr lang="en-US" dirty="0"/>
+          </a:p>
+        </p:txBody>
+      </p:sp>
+    </p:spTree>
+    <p:extLst>
+      <p:ext uri="{BB962C8B-B14F-4D97-AF65-F5344CB8AC3E}">
+        <p14:creationId xmlns:p14="http://schemas.microsoft.com/office/powerpoint/2010/main" val="3114599735"/>
+      </p:ext>
+    </p:extLst>
+  </p:cSld>
+  <p:clrMapOvr>
+    <a:masterClrMapping/>
+  </p:clrMapOvr>
+</p:sld>
+</file>
+
+<file path=ppt/slides/slide15.xml><?xml version="1.0" encoding="utf-8"?>
 <p:sld xmlns:a="http://schemas.openxmlformats.org/drawingml/2006/main" xmlns:r="http://schemas.openxmlformats.org/officeDocument/2006/relationships" xmlns:p="http://schemas.openxmlformats.org/presentationml/2006/main">
   <p:cSld>
     <p:spTree>
